--- a/Logic gates.pptx
+++ b/Logic gates.pptx
@@ -6,6 +6,30 @@
   </p:sldMasterIdLst>
   <p:sldIdLst>
     <p:sldId id="257" r:id="rId2"/>
+    <p:sldId id="258" r:id="rId3"/>
+    <p:sldId id="259" r:id="rId4"/>
+    <p:sldId id="260" r:id="rId5"/>
+    <p:sldId id="261" r:id="rId6"/>
+    <p:sldId id="262" r:id="rId7"/>
+    <p:sldId id="263" r:id="rId8"/>
+    <p:sldId id="264" r:id="rId9"/>
+    <p:sldId id="265" r:id="rId10"/>
+    <p:sldId id="266" r:id="rId11"/>
+    <p:sldId id="267" r:id="rId12"/>
+    <p:sldId id="268" r:id="rId13"/>
+    <p:sldId id="269" r:id="rId14"/>
+    <p:sldId id="270" r:id="rId15"/>
+    <p:sldId id="271" r:id="rId16"/>
+    <p:sldId id="272" r:id="rId17"/>
+    <p:sldId id="273" r:id="rId18"/>
+    <p:sldId id="274" r:id="rId19"/>
+    <p:sldId id="275" r:id="rId20"/>
+    <p:sldId id="276" r:id="rId21"/>
+    <p:sldId id="277" r:id="rId22"/>
+    <p:sldId id="278" r:id="rId23"/>
+    <p:sldId id="279" r:id="rId24"/>
+    <p:sldId id="280" r:id="rId25"/>
+    <p:sldId id="281" r:id="rId26"/>
   </p:sldIdLst>
   <p:sldSz cx="9144000" cy="6858000" type="screen4x3"/>
   <p:notesSz cx="6858000" cy="9144000"/>
@@ -289,7 +313,7 @@
             <a:fld id="{E0B50325-96DC-401A-AA61-6FBE22230B93}" type="datetimeFigureOut">
               <a:rPr lang="en-US" smtClean="0"/>
               <a:pPr/>
-              <a:t>7/18/2016</a:t>
+              <a:t>7/19/2016</a:t>
             </a:fld>
             <a:endParaRPr lang="en-US"/>
           </a:p>
@@ -456,7 +480,7 @@
             <a:fld id="{E0B50325-96DC-401A-AA61-6FBE22230B93}" type="datetimeFigureOut">
               <a:rPr lang="en-US" smtClean="0"/>
               <a:pPr/>
-              <a:t>7/18/2016</a:t>
+              <a:t>7/19/2016</a:t>
             </a:fld>
             <a:endParaRPr lang="en-US"/>
           </a:p>
@@ -633,7 +657,7 @@
             <a:fld id="{E0B50325-96DC-401A-AA61-6FBE22230B93}" type="datetimeFigureOut">
               <a:rPr lang="en-US" smtClean="0"/>
               <a:pPr/>
-              <a:t>7/18/2016</a:t>
+              <a:t>7/19/2016</a:t>
             </a:fld>
             <a:endParaRPr lang="en-US"/>
           </a:p>
@@ -800,7 +824,7 @@
             <a:fld id="{E0B50325-96DC-401A-AA61-6FBE22230B93}" type="datetimeFigureOut">
               <a:rPr lang="en-US" smtClean="0"/>
               <a:pPr/>
-              <a:t>7/18/2016</a:t>
+              <a:t>7/19/2016</a:t>
             </a:fld>
             <a:endParaRPr lang="en-US"/>
           </a:p>
@@ -1043,7 +1067,7 @@
             <a:fld id="{E0B50325-96DC-401A-AA61-6FBE22230B93}" type="datetimeFigureOut">
               <a:rPr lang="en-US" smtClean="0"/>
               <a:pPr/>
-              <a:t>7/18/2016</a:t>
+              <a:t>7/19/2016</a:t>
             </a:fld>
             <a:endParaRPr lang="en-US"/>
           </a:p>
@@ -1328,7 +1352,7 @@
             <a:fld id="{E0B50325-96DC-401A-AA61-6FBE22230B93}" type="datetimeFigureOut">
               <a:rPr lang="en-US" smtClean="0"/>
               <a:pPr/>
-              <a:t>7/18/2016</a:t>
+              <a:t>7/19/2016</a:t>
             </a:fld>
             <a:endParaRPr lang="en-US"/>
           </a:p>
@@ -1747,7 +1771,7 @@
             <a:fld id="{E0B50325-96DC-401A-AA61-6FBE22230B93}" type="datetimeFigureOut">
               <a:rPr lang="en-US" smtClean="0"/>
               <a:pPr/>
-              <a:t>7/18/2016</a:t>
+              <a:t>7/19/2016</a:t>
             </a:fld>
             <a:endParaRPr lang="en-US"/>
           </a:p>
@@ -1862,7 +1886,7 @@
             <a:fld id="{E0B50325-96DC-401A-AA61-6FBE22230B93}" type="datetimeFigureOut">
               <a:rPr lang="en-US" smtClean="0"/>
               <a:pPr/>
-              <a:t>7/18/2016</a:t>
+              <a:t>7/19/2016</a:t>
             </a:fld>
             <a:endParaRPr lang="en-US"/>
           </a:p>
@@ -1954,7 +1978,7 @@
             <a:fld id="{E0B50325-96DC-401A-AA61-6FBE22230B93}" type="datetimeFigureOut">
               <a:rPr lang="en-US" smtClean="0"/>
               <a:pPr/>
-              <a:t>7/18/2016</a:t>
+              <a:t>7/19/2016</a:t>
             </a:fld>
             <a:endParaRPr lang="en-US"/>
           </a:p>
@@ -2228,7 +2252,7 @@
             <a:fld id="{E0B50325-96DC-401A-AA61-6FBE22230B93}" type="datetimeFigureOut">
               <a:rPr lang="en-US" smtClean="0"/>
               <a:pPr/>
-              <a:t>7/18/2016</a:t>
+              <a:t>7/19/2016</a:t>
             </a:fld>
             <a:endParaRPr lang="en-US"/>
           </a:p>
@@ -2478,7 +2502,7 @@
             <a:fld id="{E0B50325-96DC-401A-AA61-6FBE22230B93}" type="datetimeFigureOut">
               <a:rPr lang="en-US" smtClean="0"/>
               <a:pPr/>
-              <a:t>7/18/2016</a:t>
+              <a:t>7/19/2016</a:t>
             </a:fld>
             <a:endParaRPr lang="en-US"/>
           </a:p>
@@ -2688,7 +2712,7 @@
             <a:fld id="{E0B50325-96DC-401A-AA61-6FBE22230B93}" type="datetimeFigureOut">
               <a:rPr lang="en-US" smtClean="0"/>
               <a:pPr/>
-              <a:t>7/18/2016</a:t>
+              <a:t>7/19/2016</a:t>
             </a:fld>
             <a:endParaRPr lang="en-US"/>
           </a:p>
@@ -3095,7 +3119,15 @@
                   <a:srgbClr val="FF0000"/>
                 </a:solidFill>
               </a:rPr>
-              <a:t>Logic gates</a:t>
+              <a:t>Logic </a:t>
+            </a:r>
+            <a:r>
+              <a:rPr lang="en-US" dirty="0" smtClean="0">
+                <a:solidFill>
+                  <a:srgbClr val="FF0000"/>
+                </a:solidFill>
+              </a:rPr>
+              <a:t>Gates</a:t>
             </a:r>
             <a:endParaRPr lang="en-US" dirty="0"/>
           </a:p>
@@ -3113,6 +3145,6232 @@
       </p:par>
     </p:tnLst>
   </p:timing>
+</p:sld>
+</file>
+
+<file path=ppt/slides/slide10.xml><?xml version="1.0" encoding="utf-8"?>
+<p:sld xmlns:a="http://schemas.openxmlformats.org/drawingml/2006/main" xmlns:r="http://schemas.openxmlformats.org/officeDocument/2006/relationships" xmlns:p="http://schemas.openxmlformats.org/presentationml/2006/main">
+  <p:cSld>
+    <p:spTree>
+      <p:nvGrpSpPr>
+        <p:cNvPr id="1" name=""/>
+        <p:cNvGrpSpPr/>
+        <p:nvPr/>
+      </p:nvGrpSpPr>
+      <p:grpSpPr>
+        <a:xfrm>
+          <a:off x="0" y="0"/>
+          <a:ext cx="0" cy="0"/>
+          <a:chOff x="0" y="0"/>
+          <a:chExt cx="0" cy="0"/>
+        </a:xfrm>
+      </p:grpSpPr>
+      <p:sp>
+        <p:nvSpPr>
+          <p:cNvPr id="3" name="Title 2"/>
+          <p:cNvSpPr>
+            <a:spLocks noGrp="1"/>
+          </p:cNvSpPr>
+          <p:nvPr>
+            <p:ph type="title"/>
+          </p:nvPr>
+        </p:nvSpPr>
+        <p:spPr/>
+        <p:txBody>
+          <a:bodyPr/>
+          <a:lstStyle/>
+          <a:p>
+            <a:pPr eaLnBrk="1" fontAlgn="auto" hangingPunct="1">
+              <a:spcAft>
+                <a:spcPts val="0"/>
+              </a:spcAft>
+              <a:defRPr/>
+            </a:pPr>
+            <a:r>
+              <a:rPr lang="en-US" dirty="0" err="1" smtClean="0">
+                <a:solidFill>
+                  <a:srgbClr val="FF0000"/>
+                </a:solidFill>
+                <a:effectLst/>
+              </a:rPr>
+              <a:t>DeMorgan’s</a:t>
+            </a:r>
+            <a:r>
+              <a:rPr lang="en-US" dirty="0" smtClean="0">
+                <a:solidFill>
+                  <a:srgbClr val="FF0000"/>
+                </a:solidFill>
+                <a:effectLst/>
+              </a:rPr>
+              <a:t> Theorem</a:t>
+            </a:r>
+            <a:endParaRPr lang="en-US" dirty="0">
+              <a:solidFill>
+                <a:srgbClr val="FF0000"/>
+              </a:solidFill>
+              <a:effectLst/>
+            </a:endParaRPr>
+          </a:p>
+        </p:txBody>
+      </p:sp>
+      <p:pic>
+        <p:nvPicPr>
+          <p:cNvPr id="19459" name="Picture 2" descr="http://www2.onu.edu/%7Ek-reid/digital/module3/demorgan2.gif"/>
+          <p:cNvPicPr>
+            <a:picLocks noChangeAspect="1" noChangeArrowheads="1"/>
+          </p:cNvPicPr>
+          <p:nvPr/>
+        </p:nvPicPr>
+        <p:blipFill>
+          <a:blip r:embed="rId2"/>
+          <a:srcRect t="46640"/>
+          <a:stretch>
+            <a:fillRect/>
+          </a:stretch>
+        </p:blipFill>
+        <p:spPr bwMode="auto">
+          <a:xfrm>
+            <a:off x="2286000" y="5105400"/>
+            <a:ext cx="4324350" cy="1255713"/>
+          </a:xfrm>
+          <a:prstGeom prst="rect">
+            <a:avLst/>
+          </a:prstGeom>
+          <a:noFill/>
+          <a:ln w="9525">
+            <a:noFill/>
+            <a:miter lim="800000"/>
+            <a:headEnd/>
+            <a:tailEnd/>
+          </a:ln>
+        </p:spPr>
+      </p:pic>
+      <p:pic>
+        <p:nvPicPr>
+          <p:cNvPr id="19460" name="Picture 4" descr="http://upload.wikimedia.org/wikipedia/commons/2/2c/De_Morgan_Augustus.jpg"/>
+          <p:cNvPicPr>
+            <a:picLocks noChangeAspect="1" noChangeArrowheads="1"/>
+          </p:cNvPicPr>
+          <p:nvPr/>
+        </p:nvPicPr>
+        <p:blipFill>
+          <a:blip r:embed="rId3"/>
+          <a:srcRect/>
+          <a:stretch>
+            <a:fillRect/>
+          </a:stretch>
+        </p:blipFill>
+        <p:spPr bwMode="auto">
+          <a:xfrm>
+            <a:off x="7620000" y="0"/>
+            <a:ext cx="1524000" cy="1878013"/>
+          </a:xfrm>
+          <a:prstGeom prst="rect">
+            <a:avLst/>
+          </a:prstGeom>
+          <a:noFill/>
+          <a:ln w="9525">
+            <a:noFill/>
+            <a:miter lim="800000"/>
+            <a:headEnd/>
+            <a:tailEnd/>
+          </a:ln>
+        </p:spPr>
+      </p:pic>
+      <p:pic>
+        <p:nvPicPr>
+          <p:cNvPr id="19461" name="Picture 2" descr="http://www2.onu.edu/%7Ek-reid/digital/module3/demorgan2.gif"/>
+          <p:cNvPicPr>
+            <a:picLocks noGrp="1" noChangeAspect="1" noChangeArrowheads="1"/>
+          </p:cNvPicPr>
+          <p:nvPr>
+            <p:ph idx="1"/>
+          </p:nvPr>
+        </p:nvPicPr>
+        <p:blipFill>
+          <a:blip r:embed="rId2"/>
+          <a:srcRect b="50526"/>
+          <a:stretch>
+            <a:fillRect/>
+          </a:stretch>
+        </p:blipFill>
+        <p:spPr>
+          <a:xfrm>
+            <a:off x="1981200" y="2874963"/>
+            <a:ext cx="4324350" cy="1163637"/>
+          </a:xfrm>
+        </p:spPr>
+      </p:pic>
+      <p:sp>
+        <p:nvSpPr>
+          <p:cNvPr id="19462" name="TextBox 7"/>
+          <p:cNvSpPr txBox="1">
+            <a:spLocks noChangeArrowheads="1"/>
+          </p:cNvSpPr>
+          <p:nvPr/>
+        </p:nvSpPr>
+        <p:spPr bwMode="auto">
+          <a:xfrm>
+            <a:off x="685800" y="1752600"/>
+            <a:ext cx="7696200" cy="954088"/>
+          </a:xfrm>
+          <a:prstGeom prst="rect">
+            <a:avLst/>
+          </a:prstGeom>
+          <a:noFill/>
+          <a:ln w="9525">
+            <a:noFill/>
+            <a:miter lim="800000"/>
+            <a:headEnd/>
+            <a:tailEnd/>
+          </a:ln>
+        </p:spPr>
+        <p:txBody>
+          <a:bodyPr>
+            <a:spAutoFit/>
+          </a:bodyPr>
+          <a:lstStyle/>
+          <a:p>
+            <a:r>
+              <a:rPr lang="en-US" sz="2800" b="1">
+                <a:latin typeface="Times New Roman" pitchFamily="18" charset="0"/>
+                <a:cs typeface="Times New Roman" pitchFamily="18" charset="0"/>
+              </a:rPr>
+              <a:t>1. The Complement of a Product is equal to the Sum of the Complements. </a:t>
+            </a:r>
+          </a:p>
+        </p:txBody>
+      </p:sp>
+      <p:sp>
+        <p:nvSpPr>
+          <p:cNvPr id="19463" name="TextBox 8"/>
+          <p:cNvSpPr txBox="1">
+            <a:spLocks noChangeArrowheads="1"/>
+          </p:cNvSpPr>
+          <p:nvPr/>
+        </p:nvSpPr>
+        <p:spPr bwMode="auto">
+          <a:xfrm>
+            <a:off x="609600" y="4038600"/>
+            <a:ext cx="7696200" cy="954088"/>
+          </a:xfrm>
+          <a:prstGeom prst="rect">
+            <a:avLst/>
+          </a:prstGeom>
+          <a:noFill/>
+          <a:ln w="9525">
+            <a:noFill/>
+            <a:miter lim="800000"/>
+            <a:headEnd/>
+            <a:tailEnd/>
+          </a:ln>
+        </p:spPr>
+        <p:txBody>
+          <a:bodyPr>
+            <a:spAutoFit/>
+          </a:bodyPr>
+          <a:lstStyle/>
+          <a:p>
+            <a:r>
+              <a:rPr lang="en-US" sz="2800" b="1">
+                <a:latin typeface="Times New Roman" pitchFamily="18" charset="0"/>
+                <a:cs typeface="Times New Roman" pitchFamily="18" charset="0"/>
+              </a:rPr>
+              <a:t>2. The Complement of a Sum is equal to the Product of the Complements. </a:t>
+            </a:r>
+          </a:p>
+        </p:txBody>
+      </p:sp>
+      <p:sp>
+        <p:nvSpPr>
+          <p:cNvPr id="19464" name="AutoShape 6" descr="data:image/jpeg;base64,/9j/4AAQSkZJRgABAQAAAQABAAD/2wCEAAkGBxQSDxUUExQWFBEUFSAYFRgXGBkVFhwXHxgcHBcUGRgeKCgjGRslHBgfITEoJSkrLi8uFyAzODMsNyguLisBCgoKDgwOGA8PGiwkHCQsLCwsLCwsLCwsLCwsLyw3LCwsLCwsLCwsLCw2LCwsLCwsLCwsLCwsLCwsLCwsLCwsLP/AABEIAHQA6wMBIgACEQEDEQH/xAAbAAEBAQADAQEAAAAAAAAAAAAABgMBBAUCB//EAEIQAAECAwMHCAkBCAIDAAAAAAEAAgMEEQUhQQYSFDFRUmETIiMzQpGS0QcVMlNicXKBsVQWF5OUoaLS8FXBNENE/8QAFgEBAQEAAAAAAAAAAAAAAAAAAAEC/8QAGREBAQEBAQEAAAAAAAAAAAAAABEBQTEh/9oADAMBAAIRAxEAPwD9mlJZnJsqxtc0YCupa6Kzcb4Qkl1TPoHDAYLZBjorNxvhCaKzcb4QtkQY6Kzcb4Qmis3G+ELZEGOis3G+EJorNxvhC2WUeZYwVe9rAdWcQ38oONFZuN8ITRWbjfCFl60ge+heNvmnrSB76F42+aFa6Kzcb4Qmis3G+ELVjgRUEEHEXhcoMdFZuN8ITRWbjfCFsiDHRWbjfCE0Vm43whbIgx0Vm43whNFZuN8IWyIMdFZuN8ITRWbjfCFsiDHRWbjfCE0Vm43whbIgx0Vm43whNFZuN8IWyIMdFZuN8ITRWbjfCFsiDHRWbjfCE0Vm43whbIgx0Vm43whT9qNAjOAuF1woBqHBUymrXf07rxh26dkYUQe/J9Uz6R+FssZLqmfQOGAwWyAi8eLbmbOtl8zmEAGLnaorg5zYWZS+rGE1rdVopevYQEREEZbdizUtMPnJB5fn3x5Z5Ja8DGGey6mGpdK2bNlcoZSsOK6HGhbKh0N5HsxGL9AUPldYj5eP6ykmZ0dgPLwgc0RYdLz9YpUIJHJzJCQ5USc/B5GfGqjzycZuESGf6EYKt/dPZvuneMrvWnZ0tbUgx7TrGfBiD24cTb8wda5yJt+JFz5WaAZOy9A8YPZ2YzeBx4oOq30YSAFA2IBhSI675LrQfRZLQ84wpiahucKVEYkcLjrCvUQQjsip1oaINrRmhuD4bYg/IP8AVcCFbkDtSs0wDEOhPJr9xqw4q8RBCs9IfIkNn5SNKE151OUhCmurxhxoq6y7VgzLM+BEbEZtaQe/Yu1EhhzS1wBaRQg3gjEEKNtj0eQnRDHk4jpKZrXOh9WXYZ8PUQgtEUNI5XRpSK2XtRgY510OYZ1UQ11HcN4Vw1wIqLwUHKIiAiIgIiICIiAiIgKctZ3TOvOGPwhUamrXf07rxh26dkYUQe/J9Uz6R+FssZLqmfQOGAwWyDw4mS8Jxc4uicq6MI2fnkEPBGbRvs0AaG3g3L3ERBjNxsyG9+aXZjS7NaKuNBXNAxJ1KS/b0/oJ3+C7y/2is0QRn7eH9BO/wXeSft6f+Pnf4LtnyVmiD8oyPtvRrXfAEGLLyc5zoTYzDDpHF72tr2Svd9JMg6FydpQB08oek+OATz2naRrC7fpTs7lbNfEa0OiyzhHh30oWGpPdVe9ZU2yalGPHOhxoYrxBF4Qdizp1keCyLDNWRGhzTwK7KhPRbE5ITciaAykw4MaDWkJ3OZ9r9iu0BERAREQda0JGHHhOhRWB8N4o5rhUEG5RMvyliuDXvfGsx7qB7r3y5OoE4w/wr9ZTUs2IxzHgOY8UcDqIKD6hRA5oc0gtIqCLwRgQvtQFgTD7Lm2yEY1k4v8A4cUm8HGA87a6jjVX6AiIgIiICIiAiIgKctZ3TOvOGPwhUamrXf07rxh26dkYUQe/J9Uz6R+FssZLqmfQOGAwWyAiIgIiICIiDGbgZ8N7NWe0t7xRSHoinM+zAz3EZ8HVQc111OF6tVD+iUt0aZzPY06LT+2p431QZwYog5TPZWpmpRrjQC7Mc4Xn7q8UPaTmftLKgDpBKRK/TnCn9VcICIiAiIgIiIPEyvyfbOyroRuiDnQn4siC9rh911cgrcfNSpEYUmoDzCjt+NppX70qqVfmMaBGj25MOs2K2CWQg2ae9ufDdErzWhopzgNZrsQfpyKM9VWx+ulv4Dtv1fZPVNsfrpb+Xd/l/tEFmijPVNsfrpb+Xd/l/tUFlWx+ultfuHaq/V9kFmijYdlWvUVnZci6vQOHz7SsGA0FbzS88UGb5uG3Oq9ozAC+rgM0HUXbteK2XgW1YgizcCJQ5tQI1KUc1hMSC1+0CJeKbSvfQFOWs7pnXnDH4QqNTVrv6d14w7dOyMKIPfk+qZ9I/C2WMl1TPoHDAYLZAREQEXDnUFTcBrWGnQveM8TUHYRdfToXvGeJqadC94zxNQLQmeSgviGlGMLjW4XCqkvRFKBllteP/oiPjeJ3kF9ekq06yWjwXtMebeILM2jjR3tOoMAFRykFkpKNbc2HBh34CjReeCCTkwI+UsZ91ZSVazHtucb+PkrxRHovlXOhR52J1k5GLxdQiELoYvv1X37VboCIiAiIgIi6lq2lCloLo0Z4ZDYKuJ/28oPIy4yi0KWq0Z8xFdycvDxfEdcAPlWq+sicntClQxxzo8Q58d+Loh1n5YLxslbPiTs16ymmZgDc2Th1rmwzfyjhqzzX7K5QEREBERAREQEREBTlrO6Z15wx+EKjU1a7+ndeMO3TsjCiD35PqmfSPwtljJdUz6BwwGC2QSTbajCcc0uPJNmxBILG8mGGGCOeOdn57gNl+rFVq6HqaDypiZnPLs83uLc+lA/Nrm51BrpW5d9OHWUzAbEhuY4VY9pa4aqgihHcVNfu8s/3H97/ADVUiCV/d5Z/uP73+aO9H1ngEmDQY89/mqpQWUdoPtKNoEm/oAaTkdt4a3GCwjW8i7hVKXXl5BWFLx7RiTsCHmSsAmFLmpcIjtT4orqFbgvXy9m3TUaHZcD2o3PmXD/1wAceLjcL8DrXftu14Vmy0OWlmh0wW5ktAHtHAOIF4aNZK1yJya0SG+JFOfOzBz5h/wAWDG/C0Gn2QUMrLthw2saKNY0NA4AUC1REBERARdWftGFAYXxYjIbG6y4gAKMmsvnzLzCsuAZlwuMZ1WwGmg1upzteGxBW23bMKUguixnZrGj5uPBoxNSB91FyVkxrWmGzM40wpGGay8ufaecIsThsFF6djZFExmzVoRdKm2+wCKQYeu5jNt+s7FYhBw1oAoLgNS5REBERAREQEREBERAU5azumdecMfhCo1NWu/p3XjDt07Iwog9+T6pn0j8LZYyXVM+gcMBgtkBERAREQRFtRZ2fjxJSA18pLMObFmHAh76i8QQbiKdrjwXzlDPGxpFkGQkosd5FGiGxzwDS+JELQTU0VyiD8oyVtWHLPdMR5a0I89G6yK6UjUaLujhjN5rR/Wipf3gM/Rz/APKRv8VZIg/Po3pMcHECyrRcBqIl3AHjeKrZ2XM08N5Gypqrve0hgCl1dn3pRXaIIX11bLy4NkIENoPNL41TT5Aa18ixbYj9dOwpdhwgsLnDbziRerxEEZIejaVa5r5gxJyKB7Udxe2u9magfNV8vAaxoaxoa0agBQdy0RAREQEREBERAREQEREBERAU5azumdecMfhCo1NWu/p3XjDt07Iwog+IVuxGtDQGUAA1H5beC+hlDE3WYYHzRFqNwGUMTdZhgfNBlDE3WYYHzRESAyhibrMMD5oMoYm6zDA+aIhHLMoIhPss7jx4r79exNjNQwOJPHgiKYZ6G3YmxmOBwbXaht2JsZ3HaBt4oiYmOfXkSupms4HCvFfJt6JStGaq6jsrtREOY5iW7EGDNZGo4EceKzOUMTdZq2HYOKIqs+ByhibrO4+aHKGJus7j5oiEDlDE3Wdx80OUMTdZ3HzREIHKGJus7j5ocoYm6zuPmiIQOUMTdZ3HzQ5QxN1ncdnzREIHKGJus7js+aHKGJus7js+aIhA5QxN1ncdnzQ5QxN1ncdnzREIHKGJus7js+aHKGJus7js+aIhA5QxN1ncdnzWEWadEOcTQnAarrv+kRTU1//Z"/>
+          <p:cNvSpPr>
+            <a:spLocks noChangeAspect="1" noChangeArrowheads="1"/>
+          </p:cNvSpPr>
+          <p:nvPr/>
+        </p:nvSpPr>
+        <p:spPr bwMode="auto">
+          <a:xfrm>
+            <a:off x="155575" y="-144463"/>
+            <a:ext cx="304800" cy="304801"/>
+          </a:xfrm>
+          <a:prstGeom prst="rect">
+            <a:avLst/>
+          </a:prstGeom>
+          <a:noFill/>
+          <a:ln w="9525">
+            <a:noFill/>
+            <a:miter lim="800000"/>
+            <a:headEnd/>
+            <a:tailEnd/>
+          </a:ln>
+        </p:spPr>
+        <p:txBody>
+          <a:bodyPr/>
+          <a:lstStyle/>
+          <a:p>
+            <a:endParaRPr lang="en-US">
+              <a:latin typeface="Lucida Sans Unicode" pitchFamily="34" charset="0"/>
+            </a:endParaRPr>
+          </a:p>
+        </p:txBody>
+      </p:sp>
+      <p:sp>
+        <p:nvSpPr>
+          <p:cNvPr id="19465" name="AutoShape 8" descr="data:image/jpeg;base64,/9j/4AAQSkZJRgABAQAAAQABAAD/2wCEAAkGBxQSDxUUExQWFBEUFSAYFRgXGBkVFhwXHxgcHBcUGRgeKCgjGRslHBgfITEoJSkrLi8uFyAzODMsNyguLisBCgoKDgwOGA8PGiwkHCQsLCwsLCwsLCwsLCwsLyw3LCwsLCwsLCwsLCw2LCwsLCwsLCwsLCwsLCwsLCwsLCwsLP/AABEIAHQA6wMBIgACEQEDEQH/xAAbAAEBAQADAQEAAAAAAAAAAAAABgMBBAUCB//EAEIQAAECAwMHCAkBCAIDAAAAAAEAAgMEEQUhQQYSFDFRUmETIiMzQpGS0QcVMlNicXKBsVQWF5OUoaLS8FXBNENE/8QAFgEBAQEAAAAAAAAAAAAAAAAAAAEC/8QAGREBAQEBAQEAAAAAAAAAAAAAABEBQTEh/9oADAMBAAIRAxEAPwD9mlJZnJsqxtc0YCupa6Kzcb4Qkl1TPoHDAYLZBjorNxvhCaKzcb4QtkQY6Kzcb4Qmis3G+ELZEGOis3G+EJorNxvhC2WUeZYwVe9rAdWcQ38oONFZuN8ITRWbjfCFl60ge+heNvmnrSB76F42+aFa6Kzcb4Qmis3G+ELVjgRUEEHEXhcoMdFZuN8ITRWbjfCFsiDHRWbjfCE0Vm43whbIgx0Vm43whNFZuN8IWyIMdFZuN8ITRWbjfCFsiDHRWbjfCE0Vm43whbIgx0Vm43whNFZuN8IWyIMdFZuN8ITRWbjfCFsiDHRWbjfCE0Vm43whbIgx0Vm43whT9qNAjOAuF1woBqHBUymrXf07rxh26dkYUQe/J9Uz6R+FssZLqmfQOGAwWyAi8eLbmbOtl8zmEAGLnaorg5zYWZS+rGE1rdVopevYQEREEZbdizUtMPnJB5fn3x5Z5Ja8DGGey6mGpdK2bNlcoZSsOK6HGhbKh0N5HsxGL9AUPldYj5eP6ykmZ0dgPLwgc0RYdLz9YpUIJHJzJCQ5USc/B5GfGqjzycZuESGf6EYKt/dPZvuneMrvWnZ0tbUgx7TrGfBiD24cTb8wda5yJt+JFz5WaAZOy9A8YPZ2YzeBx4oOq30YSAFA2IBhSI675LrQfRZLQ84wpiahucKVEYkcLjrCvUQQjsip1oaINrRmhuD4bYg/IP8AVcCFbkDtSs0wDEOhPJr9xqw4q8RBCs9IfIkNn5SNKE151OUhCmurxhxoq6y7VgzLM+BEbEZtaQe/Yu1EhhzS1wBaRQg3gjEEKNtj0eQnRDHk4jpKZrXOh9WXYZ8PUQgtEUNI5XRpSK2XtRgY510OYZ1UQ11HcN4Vw1wIqLwUHKIiAiIgIiICIiAiIgKctZ3TOvOGPwhUamrXf07rxh26dkYUQe/J9Uz6R+FssZLqmfQOGAwWyDw4mS8Jxc4uicq6MI2fnkEPBGbRvs0AaG3g3L3ERBjNxsyG9+aXZjS7NaKuNBXNAxJ1KS/b0/oJ3+C7y/2is0QRn7eH9BO/wXeSft6f+Pnf4LtnyVmiD8oyPtvRrXfAEGLLyc5zoTYzDDpHF72tr2Svd9JMg6FydpQB08oek+OATz2naRrC7fpTs7lbNfEa0OiyzhHh30oWGpPdVe9ZU2yalGPHOhxoYrxBF4Qdizp1keCyLDNWRGhzTwK7KhPRbE5ITciaAykw4MaDWkJ3OZ9r9iu0BERAREQda0JGHHhOhRWB8N4o5rhUEG5RMvyliuDXvfGsx7qB7r3y5OoE4w/wr9ZTUs2IxzHgOY8UcDqIKD6hRA5oc0gtIqCLwRgQvtQFgTD7Lm2yEY1k4v8A4cUm8HGA87a6jjVX6AiIgIiICIiAiIgKctZ3TOvOGPwhUamrXf07rxh26dkYUQe/J9Uz6R+FssZLqmfQOGAwWyAiIgIiICIiDGbgZ8N7NWe0t7xRSHoinM+zAz3EZ8HVQc111OF6tVD+iUt0aZzPY06LT+2p431QZwYog5TPZWpmpRrjQC7Mc4Xn7q8UPaTmftLKgDpBKRK/TnCn9VcICIiAiIgIiIPEyvyfbOyroRuiDnQn4siC9rh911cgrcfNSpEYUmoDzCjt+NppX70qqVfmMaBGj25MOs2K2CWQg2ae9ufDdErzWhopzgNZrsQfpyKM9VWx+ulv4Dtv1fZPVNsfrpb+Xd/l/tEFmijPVNsfrpb+Xd/l/tUFlWx+ultfuHaq/V9kFmijYdlWvUVnZci6vQOHz7SsGA0FbzS88UGb5uG3Oq9ozAC+rgM0HUXbteK2XgW1YgizcCJQ5tQI1KUc1hMSC1+0CJeKbSvfQFOWs7pnXnDH4QqNTVrv6d14w7dOyMKIPfk+qZ9I/C2WMl1TPoHDAYLZAREQEXDnUFTcBrWGnQveM8TUHYRdfToXvGeJqadC94zxNQLQmeSgviGlGMLjW4XCqkvRFKBllteP/oiPjeJ3kF9ekq06yWjwXtMebeILM2jjR3tOoMAFRykFkpKNbc2HBh34CjReeCCTkwI+UsZ91ZSVazHtucb+PkrxRHovlXOhR52J1k5GLxdQiELoYvv1X37VboCIiAiIgIi6lq2lCloLo0Z4ZDYKuJ/28oPIy4yi0KWq0Z8xFdycvDxfEdcAPlWq+sicntClQxxzo8Q58d+Loh1n5YLxslbPiTs16ymmZgDc2Th1rmwzfyjhqzzX7K5QEREBERAREQEREBTlrO6Z15wx+EKjU1a7+ndeMO3TsjCiD35PqmfSPwtljJdUz6BwwGC2QSTbajCcc0uPJNmxBILG8mGGGCOeOdn57gNl+rFVq6HqaDypiZnPLs83uLc+lA/Nrm51BrpW5d9OHWUzAbEhuY4VY9pa4aqgihHcVNfu8s/3H97/ADVUiCV/d5Z/uP73+aO9H1ngEmDQY89/mqpQWUdoPtKNoEm/oAaTkdt4a3GCwjW8i7hVKXXl5BWFLx7RiTsCHmSsAmFLmpcIjtT4orqFbgvXy9m3TUaHZcD2o3PmXD/1wAceLjcL8DrXftu14Vmy0OWlmh0wW5ktAHtHAOIF4aNZK1yJya0SG+JFOfOzBz5h/wAWDG/C0Gn2QUMrLthw2saKNY0NA4AUC1REBERARdWftGFAYXxYjIbG6y4gAKMmsvnzLzCsuAZlwuMZ1WwGmg1upzteGxBW23bMKUguixnZrGj5uPBoxNSB91FyVkxrWmGzM40wpGGay8ufaecIsThsFF6djZFExmzVoRdKm2+wCKQYeu5jNt+s7FYhBw1oAoLgNS5REBERAREQEREBERAU5azumdecMfhCo1NWu/p3XjDt07Iwog9+T6pn0j8LZYyXVM+gcMBgtkBERAREQRFtRZ2fjxJSA18pLMObFmHAh76i8QQbiKdrjwXzlDPGxpFkGQkosd5FGiGxzwDS+JELQTU0VyiD8oyVtWHLPdMR5a0I89G6yK6UjUaLujhjN5rR/Wipf3gM/Rz/APKRv8VZIg/Po3pMcHECyrRcBqIl3AHjeKrZ2XM08N5Gypqrve0hgCl1dn3pRXaIIX11bLy4NkIENoPNL41TT5Aa18ixbYj9dOwpdhwgsLnDbziRerxEEZIejaVa5r5gxJyKB7Udxe2u9magfNV8vAaxoaxoa0agBQdy0RAREQEREBERAREQEREBERAU5azumdecMfhCo1NWu/p3XjDt07Iwog+IVuxGtDQGUAA1H5beC+hlDE3WYYHzRFqNwGUMTdZhgfNBlDE3WYYHzRESAyhibrMMD5oMoYm6zDA+aIhHLMoIhPss7jx4r79exNjNQwOJPHgiKYZ6G3YmxmOBwbXaht2JsZ3HaBt4oiYmOfXkSupms4HCvFfJt6JStGaq6jsrtREOY5iW7EGDNZGo4EceKzOUMTdZq2HYOKIqs+ByhibrO4+aHKGJus7j5oiEDlDE3Wdx80OUMTdZ3HzREIHKGJus7j5ocoYm6zuPmiIQOUMTdZ3HzQ5QxN1ncdnzREIHKGJus7js+aHKGJus7js+aIhA5QxN1ncdnzQ5QxN1ncdnzREIHKGJus7js+aHKGJus7js+aIhA5QxN1ncdnzWEWadEOcTQnAarrv+kRTU1//Z"/>
+          <p:cNvSpPr>
+            <a:spLocks noChangeAspect="1" noChangeArrowheads="1"/>
+          </p:cNvSpPr>
+          <p:nvPr/>
+        </p:nvSpPr>
+        <p:spPr bwMode="auto">
+          <a:xfrm>
+            <a:off x="155575" y="-144463"/>
+            <a:ext cx="304800" cy="304801"/>
+          </a:xfrm>
+          <a:prstGeom prst="rect">
+            <a:avLst/>
+          </a:prstGeom>
+          <a:noFill/>
+          <a:ln w="9525">
+            <a:noFill/>
+            <a:miter lim="800000"/>
+            <a:headEnd/>
+            <a:tailEnd/>
+          </a:ln>
+        </p:spPr>
+        <p:txBody>
+          <a:bodyPr/>
+          <a:lstStyle/>
+          <a:p>
+            <a:endParaRPr lang="en-US">
+              <a:latin typeface="Lucida Sans Unicode" pitchFamily="34" charset="0"/>
+            </a:endParaRPr>
+          </a:p>
+        </p:txBody>
+      </p:sp>
+    </p:spTree>
+  </p:cSld>
+  <p:clrMapOvr>
+    <a:masterClrMapping/>
+  </p:clrMapOvr>
+</p:sld>
+</file>
+
+<file path=ppt/slides/slide11.xml><?xml version="1.0" encoding="utf-8"?>
+<p:sld xmlns:a="http://schemas.openxmlformats.org/drawingml/2006/main" xmlns:r="http://schemas.openxmlformats.org/officeDocument/2006/relationships" xmlns:p="http://schemas.openxmlformats.org/presentationml/2006/main">
+  <p:cSld>
+    <p:spTree>
+      <p:nvGrpSpPr>
+        <p:cNvPr id="1" name=""/>
+        <p:cNvGrpSpPr/>
+        <p:nvPr/>
+      </p:nvGrpSpPr>
+      <p:grpSpPr>
+        <a:xfrm>
+          <a:off x="0" y="0"/>
+          <a:ext cx="0" cy="0"/>
+          <a:chOff x="0" y="0"/>
+          <a:chExt cx="0" cy="0"/>
+        </a:xfrm>
+      </p:grpSpPr>
+      <p:sp>
+        <p:nvSpPr>
+          <p:cNvPr id="20482" name="Content Placeholder 1"/>
+          <p:cNvSpPr>
+            <a:spLocks noGrp="1"/>
+          </p:cNvSpPr>
+          <p:nvPr>
+            <p:ph idx="1"/>
+          </p:nvPr>
+        </p:nvSpPr>
+        <p:spPr>
+          <a:xfrm>
+            <a:off x="381000" y="1600200"/>
+            <a:ext cx="8229600" cy="4525963"/>
+          </a:xfrm>
+        </p:spPr>
+        <p:txBody>
+          <a:bodyPr/>
+          <a:lstStyle/>
+          <a:p>
+            <a:pPr eaLnBrk="1" hangingPunct="1"/>
+            <a:r>
+              <a:rPr lang="en-US" b="1" smtClean="0">
+                <a:latin typeface="Times New Roman" pitchFamily="18" charset="0"/>
+                <a:cs typeface="Times New Roman" pitchFamily="18" charset="0"/>
+              </a:rPr>
+              <a:t>If we tie one input of an XOR Gate with Logic value ’1′ then XOR works as an Inverter</a:t>
+            </a:r>
+          </a:p>
+          <a:p>
+            <a:pPr eaLnBrk="1" hangingPunct="1"/>
+            <a:endParaRPr lang="en-US" b="1" smtClean="0">
+              <a:latin typeface="Times New Roman" pitchFamily="18" charset="0"/>
+              <a:cs typeface="Times New Roman" pitchFamily="18" charset="0"/>
+            </a:endParaRPr>
+          </a:p>
+          <a:p>
+            <a:pPr eaLnBrk="1" hangingPunct="1"/>
+            <a:endParaRPr lang="en-US" b="1" smtClean="0">
+              <a:latin typeface="Times New Roman" pitchFamily="18" charset="0"/>
+              <a:cs typeface="Times New Roman" pitchFamily="18" charset="0"/>
+            </a:endParaRPr>
+          </a:p>
+          <a:p>
+            <a:pPr eaLnBrk="1" hangingPunct="1"/>
+            <a:endParaRPr lang="en-US" b="1" smtClean="0">
+              <a:latin typeface="Times New Roman" pitchFamily="18" charset="0"/>
+              <a:cs typeface="Times New Roman" pitchFamily="18" charset="0"/>
+            </a:endParaRPr>
+          </a:p>
+          <a:p>
+            <a:pPr eaLnBrk="1" hangingPunct="1"/>
+            <a:endParaRPr lang="en-US" b="1" smtClean="0">
+              <a:latin typeface="Times New Roman" pitchFamily="18" charset="0"/>
+              <a:cs typeface="Times New Roman" pitchFamily="18" charset="0"/>
+            </a:endParaRPr>
+          </a:p>
+          <a:p>
+            <a:pPr eaLnBrk="1" hangingPunct="1"/>
+            <a:r>
+              <a:rPr lang="en-US" b="1" smtClean="0">
+                <a:latin typeface="Times New Roman" pitchFamily="18" charset="0"/>
+                <a:cs typeface="Times New Roman" pitchFamily="18" charset="0"/>
+              </a:rPr>
+              <a:t>Here if we give input as</a:t>
+            </a:r>
+          </a:p>
+          <a:p>
+            <a:pPr eaLnBrk="1" hangingPunct="1">
+              <a:buFont typeface="Wingdings 3" pitchFamily="18" charset="2"/>
+              <a:buNone/>
+            </a:pPr>
+            <a:r>
+              <a:rPr lang="en-US" b="1" smtClean="0">
+                <a:latin typeface="Times New Roman" pitchFamily="18" charset="0"/>
+                <a:cs typeface="Times New Roman" pitchFamily="18" charset="0"/>
+              </a:rPr>
+              <a:t>        A=1 and B=X</a:t>
+            </a:r>
+          </a:p>
+          <a:p>
+            <a:pPr eaLnBrk="1" hangingPunct="1">
+              <a:buFont typeface="Wingdings 3" pitchFamily="18" charset="2"/>
+              <a:buNone/>
+            </a:pPr>
+            <a:r>
+              <a:rPr lang="en-US" b="1" smtClean="0">
+                <a:latin typeface="Times New Roman" pitchFamily="18" charset="0"/>
+                <a:cs typeface="Times New Roman" pitchFamily="18" charset="0"/>
+              </a:rPr>
+              <a:t>        Then Y=??????</a:t>
+            </a:r>
+          </a:p>
+          <a:p>
+            <a:pPr eaLnBrk="1" hangingPunct="1"/>
+            <a:endParaRPr lang="en-US" b="1" smtClean="0">
+              <a:latin typeface="Times New Roman" pitchFamily="18" charset="0"/>
+              <a:cs typeface="Times New Roman" pitchFamily="18" charset="0"/>
+            </a:endParaRPr>
+          </a:p>
+          <a:p>
+            <a:pPr eaLnBrk="1" hangingPunct="1"/>
+            <a:endParaRPr lang="en-US" smtClean="0">
+              <a:latin typeface="Times New Roman" pitchFamily="18" charset="0"/>
+              <a:cs typeface="Times New Roman" pitchFamily="18" charset="0"/>
+            </a:endParaRPr>
+          </a:p>
+        </p:txBody>
+      </p:sp>
+      <p:sp>
+        <p:nvSpPr>
+          <p:cNvPr id="3" name="Title 2"/>
+          <p:cNvSpPr>
+            <a:spLocks noGrp="1"/>
+          </p:cNvSpPr>
+          <p:nvPr>
+            <p:ph type="title"/>
+          </p:nvPr>
+        </p:nvSpPr>
+        <p:spPr/>
+        <p:txBody>
+          <a:bodyPr/>
+          <a:lstStyle/>
+          <a:p>
+            <a:pPr eaLnBrk="1" fontAlgn="auto" hangingPunct="1">
+              <a:spcAft>
+                <a:spcPts val="0"/>
+              </a:spcAft>
+              <a:defRPr/>
+            </a:pPr>
+            <a:r>
+              <a:rPr lang="en-US" dirty="0" smtClean="0">
+                <a:solidFill>
+                  <a:srgbClr val="FF0000"/>
+                </a:solidFill>
+                <a:latin typeface="Times New Roman" pitchFamily="18" charset="0"/>
+                <a:cs typeface="Times New Roman" pitchFamily="18" charset="0"/>
+              </a:rPr>
+              <a:t>Ex-OR can be used as Inverter</a:t>
+            </a:r>
+            <a:endParaRPr lang="en-US" dirty="0">
+              <a:solidFill>
+                <a:srgbClr val="FF0000"/>
+              </a:solidFill>
+              <a:latin typeface="Times New Roman" pitchFamily="18" charset="0"/>
+              <a:cs typeface="Times New Roman" pitchFamily="18" charset="0"/>
+            </a:endParaRPr>
+          </a:p>
+        </p:txBody>
+      </p:sp>
+      <p:sp>
+        <p:nvSpPr>
+          <p:cNvPr id="20484" name="AutoShape 2" descr="data:image/jpeg;base64,/9j/4AAQSkZJRgABAQAAAQABAAD/2wCEAAkGBxQSDxUUExQWFBEUFSAYFRgXGBkVFhwXHxgcHBcUGRgeKCgjGRslHBgfITEoJSkrLi8uFyAzODMsNyguLisBCgoKDgwOGA8PGiwkHCQsLCwsLCwsLCwsLCwsLyw3LCwsLCwsLCwsLCw2LCwsLCwsLCwsLCwsLCwsLCwsLCwsLP/AABEIAHQA6wMBIgACEQEDEQH/xAAbAAEBAQADAQEAAAAAAAAAAAAABgMBBAUCB//EAEIQAAECAwMHCAkBCAIDAAAAAAEAAgMEEQUhQQYSFDFRUmETIiMzQpGS0QcVMlNicXKBsVQWF5OUoaLS8FXBNENE/8QAFgEBAQEAAAAAAAAAAAAAAAAAAAEC/8QAGREBAQEBAQEAAAAAAAAAAAAAABEBQTEh/9oADAMBAAIRAxEAPwD9mlJZnJsqxtc0YCupa6Kzcb4Qkl1TPoHDAYLZBjorNxvhCaKzcb4QtkQY6Kzcb4Qmis3G+ELZEGOis3G+EJorNxvhC2WUeZYwVe9rAdWcQ38oONFZuN8ITRWbjfCFl60ge+heNvmnrSB76F42+aFa6Kzcb4Qmis3G+ELVjgRUEEHEXhcoMdFZuN8ITRWbjfCFsiDHRWbjfCE0Vm43whbIgx0Vm43whNFZuN8IWyIMdFZuN8ITRWbjfCFsiDHRWbjfCE0Vm43whbIgx0Vm43whNFZuN8IWyIMdFZuN8ITRWbjfCFsiDHRWbjfCE0Vm43whbIgx0Vm43whT9qNAjOAuF1woBqHBUymrXf07rxh26dkYUQe/J9Uz6R+FssZLqmfQOGAwWyAi8eLbmbOtl8zmEAGLnaorg5zYWZS+rGE1rdVopevYQEREEZbdizUtMPnJB5fn3x5Z5Ja8DGGey6mGpdK2bNlcoZSsOK6HGhbKh0N5HsxGL9AUPldYj5eP6ykmZ0dgPLwgc0RYdLz9YpUIJHJzJCQ5USc/B5GfGqjzycZuESGf6EYKt/dPZvuneMrvWnZ0tbUgx7TrGfBiD24cTb8wda5yJt+JFz5WaAZOy9A8YPZ2YzeBx4oOq30YSAFA2IBhSI675LrQfRZLQ84wpiahucKVEYkcLjrCvUQQjsip1oaINrRmhuD4bYg/IP8AVcCFbkDtSs0wDEOhPJr9xqw4q8RBCs9IfIkNn5SNKE151OUhCmurxhxoq6y7VgzLM+BEbEZtaQe/Yu1EhhzS1wBaRQg3gjEEKNtj0eQnRDHk4jpKZrXOh9WXYZ8PUQgtEUNI5XRpSK2XtRgY510OYZ1UQ11HcN4Vw1wIqLwUHKIiAiIgIiICIiAiIgKctZ3TOvOGPwhUamrXf07rxh26dkYUQe/J9Uz6R+FssZLqmfQOGAwWyDw4mS8Jxc4uicq6MI2fnkEPBGbRvs0AaG3g3L3ERBjNxsyG9+aXZjS7NaKuNBXNAxJ1KS/b0/oJ3+C7y/2is0QRn7eH9BO/wXeSft6f+Pnf4LtnyVmiD8oyPtvRrXfAEGLLyc5zoTYzDDpHF72tr2Svd9JMg6FydpQB08oek+OATz2naRrC7fpTs7lbNfEa0OiyzhHh30oWGpPdVe9ZU2yalGPHOhxoYrxBF4Qdizp1keCyLDNWRGhzTwK7KhPRbE5ITciaAykw4MaDWkJ3OZ9r9iu0BERAREQda0JGHHhOhRWB8N4o5rhUEG5RMvyliuDXvfGsx7qB7r3y5OoE4w/wr9ZTUs2IxzHgOY8UcDqIKD6hRA5oc0gtIqCLwRgQvtQFgTD7Lm2yEY1k4v8A4cUm8HGA87a6jjVX6AiIgIiICIiAiIgKctZ3TOvOGPwhUamrXf07rxh26dkYUQe/J9Uz6R+FssZLqmfQOGAwWyAiIgIiICIiDGbgZ8N7NWe0t7xRSHoinM+zAz3EZ8HVQc111OF6tVD+iUt0aZzPY06LT+2p431QZwYog5TPZWpmpRrjQC7Mc4Xn7q8UPaTmftLKgDpBKRK/TnCn9VcICIiAiIgIiIPEyvyfbOyroRuiDnQn4siC9rh911cgrcfNSpEYUmoDzCjt+NppX70qqVfmMaBGj25MOs2K2CWQg2ae9ufDdErzWhopzgNZrsQfpyKM9VWx+ulv4Dtv1fZPVNsfrpb+Xd/l/tEFmijPVNsfrpb+Xd/l/tUFlWx+ultfuHaq/V9kFmijYdlWvUVnZci6vQOHz7SsGA0FbzS88UGb5uG3Oq9ozAC+rgM0HUXbteK2XgW1YgizcCJQ5tQI1KUc1hMSC1+0CJeKbSvfQFOWs7pnXnDH4QqNTVrv6d14w7dOyMKIPfk+qZ9I/C2WMl1TPoHDAYLZAREQEXDnUFTcBrWGnQveM8TUHYRdfToXvGeJqadC94zxNQLQmeSgviGlGMLjW4XCqkvRFKBllteP/oiPjeJ3kF9ekq06yWjwXtMebeILM2jjR3tOoMAFRykFkpKNbc2HBh34CjReeCCTkwI+UsZ91ZSVazHtucb+PkrxRHovlXOhR52J1k5GLxdQiELoYvv1X37VboCIiAiIgIi6lq2lCloLo0Z4ZDYKuJ/28oPIy4yi0KWq0Z8xFdycvDxfEdcAPlWq+sicntClQxxzo8Q58d+Loh1n5YLxslbPiTs16ymmZgDc2Th1rmwzfyjhqzzX7K5QEREBERAREQEREBTlrO6Z15wx+EKjU1a7+ndeMO3TsjCiD35PqmfSPwtljJdUz6BwwGC2QSTbajCcc0uPJNmxBILG8mGGGCOeOdn57gNl+rFVq6HqaDypiZnPLs83uLc+lA/Nrm51BrpW5d9OHWUzAbEhuY4VY9pa4aqgihHcVNfu8s/3H97/ADVUiCV/d5Z/uP73+aO9H1ngEmDQY89/mqpQWUdoPtKNoEm/oAaTkdt4a3GCwjW8i7hVKXXl5BWFLx7RiTsCHmSsAmFLmpcIjtT4orqFbgvXy9m3TUaHZcD2o3PmXD/1wAceLjcL8DrXftu14Vmy0OWlmh0wW5ktAHtHAOIF4aNZK1yJya0SG+JFOfOzBz5h/wAWDG/C0Gn2QUMrLthw2saKNY0NA4AUC1REBERARdWftGFAYXxYjIbG6y4gAKMmsvnzLzCsuAZlwuMZ1WwGmg1upzteGxBW23bMKUguixnZrGj5uPBoxNSB91FyVkxrWmGzM40wpGGay8ufaecIsThsFF6djZFExmzVoRdKm2+wCKQYeu5jNt+s7FYhBw1oAoLgNS5REBERAREQEREBERAU5azumdecMfhCo1NWu/p3XjDt07Iwog9+T6pn0j8LZYyXVM+gcMBgtkBERAREQRFtRZ2fjxJSA18pLMObFmHAh76i8QQbiKdrjwXzlDPGxpFkGQkosd5FGiGxzwDS+JELQTU0VyiD8oyVtWHLPdMR5a0I89G6yK6UjUaLujhjN5rR/Wipf3gM/Rz/APKRv8VZIg/Po3pMcHECyrRcBqIl3AHjeKrZ2XM08N5Gypqrve0hgCl1dn3pRXaIIX11bLy4NkIENoPNL41TT5Aa18ixbYj9dOwpdhwgsLnDbziRerxEEZIejaVa5r5gxJyKB7Udxe2u9magfNV8vAaxoaxoa0agBQdy0RAREQEREBERAREQEREBERAU5azumdecMfhCo1NWu/p3XjDt07Iwog+IVuxGtDQGUAA1H5beC+hlDE3WYYHzRFqNwGUMTdZhgfNBlDE3WYYHzRESAyhibrMMD5oMoYm6zDA+aIhHLMoIhPss7jx4r79exNjNQwOJPHgiKYZ6G3YmxmOBwbXaht2JsZ3HaBt4oiYmOfXkSupms4HCvFfJt6JStGaq6jsrtREOY5iW7EGDNZGo4EceKzOUMTdZq2HYOKIqs+ByhibrO4+aHKGJus7j5oiEDlDE3Wdx80OUMTdZ3HzREIHKGJus7j5ocoYm6zuPmiIQOUMTdZ3HzQ5QxN1ncdnzREIHKGJus7js+aHKGJus7js+aIhA5QxN1ncdnzQ5QxN1ncdnzREIHKGJus7js+aHKGJus7js+aIhA5QxN1ncdnzWEWadEOcTQnAarrv+kRTU1//Z"/>
+          <p:cNvSpPr>
+            <a:spLocks noChangeAspect="1" noChangeArrowheads="1"/>
+          </p:cNvSpPr>
+          <p:nvPr/>
+        </p:nvSpPr>
+        <p:spPr bwMode="auto">
+          <a:xfrm>
+            <a:off x="155575" y="-144463"/>
+            <a:ext cx="304800" cy="304801"/>
+          </a:xfrm>
+          <a:prstGeom prst="rect">
+            <a:avLst/>
+          </a:prstGeom>
+          <a:noFill/>
+          <a:ln w="9525">
+            <a:noFill/>
+            <a:miter lim="800000"/>
+            <a:headEnd/>
+            <a:tailEnd/>
+          </a:ln>
+        </p:spPr>
+        <p:txBody>
+          <a:bodyPr/>
+          <a:lstStyle/>
+          <a:p>
+            <a:endParaRPr lang="en-US">
+              <a:latin typeface="Lucida Sans Unicode" pitchFamily="34" charset="0"/>
+            </a:endParaRPr>
+          </a:p>
+        </p:txBody>
+      </p:sp>
+      <p:sp>
+        <p:nvSpPr>
+          <p:cNvPr id="20485" name="AutoShape 4" descr="data:image/jpeg;base64,/9j/4AAQSkZJRgABAQAAAQABAAD/2wCEAAkGBxQSDxUUExQWFBEUFSAYFRgXGBkVFhwXHxgcHBcUGRgeKCgjGRslHBgfITEoJSkrLi8uFyAzODMsNyguLisBCgoKDgwOGA8PGiwkHCQsLCwsLCwsLCwsLCwsLyw3LCwsLCwsLCwsLCw2LCwsLCwsLCwsLCwsLCwsLCwsLCwsLP/AABEIAHQA6wMBIgACEQEDEQH/xAAbAAEBAQADAQEAAAAAAAAAAAAABgMBBAUCB//EAEIQAAECAwMHCAkBCAIDAAAAAAEAAgMEEQUhQQYSFDFRUmETIiMzQpGS0QcVMlNicXKBsVQWF5OUoaLS8FXBNENE/8QAFgEBAQEAAAAAAAAAAAAAAAAAAAEC/8QAGREBAQEBAQEAAAAAAAAAAAAAABEBQTEh/9oADAMBAAIRAxEAPwD9mlJZnJsqxtc0YCupa6Kzcb4Qkl1TPoHDAYLZBjorNxvhCaKzcb4QtkQY6Kzcb4Qmis3G+ELZEGOis3G+EJorNxvhC2WUeZYwVe9rAdWcQ38oONFZuN8ITRWbjfCFl60ge+heNvmnrSB76F42+aFa6Kzcb4Qmis3G+ELVjgRUEEHEXhcoMdFZuN8ITRWbjfCFsiDHRWbjfCE0Vm43whbIgx0Vm43whNFZuN8IWyIMdFZuN8ITRWbjfCFsiDHRWbjfCE0Vm43whbIgx0Vm43whNFZuN8IWyIMdFZuN8ITRWbjfCFsiDHRWbjfCE0Vm43whbIgx0Vm43whT9qNAjOAuF1woBqHBUymrXf07rxh26dkYUQe/J9Uz6R+FssZLqmfQOGAwWyAi8eLbmbOtl8zmEAGLnaorg5zYWZS+rGE1rdVopevYQEREEZbdizUtMPnJB5fn3x5Z5Ja8DGGey6mGpdK2bNlcoZSsOK6HGhbKh0N5HsxGL9AUPldYj5eP6ykmZ0dgPLwgc0RYdLz9YpUIJHJzJCQ5USc/B5GfGqjzycZuESGf6EYKt/dPZvuneMrvWnZ0tbUgx7TrGfBiD24cTb8wda5yJt+JFz5WaAZOy9A8YPZ2YzeBx4oOq30YSAFA2IBhSI675LrQfRZLQ84wpiahucKVEYkcLjrCvUQQjsip1oaINrRmhuD4bYg/IP8AVcCFbkDtSs0wDEOhPJr9xqw4q8RBCs9IfIkNn5SNKE151OUhCmurxhxoq6y7VgzLM+BEbEZtaQe/Yu1EhhzS1wBaRQg3gjEEKNtj0eQnRDHk4jpKZrXOh9WXYZ8PUQgtEUNI5XRpSK2XtRgY510OYZ1UQ11HcN4Vw1wIqLwUHKIiAiIgIiICIiAiIgKctZ3TOvOGPwhUamrXf07rxh26dkYUQe/J9Uz6R+FssZLqmfQOGAwWyDw4mS8Jxc4uicq6MI2fnkEPBGbRvs0AaG3g3L3ERBjNxsyG9+aXZjS7NaKuNBXNAxJ1KS/b0/oJ3+C7y/2is0QRn7eH9BO/wXeSft6f+Pnf4LtnyVmiD8oyPtvRrXfAEGLLyc5zoTYzDDpHF72tr2Svd9JMg6FydpQB08oek+OATz2naRrC7fpTs7lbNfEa0OiyzhHh30oWGpPdVe9ZU2yalGPHOhxoYrxBF4Qdizp1keCyLDNWRGhzTwK7KhPRbE5ITciaAykw4MaDWkJ3OZ9r9iu0BERAREQda0JGHHhOhRWB8N4o5rhUEG5RMvyliuDXvfGsx7qB7r3y5OoE4w/wr9ZTUs2IxzHgOY8UcDqIKD6hRA5oc0gtIqCLwRgQvtQFgTD7Lm2yEY1k4v8A4cUm8HGA87a6jjVX6AiIgIiICIiAiIgKctZ3TOvOGPwhUamrXf07rxh26dkYUQe/J9Uz6R+FssZLqmfQOGAwWyAiIgIiICIiDGbgZ8N7NWe0t7xRSHoinM+zAz3EZ8HVQc111OF6tVD+iUt0aZzPY06LT+2p431QZwYog5TPZWpmpRrjQC7Mc4Xn7q8UPaTmftLKgDpBKRK/TnCn9VcICIiAiIgIiIPEyvyfbOyroRuiDnQn4siC9rh911cgrcfNSpEYUmoDzCjt+NppX70qqVfmMaBGj25MOs2K2CWQg2ae9ufDdErzWhopzgNZrsQfpyKM9VWx+ulv4Dtv1fZPVNsfrpb+Xd/l/tEFmijPVNsfrpb+Xd/l/tUFlWx+ultfuHaq/V9kFmijYdlWvUVnZci6vQOHz7SsGA0FbzS88UGb5uG3Oq9ozAC+rgM0HUXbteK2XgW1YgizcCJQ5tQI1KUc1hMSC1+0CJeKbSvfQFOWs7pnXnDH4QqNTVrv6d14w7dOyMKIPfk+qZ9I/C2WMl1TPoHDAYLZAREQEXDnUFTcBrWGnQveM8TUHYRdfToXvGeJqadC94zxNQLQmeSgviGlGMLjW4XCqkvRFKBllteP/oiPjeJ3kF9ekq06yWjwXtMebeILM2jjR3tOoMAFRykFkpKNbc2HBh34CjReeCCTkwI+UsZ91ZSVazHtucb+PkrxRHovlXOhR52J1k5GLxdQiELoYvv1X37VboCIiAiIgIi6lq2lCloLo0Z4ZDYKuJ/28oPIy4yi0KWq0Z8xFdycvDxfEdcAPlWq+sicntClQxxzo8Q58d+Loh1n5YLxslbPiTs16ymmZgDc2Th1rmwzfyjhqzzX7K5QEREBERAREQEREBTlrO6Z15wx+EKjU1a7+ndeMO3TsjCiD35PqmfSPwtljJdUz6BwwGC2QSTbajCcc0uPJNmxBILG8mGGGCOeOdn57gNl+rFVq6HqaDypiZnPLs83uLc+lA/Nrm51BrpW5d9OHWUzAbEhuY4VY9pa4aqgihHcVNfu8s/3H97/ADVUiCV/d5Z/uP73+aO9H1ngEmDQY89/mqpQWUdoPtKNoEm/oAaTkdt4a3GCwjW8i7hVKXXl5BWFLx7RiTsCHmSsAmFLmpcIjtT4orqFbgvXy9m3TUaHZcD2o3PmXD/1wAceLjcL8DrXftu14Vmy0OWlmh0wW5ktAHtHAOIF4aNZK1yJya0SG+JFOfOzBz5h/wAWDG/C0Gn2QUMrLthw2saKNY0NA4AUC1REBERARdWftGFAYXxYjIbG6y4gAKMmsvnzLzCsuAZlwuMZ1WwGmg1upzteGxBW23bMKUguixnZrGj5uPBoxNSB91FyVkxrWmGzM40wpGGay8ufaecIsThsFF6djZFExmzVoRdKm2+wCKQYeu5jNt+s7FYhBw1oAoLgNS5REBERAREQEREBERAU5azumdecMfhCo1NWu/p3XjDt07Iwog9+T6pn0j8LZYyXVM+gcMBgtkBERAREQRFtRZ2fjxJSA18pLMObFmHAh76i8QQbiKdrjwXzlDPGxpFkGQkosd5FGiGxzwDS+JELQTU0VyiD8oyVtWHLPdMR5a0I89G6yK6UjUaLujhjN5rR/Wipf3gM/Rz/APKRv8VZIg/Po3pMcHECyrRcBqIl3AHjeKrZ2XM08N5Gypqrve0hgCl1dn3pRXaIIX11bLy4NkIENoPNL41TT5Aa18ixbYj9dOwpdhwgsLnDbziRerxEEZIejaVa5r5gxJyKB7Udxe2u9magfNV8vAaxoaxoa0agBQdy0RAREQEREBERAREQEREBERAU5azumdecMfhCo1NWu/p3XjDt07Iwog+IVuxGtDQGUAA1H5beC+hlDE3WYYHzRFqNwGUMTdZhgfNBlDE3WYYHzRESAyhibrMMD5oMoYm6zDA+aIhHLMoIhPss7jx4r79exNjNQwOJPHgiKYZ6G3YmxmOBwbXaht2JsZ3HaBt4oiYmOfXkSupms4HCvFfJt6JStGaq6jsrtREOY5iW7EGDNZGo4EceKzOUMTdZq2HYOKIqs+ByhibrO4+aHKGJus7j5oiEDlDE3Wdx80OUMTdZ3HzREIHKGJus7j5ocoYm6zuPmiIQOUMTdZ3HzQ5QxN1ncdnzREIHKGJus7js+aHKGJus7js+aIhA5QxN1ncdnzQ5QxN1ncdnzREIHKGJus7js+aHKGJus7js+aIhA5QxN1ncdnzWEWadEOcTQnAarrv+kRTU1//Z"/>
+          <p:cNvSpPr>
+            <a:spLocks noChangeAspect="1" noChangeArrowheads="1"/>
+          </p:cNvSpPr>
+          <p:nvPr/>
+        </p:nvSpPr>
+        <p:spPr bwMode="auto">
+          <a:xfrm>
+            <a:off x="155575" y="-144463"/>
+            <a:ext cx="304800" cy="304801"/>
+          </a:xfrm>
+          <a:prstGeom prst="rect">
+            <a:avLst/>
+          </a:prstGeom>
+          <a:noFill/>
+          <a:ln w="9525">
+            <a:noFill/>
+            <a:miter lim="800000"/>
+            <a:headEnd/>
+            <a:tailEnd/>
+          </a:ln>
+        </p:spPr>
+        <p:txBody>
+          <a:bodyPr/>
+          <a:lstStyle/>
+          <a:p>
+            <a:endParaRPr lang="en-US">
+              <a:latin typeface="Lucida Sans Unicode" pitchFamily="34" charset="0"/>
+            </a:endParaRPr>
+          </a:p>
+        </p:txBody>
+      </p:sp>
+      <p:sp>
+        <p:nvSpPr>
+          <p:cNvPr id="20486" name="AutoShape 6" descr="data:image/jpeg;base64,/9j/4AAQSkZJRgABAQAAAQABAAD/2wCEAAkGBxQSDxUUExQWFBEUFSAYFRgXGBkVFhwXHxgcHBcUGRgeKCgjGRslHBgfITEoJSkrLi8uFyAzODMsNyguLisBCgoKDgwOGA8PGiwkHCQsLCwsLCwsLCwsLCwsLyw3LCwsLCwsLCwsLCw2LCwsLCwsLCwsLCwsLCwsLCwsLCwsLP/AABEIAHQA6wMBIgACEQEDEQH/xAAbAAEBAQADAQEAAAAAAAAAAAAABgMBBAUCB//EAEIQAAECAwMHCAkBCAIDAAAAAAEAAgMEEQUhQQYSFDFRUmETIiMzQpGS0QcVMlNicXKBsVQWF5OUoaLS8FXBNENE/8QAFgEBAQEAAAAAAAAAAAAAAAAAAAEC/8QAGREBAQEBAQEAAAAAAAAAAAAAABEBQTEh/9oADAMBAAIRAxEAPwD9mlJZnJsqxtc0YCupa6Kzcb4Qkl1TPoHDAYLZBjorNxvhCaKzcb4QtkQY6Kzcb4Qmis3G+ELZEGOis3G+EJorNxvhC2WUeZYwVe9rAdWcQ38oONFZuN8ITRWbjfCFl60ge+heNvmnrSB76F42+aFa6Kzcb4Qmis3G+ELVjgRUEEHEXhcoMdFZuN8ITRWbjfCFsiDHRWbjfCE0Vm43whbIgx0Vm43whNFZuN8IWyIMdFZuN8ITRWbjfCFsiDHRWbjfCE0Vm43whbIgx0Vm43whNFZuN8IWyIMdFZuN8ITRWbjfCFsiDHRWbjfCE0Vm43whbIgx0Vm43whT9qNAjOAuF1woBqHBUymrXf07rxh26dkYUQe/J9Uz6R+FssZLqmfQOGAwWyAi8eLbmbOtl8zmEAGLnaorg5zYWZS+rGE1rdVopevYQEREEZbdizUtMPnJB5fn3x5Z5Ja8DGGey6mGpdK2bNlcoZSsOK6HGhbKh0N5HsxGL9AUPldYj5eP6ykmZ0dgPLwgc0RYdLz9YpUIJHJzJCQ5USc/B5GfGqjzycZuESGf6EYKt/dPZvuneMrvWnZ0tbUgx7TrGfBiD24cTb8wda5yJt+JFz5WaAZOy9A8YPZ2YzeBx4oOq30YSAFA2IBhSI675LrQfRZLQ84wpiahucKVEYkcLjrCvUQQjsip1oaINrRmhuD4bYg/IP8AVcCFbkDtSs0wDEOhPJr9xqw4q8RBCs9IfIkNn5SNKE151OUhCmurxhxoq6y7VgzLM+BEbEZtaQe/Yu1EhhzS1wBaRQg3gjEEKNtj0eQnRDHk4jpKZrXOh9WXYZ8PUQgtEUNI5XRpSK2XtRgY510OYZ1UQ11HcN4Vw1wIqLwUHKIiAiIgIiICIiAiIgKctZ3TOvOGPwhUamrXf07rxh26dkYUQe/J9Uz6R+FssZLqmfQOGAwWyDw4mS8Jxc4uicq6MI2fnkEPBGbRvs0AaG3g3L3ERBjNxsyG9+aXZjS7NaKuNBXNAxJ1KS/b0/oJ3+C7y/2is0QRn7eH9BO/wXeSft6f+Pnf4LtnyVmiD8oyPtvRrXfAEGLLyc5zoTYzDDpHF72tr2Svd9JMg6FydpQB08oek+OATz2naRrC7fpTs7lbNfEa0OiyzhHh30oWGpPdVe9ZU2yalGPHOhxoYrxBF4Qdizp1keCyLDNWRGhzTwK7KhPRbE5ITciaAykw4MaDWkJ3OZ9r9iu0BERAREQda0JGHHhOhRWB8N4o5rhUEG5RMvyliuDXvfGsx7qB7r3y5OoE4w/wr9ZTUs2IxzHgOY8UcDqIKD6hRA5oc0gtIqCLwRgQvtQFgTD7Lm2yEY1k4v8A4cUm8HGA87a6jjVX6AiIgIiICIiAiIgKctZ3TOvOGPwhUamrXf07rxh26dkYUQe/J9Uz6R+FssZLqmfQOGAwWyAiIgIiICIiDGbgZ8N7NWe0t7xRSHoinM+zAz3EZ8HVQc111OF6tVD+iUt0aZzPY06LT+2p431QZwYog5TPZWpmpRrjQC7Mc4Xn7q8UPaTmftLKgDpBKRK/TnCn9VcICIiAiIgIiIPEyvyfbOyroRuiDnQn4siC9rh911cgrcfNSpEYUmoDzCjt+NppX70qqVfmMaBGj25MOs2K2CWQg2ae9ufDdErzWhopzgNZrsQfpyKM9VWx+ulv4Dtv1fZPVNsfrpb+Xd/l/tEFmijPVNsfrpb+Xd/l/tUFlWx+ultfuHaq/V9kFmijYdlWvUVnZci6vQOHz7SsGA0FbzS88UGb5uG3Oq9ozAC+rgM0HUXbteK2XgW1YgizcCJQ5tQI1KUc1hMSC1+0CJeKbSvfQFOWs7pnXnDH4QqNTVrv6d14w7dOyMKIPfk+qZ9I/C2WMl1TPoHDAYLZAREQEXDnUFTcBrWGnQveM8TUHYRdfToXvGeJqadC94zxNQLQmeSgviGlGMLjW4XCqkvRFKBllteP/oiPjeJ3kF9ekq06yWjwXtMebeILM2jjR3tOoMAFRykFkpKNbc2HBh34CjReeCCTkwI+UsZ91ZSVazHtucb+PkrxRHovlXOhR52J1k5GLxdQiELoYvv1X37VboCIiAiIgIi6lq2lCloLo0Z4ZDYKuJ/28oPIy4yi0KWq0Z8xFdycvDxfEdcAPlWq+sicntClQxxzo8Q58d+Loh1n5YLxslbPiTs16ymmZgDc2Th1rmwzfyjhqzzX7K5QEREBERAREQEREBTlrO6Z15wx+EKjU1a7+ndeMO3TsjCiD35PqmfSPwtljJdUz6BwwGC2QSTbajCcc0uPJNmxBILG8mGGGCOeOdn57gNl+rFVq6HqaDypiZnPLs83uLc+lA/Nrm51BrpW5d9OHWUzAbEhuY4VY9pa4aqgihHcVNfu8s/3H97/ADVUiCV/d5Z/uP73+aO9H1ngEmDQY89/mqpQWUdoPtKNoEm/oAaTkdt4a3GCwjW8i7hVKXXl5BWFLx7RiTsCHmSsAmFLmpcIjtT4orqFbgvXy9m3TUaHZcD2o3PmXD/1wAceLjcL8DrXftu14Vmy0OWlmh0wW5ktAHtHAOIF4aNZK1yJya0SG+JFOfOzBz5h/wAWDG/C0Gn2QUMrLthw2saKNY0NA4AUC1REBERARdWftGFAYXxYjIbG6y4gAKMmsvnzLzCsuAZlwuMZ1WwGmg1upzteGxBW23bMKUguixnZrGj5uPBoxNSB91FyVkxrWmGzM40wpGGay8ufaecIsThsFF6djZFExmzVoRdKm2+wCKQYeu5jNt+s7FYhBw1oAoLgNS5REBERAREQEREBERAU5azumdecMfhCo1NWu/p3XjDt07Iwog9+T6pn0j8LZYyXVM+gcMBgtkBERAREQRFtRZ2fjxJSA18pLMObFmHAh76i8QQbiKdrjwXzlDPGxpFkGQkosd5FGiGxzwDS+JELQTU0VyiD8oyVtWHLPdMR5a0I89G6yK6UjUaLujhjN5rR/Wipf3gM/Rz/APKRv8VZIg/Po3pMcHECyrRcBqIl3AHjeKrZ2XM08N5Gypqrve0hgCl1dn3pRXaIIX11bLy4NkIENoPNL41TT5Aa18ixbYj9dOwpdhwgsLnDbziRerxEEZIejaVa5r5gxJyKB7Udxe2u9magfNV8vAaxoaxoa0agBQdy0RAREQEREBERAREQEREBERAU5azumdecMfhCo1NWu/p3XjDt07Iwog+IVuxGtDQGUAA1H5beC+hlDE3WYYHzRFqNwGUMTdZhgfNBlDE3WYYHzRESAyhibrMMD5oMoYm6zDA+aIhHLMoIhPss7jx4r79exNjNQwOJPHgiKYZ6G3YmxmOBwbXaht2JsZ3HaBt4oiYmOfXkSupms4HCvFfJt6JStGaq6jsrtREOY5iW7EGDNZGo4EceKzOUMTdZq2HYOKIqs+ByhibrO4+aHKGJus7j5oiEDlDE3Wdx80OUMTdZ3HzREIHKGJus7j5ocoYm6zuPmiIQOUMTdZ3HzQ5QxN1ncdnzREIHKGJus7js+aHKGJus7js+aIhA5QxN1ncdnzQ5QxN1ncdnzREIHKGJus7js+aHKGJus7js+aIhA5QxN1ncdnzWEWadEOcTQnAarrv+kRTU1//Z"/>
+          <p:cNvSpPr>
+            <a:spLocks noChangeAspect="1" noChangeArrowheads="1"/>
+          </p:cNvSpPr>
+          <p:nvPr/>
+        </p:nvSpPr>
+        <p:spPr bwMode="auto">
+          <a:xfrm>
+            <a:off x="155575" y="-144463"/>
+            <a:ext cx="304800" cy="304801"/>
+          </a:xfrm>
+          <a:prstGeom prst="rect">
+            <a:avLst/>
+          </a:prstGeom>
+          <a:noFill/>
+          <a:ln w="9525">
+            <a:noFill/>
+            <a:miter lim="800000"/>
+            <a:headEnd/>
+            <a:tailEnd/>
+          </a:ln>
+        </p:spPr>
+        <p:txBody>
+          <a:bodyPr/>
+          <a:lstStyle/>
+          <a:p>
+            <a:endParaRPr lang="en-US">
+              <a:latin typeface="Lucida Sans Unicode" pitchFamily="34" charset="0"/>
+            </a:endParaRPr>
+          </a:p>
+        </p:txBody>
+      </p:sp>
+      <p:pic>
+        <p:nvPicPr>
+          <p:cNvPr id="20487" name="Picture 10" descr="https://encrypted-tbn2.gstatic.com/images?q=tbn:ANd9GcR0v3jpCRywOprODOHVWFH-kJP_etGMn5T_FL7razMyupu3wFxm1LqTVQY"/>
+          <p:cNvPicPr>
+            <a:picLocks noChangeAspect="1" noChangeArrowheads="1"/>
+          </p:cNvPicPr>
+          <p:nvPr/>
+        </p:nvPicPr>
+        <p:blipFill>
+          <a:blip r:embed="rId2"/>
+          <a:srcRect/>
+          <a:stretch>
+            <a:fillRect/>
+          </a:stretch>
+        </p:blipFill>
+        <p:spPr bwMode="auto">
+          <a:xfrm>
+            <a:off x="1905000" y="2667000"/>
+            <a:ext cx="3886200" cy="1600200"/>
+          </a:xfrm>
+          <a:prstGeom prst="rect">
+            <a:avLst/>
+          </a:prstGeom>
+          <a:noFill/>
+          <a:ln w="9525">
+            <a:noFill/>
+            <a:miter lim="800000"/>
+            <a:headEnd/>
+            <a:tailEnd/>
+          </a:ln>
+        </p:spPr>
+      </p:pic>
+    </p:spTree>
+  </p:cSld>
+  <p:clrMapOvr>
+    <a:masterClrMapping/>
+  </p:clrMapOvr>
+</p:sld>
+</file>
+
+<file path=ppt/slides/slide12.xml><?xml version="1.0" encoding="utf-8"?>
+<p:sld xmlns:a="http://schemas.openxmlformats.org/drawingml/2006/main" xmlns:r="http://schemas.openxmlformats.org/officeDocument/2006/relationships" xmlns:p="http://schemas.openxmlformats.org/presentationml/2006/main">
+  <p:cSld>
+    <p:spTree>
+      <p:nvGrpSpPr>
+        <p:cNvPr id="1" name=""/>
+        <p:cNvGrpSpPr/>
+        <p:nvPr/>
+      </p:nvGrpSpPr>
+      <p:grpSpPr>
+        <a:xfrm>
+          <a:off x="0" y="0"/>
+          <a:ext cx="0" cy="0"/>
+          <a:chOff x="0" y="0"/>
+          <a:chExt cx="0" cy="0"/>
+        </a:xfrm>
+      </p:grpSpPr>
+      <p:sp>
+        <p:nvSpPr>
+          <p:cNvPr id="21506" name="Content Placeholder 1"/>
+          <p:cNvSpPr>
+            <a:spLocks noGrp="1"/>
+          </p:cNvSpPr>
+          <p:nvPr>
+            <p:ph idx="1"/>
+          </p:nvPr>
+        </p:nvSpPr>
+        <p:spPr/>
+        <p:txBody>
+          <a:bodyPr/>
+          <a:lstStyle/>
+          <a:p>
+            <a:pPr eaLnBrk="1" hangingPunct="1"/>
+            <a:r>
+              <a:rPr lang="en-US" smtClean="0"/>
+              <a:t>Implement following logical expression using NAND Gate</a:t>
+            </a:r>
+          </a:p>
+          <a:p>
+            <a:pPr eaLnBrk="1" hangingPunct="1">
+              <a:buFont typeface="Wingdings 3" pitchFamily="18" charset="2"/>
+              <a:buNone/>
+            </a:pPr>
+            <a:r>
+              <a:rPr lang="en-US" smtClean="0"/>
+              <a:t>             </a:t>
+            </a:r>
+          </a:p>
+          <a:p>
+            <a:pPr eaLnBrk="1" hangingPunct="1">
+              <a:buFont typeface="Wingdings 3" pitchFamily="18" charset="2"/>
+              <a:buNone/>
+            </a:pPr>
+            <a:r>
+              <a:rPr lang="en-US" smtClean="0"/>
+              <a:t>           F = W.X.Y + X.Y.Z + Y.Z.W</a:t>
+            </a:r>
+          </a:p>
+          <a:p>
+            <a:pPr eaLnBrk="1" hangingPunct="1"/>
+            <a:endParaRPr lang="en-US" smtClean="0"/>
+          </a:p>
+        </p:txBody>
+      </p:sp>
+      <p:sp>
+        <p:nvSpPr>
+          <p:cNvPr id="3" name="Title 2"/>
+          <p:cNvSpPr>
+            <a:spLocks noGrp="1"/>
+          </p:cNvSpPr>
+          <p:nvPr>
+            <p:ph type="title"/>
+          </p:nvPr>
+        </p:nvSpPr>
+        <p:spPr/>
+        <p:txBody>
+          <a:bodyPr>
+            <a:normAutofit fontScale="90000"/>
+          </a:bodyPr>
+          <a:lstStyle/>
+          <a:p>
+            <a:pPr eaLnBrk="1" fontAlgn="auto" hangingPunct="1">
+              <a:spcAft>
+                <a:spcPts val="0"/>
+              </a:spcAft>
+              <a:defRPr/>
+            </a:pPr>
+            <a:r>
+              <a:rPr lang="en-US" dirty="0" smtClean="0">
+                <a:solidFill>
+                  <a:srgbClr val="FF0000"/>
+                </a:solidFill>
+                <a:effectLst/>
+                <a:latin typeface="Times New Roman" pitchFamily="18" charset="0"/>
+                <a:cs typeface="Times New Roman" pitchFamily="18" charset="0"/>
+              </a:rPr>
+              <a:t>Implementation of logical expression</a:t>
+            </a:r>
+            <a:endParaRPr lang="en-US" dirty="0">
+              <a:solidFill>
+                <a:srgbClr val="FF0000"/>
+              </a:solidFill>
+              <a:effectLst/>
+              <a:latin typeface="Times New Roman" pitchFamily="18" charset="0"/>
+              <a:cs typeface="Times New Roman" pitchFamily="18" charset="0"/>
+            </a:endParaRPr>
+          </a:p>
+        </p:txBody>
+      </p:sp>
+    </p:spTree>
+  </p:cSld>
+  <p:clrMapOvr>
+    <a:masterClrMapping/>
+  </p:clrMapOvr>
+</p:sld>
+</file>
+
+<file path=ppt/slides/slide13.xml><?xml version="1.0" encoding="utf-8"?>
+<p:sld xmlns:a="http://schemas.openxmlformats.org/drawingml/2006/main" xmlns:r="http://schemas.openxmlformats.org/officeDocument/2006/relationships" xmlns:p="http://schemas.openxmlformats.org/presentationml/2006/main">
+  <p:cSld>
+    <p:spTree>
+      <p:nvGrpSpPr>
+        <p:cNvPr id="1" name=""/>
+        <p:cNvGrpSpPr/>
+        <p:nvPr/>
+      </p:nvGrpSpPr>
+      <p:grpSpPr>
+        <a:xfrm>
+          <a:off x="0" y="0"/>
+          <a:ext cx="0" cy="0"/>
+          <a:chOff x="0" y="0"/>
+          <a:chExt cx="0" cy="0"/>
+        </a:xfrm>
+      </p:grpSpPr>
+      <p:pic>
+        <p:nvPicPr>
+          <p:cNvPr id="22530" name="Picture 2" descr="../images/digital/gates_sop3.gif"/>
+          <p:cNvPicPr>
+            <a:picLocks noChangeAspect="1" noChangeArrowheads="1"/>
+          </p:cNvPicPr>
+          <p:nvPr/>
+        </p:nvPicPr>
+        <p:blipFill>
+          <a:blip r:embed="rId2"/>
+          <a:srcRect l="3148" t="4507" r="3148" b="9013"/>
+          <a:stretch>
+            <a:fillRect/>
+          </a:stretch>
+        </p:blipFill>
+        <p:spPr bwMode="auto">
+          <a:xfrm>
+            <a:off x="1117600" y="533400"/>
+            <a:ext cx="7035800" cy="5029200"/>
+          </a:xfrm>
+          <a:prstGeom prst="rect">
+            <a:avLst/>
+          </a:prstGeom>
+          <a:noFill/>
+          <a:ln w="9525">
+            <a:noFill/>
+            <a:miter lim="800000"/>
+            <a:headEnd/>
+            <a:tailEnd/>
+          </a:ln>
+        </p:spPr>
+      </p:pic>
+    </p:spTree>
+  </p:cSld>
+  <p:clrMapOvr>
+    <a:masterClrMapping/>
+  </p:clrMapOvr>
+</p:sld>
+</file>
+
+<file path=ppt/slides/slide14.xml><?xml version="1.0" encoding="utf-8"?>
+<p:sld xmlns:a="http://schemas.openxmlformats.org/drawingml/2006/main" xmlns:r="http://schemas.openxmlformats.org/officeDocument/2006/relationships" xmlns:p="http://schemas.openxmlformats.org/presentationml/2006/main">
+  <p:cSld>
+    <p:spTree>
+      <p:nvGrpSpPr>
+        <p:cNvPr id="1" name=""/>
+        <p:cNvGrpSpPr/>
+        <p:nvPr/>
+      </p:nvGrpSpPr>
+      <p:grpSpPr>
+        <a:xfrm>
+          <a:off x="0" y="0"/>
+          <a:ext cx="0" cy="0"/>
+          <a:chOff x="0" y="0"/>
+          <a:chExt cx="0" cy="0"/>
+        </a:xfrm>
+      </p:grpSpPr>
+      <p:sp>
+        <p:nvSpPr>
+          <p:cNvPr id="27650" name="Content Placeholder 1"/>
+          <p:cNvSpPr>
+            <a:spLocks noGrp="1"/>
+          </p:cNvSpPr>
+          <p:nvPr>
+            <p:ph idx="1"/>
+          </p:nvPr>
+        </p:nvSpPr>
+        <p:spPr>
+          <a:xfrm>
+            <a:off x="0" y="1481138"/>
+            <a:ext cx="9144000" cy="5072062"/>
+          </a:xfrm>
+        </p:spPr>
+        <p:txBody>
+          <a:bodyPr/>
+          <a:lstStyle/>
+          <a:p>
+            <a:pPr>
+              <a:buFont typeface="Wingdings 3" pitchFamily="18" charset="2"/>
+              <a:buNone/>
+              <a:defRPr/>
+            </a:pPr>
+            <a:r>
+              <a:rPr lang="en-IN" sz="2400" dirty="0" smtClean="0"/>
+              <a:t>11.  ______ is the mathematical representation used to show the relation between the inputs and the outputs of a gate.</a:t>
+            </a:r>
+            <a:endParaRPr lang="en-US" sz="2000" dirty="0" smtClean="0"/>
+          </a:p>
+          <a:p>
+            <a:pPr marL="849313" lvl="1" indent="-457200">
+              <a:buFont typeface="+mj-lt"/>
+              <a:buAutoNum type="alphaLcPeriod"/>
+              <a:defRPr/>
+            </a:pPr>
+            <a:r>
+              <a:rPr lang="en-IN" sz="2000" dirty="0" smtClean="0"/>
+              <a:t>Boolean expression</a:t>
+            </a:r>
+            <a:endParaRPr lang="en-US" sz="1800" dirty="0" smtClean="0"/>
+          </a:p>
+          <a:p>
+            <a:pPr marL="849313" lvl="1" indent="-457200">
+              <a:buFont typeface="+mj-lt"/>
+              <a:buAutoNum type="alphaLcPeriod"/>
+              <a:defRPr/>
+            </a:pPr>
+            <a:r>
+              <a:rPr lang="en-IN" sz="2000" dirty="0" smtClean="0"/>
+              <a:t>Characteristic equation</a:t>
+            </a:r>
+            <a:endParaRPr lang="en-US" sz="1800" dirty="0" smtClean="0"/>
+          </a:p>
+          <a:p>
+            <a:pPr marL="849313" lvl="1" indent="-457200">
+              <a:buFont typeface="+mj-lt"/>
+              <a:buAutoNum type="alphaLcPeriod"/>
+              <a:defRPr/>
+            </a:pPr>
+            <a:r>
+              <a:rPr lang="en-IN" sz="2000" dirty="0" smtClean="0"/>
+              <a:t>Both</a:t>
+            </a:r>
+            <a:endParaRPr lang="en-US" sz="1800" dirty="0" smtClean="0"/>
+          </a:p>
+          <a:p>
+            <a:pPr>
+              <a:buFont typeface="Wingdings 3" pitchFamily="18" charset="2"/>
+              <a:buNone/>
+              <a:defRPr/>
+            </a:pPr>
+            <a:r>
+              <a:rPr lang="en-IN" sz="2400" dirty="0" smtClean="0"/>
+              <a:t>12.  The logic expression AB+ can be implemented by given inputs A and B to a two input _______.</a:t>
+            </a:r>
+            <a:endParaRPr lang="en-US" sz="2000" dirty="0" smtClean="0"/>
+          </a:p>
+          <a:p>
+            <a:pPr marL="849313" lvl="1" indent="-457200">
+              <a:buFont typeface="+mj-lt"/>
+              <a:buAutoNum type="alphaLcPeriod"/>
+              <a:defRPr/>
+            </a:pPr>
+            <a:r>
+              <a:rPr lang="en-IN" sz="2000" dirty="0" smtClean="0"/>
+              <a:t>NOR</a:t>
+            </a:r>
+            <a:endParaRPr lang="en-US" sz="2000" dirty="0" smtClean="0"/>
+          </a:p>
+          <a:p>
+            <a:pPr marL="849313" lvl="1" indent="-457200">
+              <a:buFont typeface="+mj-lt"/>
+              <a:buAutoNum type="alphaLcPeriod"/>
+              <a:defRPr/>
+            </a:pPr>
+            <a:r>
+              <a:rPr lang="en-IN" sz="2000" dirty="0" smtClean="0"/>
+              <a:t>Exclusive NOR gate</a:t>
+            </a:r>
+            <a:endParaRPr lang="en-US" sz="2000" dirty="0" smtClean="0"/>
+          </a:p>
+          <a:p>
+            <a:pPr marL="849313" lvl="1" indent="-457200">
+              <a:buFont typeface="+mj-lt"/>
+              <a:buAutoNum type="alphaLcPeriod"/>
+              <a:defRPr/>
+            </a:pPr>
+            <a:r>
+              <a:rPr lang="en-IN" sz="2000" dirty="0" smtClean="0"/>
+              <a:t>Exclusive OR gate </a:t>
+            </a:r>
+            <a:endParaRPr lang="en-US" sz="2000" dirty="0" smtClean="0"/>
+          </a:p>
+          <a:p>
+            <a:pPr marL="849313" lvl="1" indent="-457200">
+              <a:buFont typeface="+mj-lt"/>
+              <a:buAutoNum type="alphaLcPeriod"/>
+              <a:defRPr/>
+            </a:pPr>
+            <a:r>
+              <a:rPr lang="en-IN" sz="2000" dirty="0" smtClean="0"/>
+              <a:t>NAND gate</a:t>
+            </a:r>
+            <a:endParaRPr lang="en-US" sz="2000" dirty="0" smtClean="0"/>
+          </a:p>
+          <a:p>
+            <a:pPr marL="623887" indent="-514350" eaLnBrk="1" hangingPunct="1">
+              <a:buFont typeface="+mj-lt"/>
+              <a:buAutoNum type="arabicPeriod"/>
+              <a:defRPr/>
+            </a:pPr>
+            <a:endParaRPr lang="en-IN" dirty="0" smtClean="0"/>
+          </a:p>
+          <a:p>
+            <a:pPr eaLnBrk="1" hangingPunct="1">
+              <a:buFont typeface="Wingdings 3" pitchFamily="18" charset="2"/>
+              <a:buNone/>
+              <a:defRPr/>
+            </a:pPr>
+            <a:r>
+              <a:rPr lang="en-US" dirty="0" smtClean="0"/>
+              <a:t> </a:t>
+            </a:r>
+            <a:endParaRPr lang="en-IN" dirty="0" smtClean="0"/>
+          </a:p>
+          <a:p>
+            <a:pPr eaLnBrk="1" hangingPunct="1">
+              <a:buFont typeface="Wingdings 3" pitchFamily="18" charset="2"/>
+              <a:buNone/>
+              <a:defRPr/>
+            </a:pPr>
+            <a:endParaRPr lang="en-IN" dirty="0" smtClean="0"/>
+          </a:p>
+        </p:txBody>
+      </p:sp>
+      <p:sp>
+        <p:nvSpPr>
+          <p:cNvPr id="3" name="Title 2"/>
+          <p:cNvSpPr>
+            <a:spLocks noGrp="1"/>
+          </p:cNvSpPr>
+          <p:nvPr>
+            <p:ph type="title"/>
+          </p:nvPr>
+        </p:nvSpPr>
+        <p:spPr/>
+        <p:txBody>
+          <a:bodyPr/>
+          <a:lstStyle/>
+          <a:p>
+            <a:pPr eaLnBrk="1" hangingPunct="1">
+              <a:defRPr/>
+            </a:pPr>
+            <a:r>
+              <a:rPr lang="en-US" dirty="0" smtClean="0">
+                <a:solidFill>
+                  <a:srgbClr val="FF0000"/>
+                </a:solidFill>
+              </a:rPr>
+              <a:t>Analyze Yourself </a:t>
+            </a:r>
+            <a:endParaRPr lang="en-IN" dirty="0"/>
+          </a:p>
+        </p:txBody>
+      </p:sp>
+    </p:spTree>
+  </p:cSld>
+  <p:clrMapOvr>
+    <a:masterClrMapping/>
+  </p:clrMapOvr>
+</p:sld>
+</file>
+
+<file path=ppt/slides/slide15.xml><?xml version="1.0" encoding="utf-8"?>
+<p:sld xmlns:a="http://schemas.openxmlformats.org/drawingml/2006/main" xmlns:r="http://schemas.openxmlformats.org/officeDocument/2006/relationships" xmlns:p="http://schemas.openxmlformats.org/presentationml/2006/main">
+  <p:cSld>
+    <p:spTree>
+      <p:nvGrpSpPr>
+        <p:cNvPr id="1" name=""/>
+        <p:cNvGrpSpPr/>
+        <p:nvPr/>
+      </p:nvGrpSpPr>
+      <p:grpSpPr>
+        <a:xfrm>
+          <a:off x="0" y="0"/>
+          <a:ext cx="0" cy="0"/>
+          <a:chOff x="0" y="0"/>
+          <a:chExt cx="0" cy="0"/>
+        </a:xfrm>
+      </p:grpSpPr>
+      <p:sp>
+        <p:nvSpPr>
+          <p:cNvPr id="27650" name="Content Placeholder 1"/>
+          <p:cNvSpPr>
+            <a:spLocks noGrp="1"/>
+          </p:cNvSpPr>
+          <p:nvPr>
+            <p:ph idx="1"/>
+          </p:nvPr>
+        </p:nvSpPr>
+        <p:spPr>
+          <a:xfrm>
+            <a:off x="0" y="1481138"/>
+            <a:ext cx="9144000" cy="5072062"/>
+          </a:xfrm>
+        </p:spPr>
+        <p:txBody>
+          <a:bodyPr/>
+          <a:lstStyle/>
+          <a:p>
+            <a:pPr>
+              <a:buFont typeface="Wingdings 3" pitchFamily="18" charset="2"/>
+              <a:buNone/>
+              <a:defRPr/>
+            </a:pPr>
+            <a:r>
+              <a:rPr lang="en-IN" sz="2800" dirty="0" smtClean="0"/>
+              <a:t>13. A∙(B+C)=AB+AC represents ________ law.</a:t>
+            </a:r>
+            <a:endParaRPr lang="en-US" sz="2400" dirty="0" smtClean="0"/>
+          </a:p>
+          <a:p>
+            <a:pPr lvl="1">
+              <a:defRPr/>
+            </a:pPr>
+            <a:r>
+              <a:rPr lang="en-IN" sz="2400" dirty="0" smtClean="0"/>
+              <a:t>Commutative</a:t>
+            </a:r>
+            <a:endParaRPr lang="en-US" sz="2000" dirty="0" smtClean="0"/>
+          </a:p>
+          <a:p>
+            <a:pPr lvl="1">
+              <a:defRPr/>
+            </a:pPr>
+            <a:r>
+              <a:rPr lang="en-IN" sz="2400" dirty="0" smtClean="0"/>
+              <a:t>Associative </a:t>
+            </a:r>
+            <a:endParaRPr lang="en-US" sz="2000" dirty="0" smtClean="0"/>
+          </a:p>
+          <a:p>
+            <a:pPr lvl="1">
+              <a:defRPr/>
+            </a:pPr>
+            <a:r>
+              <a:rPr lang="en-IN" sz="2400" dirty="0" smtClean="0"/>
+              <a:t>Distributive</a:t>
+            </a:r>
+            <a:endParaRPr lang="en-US" sz="2000" dirty="0" smtClean="0"/>
+          </a:p>
+          <a:p>
+            <a:pPr>
+              <a:buFont typeface="Wingdings 3" pitchFamily="18" charset="2"/>
+              <a:buNone/>
+              <a:defRPr/>
+            </a:pPr>
+            <a:r>
+              <a:rPr lang="en-IN" sz="2800" dirty="0" smtClean="0"/>
+              <a:t>14. (A∙B) ∙C= A∙(B∙C) represents ______ law.</a:t>
+            </a:r>
+            <a:endParaRPr lang="en-US" sz="2400" dirty="0" smtClean="0"/>
+          </a:p>
+          <a:p>
+            <a:pPr lvl="1">
+              <a:defRPr/>
+            </a:pPr>
+            <a:r>
+              <a:rPr lang="en-IN" sz="2400" dirty="0" smtClean="0"/>
+              <a:t>Commutative</a:t>
+            </a:r>
+            <a:endParaRPr lang="en-US" sz="2000" dirty="0" smtClean="0"/>
+          </a:p>
+          <a:p>
+            <a:pPr lvl="1">
+              <a:defRPr/>
+            </a:pPr>
+            <a:r>
+              <a:rPr lang="en-IN" sz="2400" dirty="0" smtClean="0"/>
+              <a:t>Associative </a:t>
+            </a:r>
+            <a:endParaRPr lang="en-US" sz="2000" dirty="0" smtClean="0"/>
+          </a:p>
+          <a:p>
+            <a:pPr lvl="1">
+              <a:defRPr/>
+            </a:pPr>
+            <a:r>
+              <a:rPr lang="en-IN" sz="2400" dirty="0" smtClean="0"/>
+              <a:t>Distributive</a:t>
+            </a:r>
+            <a:endParaRPr lang="en-US" sz="2000" dirty="0" smtClean="0"/>
+          </a:p>
+          <a:p>
+            <a:pPr marL="623887" indent="-514350" eaLnBrk="1" hangingPunct="1">
+              <a:buFont typeface="+mj-lt"/>
+              <a:buAutoNum type="arabicPeriod"/>
+              <a:defRPr/>
+            </a:pPr>
+            <a:endParaRPr lang="en-IN" dirty="0" smtClean="0"/>
+          </a:p>
+          <a:p>
+            <a:pPr eaLnBrk="1" hangingPunct="1">
+              <a:buFont typeface="Wingdings 3" pitchFamily="18" charset="2"/>
+              <a:buNone/>
+              <a:defRPr/>
+            </a:pPr>
+            <a:r>
+              <a:rPr lang="en-US" dirty="0" smtClean="0"/>
+              <a:t> </a:t>
+            </a:r>
+            <a:endParaRPr lang="en-IN" dirty="0" smtClean="0"/>
+          </a:p>
+          <a:p>
+            <a:pPr eaLnBrk="1" hangingPunct="1">
+              <a:buFont typeface="Wingdings 3" pitchFamily="18" charset="2"/>
+              <a:buNone/>
+              <a:defRPr/>
+            </a:pPr>
+            <a:endParaRPr lang="en-IN" dirty="0" smtClean="0"/>
+          </a:p>
+        </p:txBody>
+      </p:sp>
+      <p:sp>
+        <p:nvSpPr>
+          <p:cNvPr id="3" name="Title 2"/>
+          <p:cNvSpPr>
+            <a:spLocks noGrp="1"/>
+          </p:cNvSpPr>
+          <p:nvPr>
+            <p:ph type="title"/>
+          </p:nvPr>
+        </p:nvSpPr>
+        <p:spPr/>
+        <p:txBody>
+          <a:bodyPr/>
+          <a:lstStyle/>
+          <a:p>
+            <a:pPr eaLnBrk="1" hangingPunct="1">
+              <a:defRPr/>
+            </a:pPr>
+            <a:r>
+              <a:rPr lang="en-US" dirty="0" smtClean="0">
+                <a:solidFill>
+                  <a:srgbClr val="FF0000"/>
+                </a:solidFill>
+              </a:rPr>
+              <a:t>Analyze Yourself </a:t>
+            </a:r>
+            <a:endParaRPr lang="en-IN" dirty="0"/>
+          </a:p>
+        </p:txBody>
+      </p:sp>
+    </p:spTree>
+  </p:cSld>
+  <p:clrMapOvr>
+    <a:masterClrMapping/>
+  </p:clrMapOvr>
+</p:sld>
+</file>
+
+<file path=ppt/slides/slide16.xml><?xml version="1.0" encoding="utf-8"?>
+<p:sld xmlns:a="http://schemas.openxmlformats.org/drawingml/2006/main" xmlns:r="http://schemas.openxmlformats.org/officeDocument/2006/relationships" xmlns:p="http://schemas.openxmlformats.org/presentationml/2006/main">
+  <p:cSld>
+    <p:spTree>
+      <p:nvGrpSpPr>
+        <p:cNvPr id="1" name=""/>
+        <p:cNvGrpSpPr/>
+        <p:nvPr/>
+      </p:nvGrpSpPr>
+      <p:grpSpPr>
+        <a:xfrm>
+          <a:off x="0" y="0"/>
+          <a:ext cx="0" cy="0"/>
+          <a:chOff x="0" y="0"/>
+          <a:chExt cx="0" cy="0"/>
+        </a:xfrm>
+      </p:grpSpPr>
+      <p:sp>
+        <p:nvSpPr>
+          <p:cNvPr id="27650" name="Content Placeholder 1"/>
+          <p:cNvSpPr>
+            <a:spLocks noGrp="1"/>
+          </p:cNvSpPr>
+          <p:nvPr>
+            <p:ph idx="1"/>
+          </p:nvPr>
+        </p:nvSpPr>
+        <p:spPr>
+          <a:xfrm>
+            <a:off x="0" y="1481138"/>
+            <a:ext cx="9144000" cy="5072062"/>
+          </a:xfrm>
+        </p:spPr>
+        <p:txBody>
+          <a:bodyPr/>
+          <a:lstStyle/>
+          <a:p>
+            <a:pPr>
+              <a:buFont typeface="Wingdings 3" pitchFamily="18" charset="2"/>
+              <a:buNone/>
+              <a:defRPr/>
+            </a:pPr>
+            <a:r>
+              <a:rPr lang="en-IN" sz="2800" dirty="0" smtClean="0"/>
+              <a:t>15. According to </a:t>
+            </a:r>
+            <a:r>
+              <a:rPr lang="en-IN" sz="2800" dirty="0" err="1" smtClean="0"/>
+              <a:t>DeMorgan’s</a:t>
+            </a:r>
+            <a:r>
+              <a:rPr lang="en-IN" sz="2800" dirty="0" smtClean="0"/>
+              <a:t> theorem : NOR = ______.</a:t>
+            </a:r>
+            <a:endParaRPr lang="en-US" sz="2400" dirty="0" smtClean="0"/>
+          </a:p>
+          <a:p>
+            <a:pPr lvl="1">
+              <a:defRPr/>
+            </a:pPr>
+            <a:r>
+              <a:rPr lang="en-IN" sz="2400" dirty="0" smtClean="0"/>
+              <a:t>Bubbled OR</a:t>
+            </a:r>
+            <a:endParaRPr lang="en-US" sz="2000" dirty="0" smtClean="0"/>
+          </a:p>
+          <a:p>
+            <a:pPr lvl="1">
+              <a:defRPr/>
+            </a:pPr>
+            <a:r>
+              <a:rPr lang="en-IN" sz="2400" dirty="0" smtClean="0"/>
+              <a:t>Bubbled NOR</a:t>
+            </a:r>
+            <a:endParaRPr lang="en-US" sz="2000" dirty="0" smtClean="0"/>
+          </a:p>
+          <a:p>
+            <a:pPr lvl="1">
+              <a:defRPr/>
+            </a:pPr>
+            <a:r>
+              <a:rPr lang="en-IN" sz="2400" dirty="0" smtClean="0"/>
+              <a:t>Bubbled AND</a:t>
+            </a:r>
+            <a:endParaRPr lang="en-US" sz="2000" dirty="0" smtClean="0"/>
+          </a:p>
+          <a:p>
+            <a:pPr>
+              <a:buFont typeface="Wingdings 3" pitchFamily="18" charset="2"/>
+              <a:buNone/>
+              <a:defRPr/>
+            </a:pPr>
+            <a:r>
+              <a:rPr lang="en-IN" sz="2800" dirty="0" smtClean="0"/>
+              <a:t>16. According to </a:t>
+            </a:r>
+            <a:r>
+              <a:rPr lang="en-IN" sz="2800" dirty="0" err="1" smtClean="0"/>
+              <a:t>DeMorgan’s</a:t>
+            </a:r>
+            <a:r>
+              <a:rPr lang="en-IN" sz="2800" dirty="0" smtClean="0"/>
+              <a:t> theorem : NAND = ______.</a:t>
+            </a:r>
+            <a:endParaRPr lang="en-US" sz="2400" dirty="0" smtClean="0"/>
+          </a:p>
+          <a:p>
+            <a:pPr lvl="1">
+              <a:defRPr/>
+            </a:pPr>
+            <a:r>
+              <a:rPr lang="en-IN" sz="2400" dirty="0" smtClean="0"/>
+              <a:t>Bubbled AND</a:t>
+            </a:r>
+            <a:endParaRPr lang="en-US" sz="2000" dirty="0" smtClean="0"/>
+          </a:p>
+          <a:p>
+            <a:pPr lvl="1">
+              <a:defRPr/>
+            </a:pPr>
+            <a:r>
+              <a:rPr lang="en-IN" sz="2400" dirty="0" smtClean="0"/>
+              <a:t>Bubbled NAND</a:t>
+            </a:r>
+            <a:endParaRPr lang="en-US" sz="2000" dirty="0" smtClean="0"/>
+          </a:p>
+          <a:p>
+            <a:pPr lvl="1">
+              <a:defRPr/>
+            </a:pPr>
+            <a:r>
+              <a:rPr lang="en-IN" sz="2400" dirty="0" smtClean="0"/>
+              <a:t>Bubbled OR</a:t>
+            </a:r>
+            <a:endParaRPr lang="en-US" sz="2000" dirty="0" smtClean="0"/>
+          </a:p>
+          <a:p>
+            <a:pPr marL="623887" indent="-514350" eaLnBrk="1" hangingPunct="1">
+              <a:buFont typeface="+mj-lt"/>
+              <a:buAutoNum type="arabicPeriod"/>
+              <a:defRPr/>
+            </a:pPr>
+            <a:endParaRPr lang="en-IN" dirty="0" smtClean="0"/>
+          </a:p>
+          <a:p>
+            <a:pPr eaLnBrk="1" hangingPunct="1">
+              <a:buFont typeface="Wingdings 3" pitchFamily="18" charset="2"/>
+              <a:buNone/>
+              <a:defRPr/>
+            </a:pPr>
+            <a:r>
+              <a:rPr lang="en-US" dirty="0" smtClean="0"/>
+              <a:t> </a:t>
+            </a:r>
+            <a:endParaRPr lang="en-IN" dirty="0" smtClean="0"/>
+          </a:p>
+          <a:p>
+            <a:pPr eaLnBrk="1" hangingPunct="1">
+              <a:buFont typeface="Wingdings 3" pitchFamily="18" charset="2"/>
+              <a:buNone/>
+              <a:defRPr/>
+            </a:pPr>
+            <a:endParaRPr lang="en-IN" dirty="0" smtClean="0"/>
+          </a:p>
+        </p:txBody>
+      </p:sp>
+      <p:sp>
+        <p:nvSpPr>
+          <p:cNvPr id="3" name="Title 2"/>
+          <p:cNvSpPr>
+            <a:spLocks noGrp="1"/>
+          </p:cNvSpPr>
+          <p:nvPr>
+            <p:ph type="title"/>
+          </p:nvPr>
+        </p:nvSpPr>
+        <p:spPr/>
+        <p:txBody>
+          <a:bodyPr/>
+          <a:lstStyle/>
+          <a:p>
+            <a:pPr eaLnBrk="1" hangingPunct="1">
+              <a:defRPr/>
+            </a:pPr>
+            <a:r>
+              <a:rPr lang="en-US" dirty="0" smtClean="0">
+                <a:solidFill>
+                  <a:srgbClr val="FF0000"/>
+                </a:solidFill>
+              </a:rPr>
+              <a:t>Analyze Yourself </a:t>
+            </a:r>
+            <a:endParaRPr lang="en-IN" dirty="0"/>
+          </a:p>
+        </p:txBody>
+      </p:sp>
+    </p:spTree>
+  </p:cSld>
+  <p:clrMapOvr>
+    <a:masterClrMapping/>
+  </p:clrMapOvr>
+</p:sld>
+</file>
+
+<file path=ppt/slides/slide17.xml><?xml version="1.0" encoding="utf-8"?>
+<p:sld xmlns:a="http://schemas.openxmlformats.org/drawingml/2006/main" xmlns:r="http://schemas.openxmlformats.org/officeDocument/2006/relationships" xmlns:p="http://schemas.openxmlformats.org/presentationml/2006/main">
+  <p:cSld>
+    <p:spTree>
+      <p:nvGrpSpPr>
+        <p:cNvPr id="1" name=""/>
+        <p:cNvGrpSpPr/>
+        <p:nvPr/>
+      </p:nvGrpSpPr>
+      <p:grpSpPr>
+        <a:xfrm>
+          <a:off x="0" y="0"/>
+          <a:ext cx="0" cy="0"/>
+          <a:chOff x="0" y="0"/>
+          <a:chExt cx="0" cy="0"/>
+        </a:xfrm>
+      </p:grpSpPr>
+      <p:sp>
+        <p:nvSpPr>
+          <p:cNvPr id="27650" name="Content Placeholder 1"/>
+          <p:cNvSpPr>
+            <a:spLocks noGrp="1"/>
+          </p:cNvSpPr>
+          <p:nvPr>
+            <p:ph idx="1"/>
+          </p:nvPr>
+        </p:nvSpPr>
+        <p:spPr>
+          <a:xfrm>
+            <a:off x="0" y="1481138"/>
+            <a:ext cx="9144000" cy="5072062"/>
+          </a:xfrm>
+        </p:spPr>
+        <p:txBody>
+          <a:bodyPr/>
+          <a:lstStyle/>
+          <a:p>
+            <a:pPr>
+              <a:buFont typeface="Wingdings 3" pitchFamily="18" charset="2"/>
+              <a:buNone/>
+              <a:defRPr/>
+            </a:pPr>
+            <a:r>
+              <a:rPr lang="en-IN" sz="2800" dirty="0" smtClean="0"/>
+              <a:t>17. Standard two forms of Boolean expression are ____________.</a:t>
+            </a:r>
+            <a:endParaRPr lang="en-US" sz="2400" dirty="0" smtClean="0"/>
+          </a:p>
+          <a:p>
+            <a:pPr lvl="1">
+              <a:defRPr/>
+            </a:pPr>
+            <a:r>
+              <a:rPr lang="en-IN" sz="2400" dirty="0" smtClean="0"/>
+              <a:t>POS and POP</a:t>
+            </a:r>
+            <a:endParaRPr lang="en-US" sz="2000" dirty="0" smtClean="0"/>
+          </a:p>
+          <a:p>
+            <a:pPr lvl="1">
+              <a:defRPr/>
+            </a:pPr>
+            <a:r>
+              <a:rPr lang="en-IN" sz="2400" dirty="0" smtClean="0"/>
+              <a:t>POS and SOP</a:t>
+            </a:r>
+            <a:endParaRPr lang="en-US" sz="2000" dirty="0" smtClean="0"/>
+          </a:p>
+          <a:p>
+            <a:pPr lvl="1">
+              <a:defRPr/>
+            </a:pPr>
+            <a:r>
+              <a:rPr lang="en-IN" sz="2400" dirty="0" smtClean="0"/>
+              <a:t>SOP and SOS</a:t>
+            </a:r>
+            <a:endParaRPr lang="en-US" sz="2000" dirty="0" smtClean="0"/>
+          </a:p>
+          <a:p>
+            <a:pPr>
+              <a:buFont typeface="Wingdings 3" pitchFamily="18" charset="2"/>
+              <a:buNone/>
+              <a:defRPr/>
+            </a:pPr>
+            <a:r>
+              <a:rPr lang="en-IN" sz="2800" dirty="0" smtClean="0"/>
+              <a:t>18. Each individual term in standard SOP form is called ________.</a:t>
+            </a:r>
+            <a:endParaRPr lang="en-US" sz="2400" dirty="0" smtClean="0"/>
+          </a:p>
+          <a:p>
+            <a:pPr lvl="1">
+              <a:defRPr/>
+            </a:pPr>
+            <a:r>
+              <a:rPr lang="en-IN" sz="2400" dirty="0" smtClean="0"/>
+              <a:t>Literal</a:t>
+            </a:r>
+            <a:endParaRPr lang="en-US" sz="2000" dirty="0" smtClean="0"/>
+          </a:p>
+          <a:p>
+            <a:pPr lvl="1">
+              <a:defRPr/>
+            </a:pPr>
+            <a:r>
+              <a:rPr lang="en-IN" sz="2400" dirty="0" err="1" smtClean="0"/>
+              <a:t>Maxterm</a:t>
+            </a:r>
+            <a:endParaRPr lang="en-US" sz="2000" dirty="0" smtClean="0"/>
+          </a:p>
+          <a:p>
+            <a:pPr lvl="1">
+              <a:defRPr/>
+            </a:pPr>
+            <a:r>
+              <a:rPr lang="en-IN" sz="2400" dirty="0" err="1" smtClean="0"/>
+              <a:t>Minterm</a:t>
+            </a:r>
+            <a:endParaRPr lang="en-US" sz="2000" dirty="0" smtClean="0"/>
+          </a:p>
+          <a:p>
+            <a:pPr marL="623887" indent="-514350" eaLnBrk="1" hangingPunct="1">
+              <a:buFont typeface="+mj-lt"/>
+              <a:buAutoNum type="arabicPeriod"/>
+              <a:defRPr/>
+            </a:pPr>
+            <a:endParaRPr lang="en-IN" dirty="0" smtClean="0"/>
+          </a:p>
+          <a:p>
+            <a:pPr eaLnBrk="1" hangingPunct="1">
+              <a:buFont typeface="Wingdings 3" pitchFamily="18" charset="2"/>
+              <a:buNone/>
+              <a:defRPr/>
+            </a:pPr>
+            <a:r>
+              <a:rPr lang="en-US" dirty="0" smtClean="0"/>
+              <a:t> </a:t>
+            </a:r>
+            <a:endParaRPr lang="en-IN" dirty="0" smtClean="0"/>
+          </a:p>
+          <a:p>
+            <a:pPr eaLnBrk="1" hangingPunct="1">
+              <a:buFont typeface="Wingdings 3" pitchFamily="18" charset="2"/>
+              <a:buNone/>
+              <a:defRPr/>
+            </a:pPr>
+            <a:endParaRPr lang="en-IN" dirty="0" smtClean="0"/>
+          </a:p>
+        </p:txBody>
+      </p:sp>
+      <p:sp>
+        <p:nvSpPr>
+          <p:cNvPr id="3" name="Title 2"/>
+          <p:cNvSpPr>
+            <a:spLocks noGrp="1"/>
+          </p:cNvSpPr>
+          <p:nvPr>
+            <p:ph type="title"/>
+          </p:nvPr>
+        </p:nvSpPr>
+        <p:spPr/>
+        <p:txBody>
+          <a:bodyPr/>
+          <a:lstStyle/>
+          <a:p>
+            <a:pPr eaLnBrk="1" hangingPunct="1">
+              <a:defRPr/>
+            </a:pPr>
+            <a:r>
+              <a:rPr lang="en-US" dirty="0" smtClean="0">
+                <a:solidFill>
+                  <a:srgbClr val="FF0000"/>
+                </a:solidFill>
+              </a:rPr>
+              <a:t>Analyze Yourself </a:t>
+            </a:r>
+            <a:endParaRPr lang="en-IN" dirty="0"/>
+          </a:p>
+        </p:txBody>
+      </p:sp>
+    </p:spTree>
+  </p:cSld>
+  <p:clrMapOvr>
+    <a:masterClrMapping/>
+  </p:clrMapOvr>
+</p:sld>
+</file>
+
+<file path=ppt/slides/slide18.xml><?xml version="1.0" encoding="utf-8"?>
+<p:sld xmlns:a="http://schemas.openxmlformats.org/drawingml/2006/main" xmlns:r="http://schemas.openxmlformats.org/officeDocument/2006/relationships" xmlns:p="http://schemas.openxmlformats.org/presentationml/2006/main">
+  <p:cSld>
+    <p:spTree>
+      <p:nvGrpSpPr>
+        <p:cNvPr id="1" name=""/>
+        <p:cNvGrpSpPr/>
+        <p:nvPr/>
+      </p:nvGrpSpPr>
+      <p:grpSpPr>
+        <a:xfrm>
+          <a:off x="0" y="0"/>
+          <a:ext cx="0" cy="0"/>
+          <a:chOff x="0" y="0"/>
+          <a:chExt cx="0" cy="0"/>
+        </a:xfrm>
+      </p:grpSpPr>
+      <p:graphicFrame>
+        <p:nvGraphicFramePr>
+          <p:cNvPr id="4" name="Content Placeholder 3"/>
+          <p:cNvGraphicFramePr>
+            <a:graphicFrameLocks noGrp="1"/>
+          </p:cNvGraphicFramePr>
+          <p:nvPr>
+            <p:ph idx="1"/>
+          </p:nvPr>
+        </p:nvGraphicFramePr>
+        <p:xfrm>
+          <a:off x="4800600" y="4191000"/>
+          <a:ext cx="3886200" cy="2225040"/>
+        </p:xfrm>
+        <a:graphic>
+          <a:graphicData uri="http://schemas.openxmlformats.org/drawingml/2006/table">
+            <a:tbl>
+              <a:tblPr firstRow="1" bandRow="1">
+                <a:tableStyleId>{5C22544A-7EE6-4342-B048-85BDC9FD1C3A}</a:tableStyleId>
+              </a:tblPr>
+              <a:tblGrid>
+                <a:gridCol w="971550"/>
+                <a:gridCol w="971550"/>
+                <a:gridCol w="971550"/>
+                <a:gridCol w="971550"/>
+              </a:tblGrid>
+              <a:tr h="370840">
+                <a:tc gridSpan="2">
+                  <a:txBody>
+                    <a:bodyPr/>
+                    <a:lstStyle/>
+                    <a:p>
+                      <a:pPr algn="ctr"/>
+                      <a:r>
+                        <a:rPr lang="en-US" dirty="0" smtClean="0"/>
+                        <a:t>Input</a:t>
+                      </a:r>
+                      <a:endParaRPr lang="en-US" dirty="0"/>
+                    </a:p>
+                  </a:txBody>
+                  <a:tcPr/>
+                </a:tc>
+                <a:tc hMerge="1">
+                  <a:txBody>
+                    <a:bodyPr/>
+                    <a:lstStyle/>
+                    <a:p>
+                      <a:endParaRPr lang="en-US" dirty="0"/>
+                    </a:p>
+                  </a:txBody>
+                  <a:tcPr/>
+                </a:tc>
+                <a:tc gridSpan="2">
+                  <a:txBody>
+                    <a:bodyPr/>
+                    <a:lstStyle/>
+                    <a:p>
+                      <a:pPr algn="ctr"/>
+                      <a:r>
+                        <a:rPr lang="en-US" dirty="0" smtClean="0"/>
+                        <a:t>Output</a:t>
+                      </a:r>
+                      <a:endParaRPr lang="en-US" dirty="0"/>
+                    </a:p>
+                  </a:txBody>
+                  <a:tcPr/>
+                </a:tc>
+                <a:tc hMerge="1">
+                  <a:txBody>
+                    <a:bodyPr/>
+                    <a:lstStyle/>
+                    <a:p>
+                      <a:endParaRPr lang="en-US" dirty="0"/>
+                    </a:p>
+                  </a:txBody>
+                  <a:tcPr/>
+                </a:tc>
+              </a:tr>
+              <a:tr h="370840">
+                <a:tc>
+                  <a:txBody>
+                    <a:bodyPr/>
+                    <a:lstStyle/>
+                    <a:p>
+                      <a:pPr algn="ctr"/>
+                      <a:r>
+                        <a:rPr lang="en-US" dirty="0" smtClean="0"/>
+                        <a:t>A</a:t>
+                      </a:r>
+                      <a:endParaRPr lang="en-US" dirty="0"/>
+                    </a:p>
+                  </a:txBody>
+                  <a:tcPr/>
+                </a:tc>
+                <a:tc>
+                  <a:txBody>
+                    <a:bodyPr/>
+                    <a:lstStyle/>
+                    <a:p>
+                      <a:pPr algn="ctr"/>
+                      <a:r>
+                        <a:rPr lang="en-US" dirty="0" smtClean="0"/>
+                        <a:t>B</a:t>
+                      </a:r>
+                      <a:endParaRPr lang="en-US" dirty="0"/>
+                    </a:p>
+                  </a:txBody>
+                  <a:tcPr/>
+                </a:tc>
+                <a:tc>
+                  <a:txBody>
+                    <a:bodyPr/>
+                    <a:lstStyle/>
+                    <a:p>
+                      <a:pPr algn="ctr"/>
+                      <a:r>
+                        <a:rPr lang="en-US" dirty="0" smtClean="0"/>
+                        <a:t>Carry</a:t>
+                      </a:r>
+                      <a:endParaRPr lang="en-US" dirty="0"/>
+                    </a:p>
+                  </a:txBody>
+                  <a:tcPr/>
+                </a:tc>
+                <a:tc>
+                  <a:txBody>
+                    <a:bodyPr/>
+                    <a:lstStyle/>
+                    <a:p>
+                      <a:pPr algn="ctr"/>
+                      <a:r>
+                        <a:rPr lang="en-US" dirty="0" smtClean="0"/>
+                        <a:t>Sum</a:t>
+                      </a:r>
+                      <a:endParaRPr lang="en-US" dirty="0"/>
+                    </a:p>
+                  </a:txBody>
+                  <a:tcPr/>
+                </a:tc>
+              </a:tr>
+              <a:tr h="370840">
+                <a:tc>
+                  <a:txBody>
+                    <a:bodyPr/>
+                    <a:lstStyle/>
+                    <a:p>
+                      <a:pPr algn="ctr"/>
+                      <a:r>
+                        <a:rPr lang="en-US" dirty="0" smtClean="0"/>
+                        <a:t>0</a:t>
+                      </a:r>
+                      <a:endParaRPr lang="en-US" dirty="0"/>
+                    </a:p>
+                  </a:txBody>
+                  <a:tcPr/>
+                </a:tc>
+                <a:tc>
+                  <a:txBody>
+                    <a:bodyPr/>
+                    <a:lstStyle/>
+                    <a:p>
+                      <a:pPr algn="ctr"/>
+                      <a:r>
+                        <a:rPr lang="en-US" dirty="0" smtClean="0"/>
+                        <a:t>0</a:t>
+                      </a:r>
+                      <a:endParaRPr lang="en-US" dirty="0"/>
+                    </a:p>
+                  </a:txBody>
+                  <a:tcPr/>
+                </a:tc>
+                <a:tc>
+                  <a:txBody>
+                    <a:bodyPr/>
+                    <a:lstStyle/>
+                    <a:p>
+                      <a:pPr algn="ctr"/>
+                      <a:r>
+                        <a:rPr lang="en-US" dirty="0" smtClean="0"/>
+                        <a:t>0</a:t>
+                      </a:r>
+                      <a:endParaRPr lang="en-US" dirty="0"/>
+                    </a:p>
+                  </a:txBody>
+                  <a:tcPr/>
+                </a:tc>
+                <a:tc>
+                  <a:txBody>
+                    <a:bodyPr/>
+                    <a:lstStyle/>
+                    <a:p>
+                      <a:pPr algn="ctr"/>
+                      <a:r>
+                        <a:rPr lang="en-US" dirty="0" smtClean="0"/>
+                        <a:t>0</a:t>
+                      </a:r>
+                      <a:endParaRPr lang="en-US" dirty="0"/>
+                    </a:p>
+                  </a:txBody>
+                  <a:tcPr/>
+                </a:tc>
+              </a:tr>
+              <a:tr h="370840">
+                <a:tc>
+                  <a:txBody>
+                    <a:bodyPr/>
+                    <a:lstStyle/>
+                    <a:p>
+                      <a:pPr algn="ctr"/>
+                      <a:r>
+                        <a:rPr lang="en-US" dirty="0" smtClean="0"/>
+                        <a:t>0</a:t>
+                      </a:r>
+                      <a:endParaRPr lang="en-US" dirty="0"/>
+                    </a:p>
+                  </a:txBody>
+                  <a:tcPr/>
+                </a:tc>
+                <a:tc>
+                  <a:txBody>
+                    <a:bodyPr/>
+                    <a:lstStyle/>
+                    <a:p>
+                      <a:pPr algn="ctr"/>
+                      <a:r>
+                        <a:rPr lang="en-US" dirty="0" smtClean="0"/>
+                        <a:t>1</a:t>
+                      </a:r>
+                      <a:endParaRPr lang="en-US" dirty="0"/>
+                    </a:p>
+                  </a:txBody>
+                  <a:tcPr/>
+                </a:tc>
+                <a:tc>
+                  <a:txBody>
+                    <a:bodyPr/>
+                    <a:lstStyle/>
+                    <a:p>
+                      <a:pPr algn="ctr"/>
+                      <a:r>
+                        <a:rPr lang="en-US" dirty="0" smtClean="0"/>
+                        <a:t>0</a:t>
+                      </a:r>
+                      <a:endParaRPr lang="en-US" dirty="0"/>
+                    </a:p>
+                  </a:txBody>
+                  <a:tcPr/>
+                </a:tc>
+                <a:tc>
+                  <a:txBody>
+                    <a:bodyPr/>
+                    <a:lstStyle/>
+                    <a:p>
+                      <a:pPr algn="ctr"/>
+                      <a:r>
+                        <a:rPr lang="en-US" dirty="0" smtClean="0"/>
+                        <a:t>1</a:t>
+                      </a:r>
+                      <a:endParaRPr lang="en-US" dirty="0"/>
+                    </a:p>
+                  </a:txBody>
+                  <a:tcPr/>
+                </a:tc>
+              </a:tr>
+              <a:tr h="370840">
+                <a:tc>
+                  <a:txBody>
+                    <a:bodyPr/>
+                    <a:lstStyle/>
+                    <a:p>
+                      <a:pPr algn="ctr"/>
+                      <a:r>
+                        <a:rPr lang="en-US" dirty="0" smtClean="0"/>
+                        <a:t>1</a:t>
+                      </a:r>
+                      <a:endParaRPr lang="en-US" dirty="0"/>
+                    </a:p>
+                  </a:txBody>
+                  <a:tcPr/>
+                </a:tc>
+                <a:tc>
+                  <a:txBody>
+                    <a:bodyPr/>
+                    <a:lstStyle/>
+                    <a:p>
+                      <a:pPr algn="ctr"/>
+                      <a:r>
+                        <a:rPr lang="en-US" dirty="0" smtClean="0"/>
+                        <a:t>0</a:t>
+                      </a:r>
+                      <a:endParaRPr lang="en-US" dirty="0"/>
+                    </a:p>
+                  </a:txBody>
+                  <a:tcPr/>
+                </a:tc>
+                <a:tc>
+                  <a:txBody>
+                    <a:bodyPr/>
+                    <a:lstStyle/>
+                    <a:p>
+                      <a:pPr algn="ctr"/>
+                      <a:r>
+                        <a:rPr lang="en-US" dirty="0" smtClean="0"/>
+                        <a:t>0</a:t>
+                      </a:r>
+                      <a:endParaRPr lang="en-US" dirty="0"/>
+                    </a:p>
+                  </a:txBody>
+                  <a:tcPr/>
+                </a:tc>
+                <a:tc>
+                  <a:txBody>
+                    <a:bodyPr/>
+                    <a:lstStyle/>
+                    <a:p>
+                      <a:pPr algn="ctr"/>
+                      <a:r>
+                        <a:rPr lang="en-US" dirty="0" smtClean="0"/>
+                        <a:t>1</a:t>
+                      </a:r>
+                      <a:endParaRPr lang="en-US" dirty="0"/>
+                    </a:p>
+                  </a:txBody>
+                  <a:tcPr/>
+                </a:tc>
+              </a:tr>
+              <a:tr h="370840">
+                <a:tc>
+                  <a:txBody>
+                    <a:bodyPr/>
+                    <a:lstStyle/>
+                    <a:p>
+                      <a:pPr algn="ctr"/>
+                      <a:r>
+                        <a:rPr lang="en-US" dirty="0" smtClean="0"/>
+                        <a:t>1</a:t>
+                      </a:r>
+                      <a:endParaRPr lang="en-US" dirty="0"/>
+                    </a:p>
+                  </a:txBody>
+                  <a:tcPr/>
+                </a:tc>
+                <a:tc>
+                  <a:txBody>
+                    <a:bodyPr/>
+                    <a:lstStyle/>
+                    <a:p>
+                      <a:pPr algn="ctr"/>
+                      <a:r>
+                        <a:rPr lang="en-US" dirty="0" smtClean="0"/>
+                        <a:t>1</a:t>
+                      </a:r>
+                      <a:endParaRPr lang="en-US" dirty="0"/>
+                    </a:p>
+                  </a:txBody>
+                  <a:tcPr/>
+                </a:tc>
+                <a:tc>
+                  <a:txBody>
+                    <a:bodyPr/>
+                    <a:lstStyle/>
+                    <a:p>
+                      <a:pPr algn="ctr"/>
+                      <a:r>
+                        <a:rPr lang="en-US" dirty="0" smtClean="0"/>
+                        <a:t>1</a:t>
+                      </a:r>
+                      <a:endParaRPr lang="en-US" dirty="0"/>
+                    </a:p>
+                  </a:txBody>
+                  <a:tcPr/>
+                </a:tc>
+                <a:tc>
+                  <a:txBody>
+                    <a:bodyPr/>
+                    <a:lstStyle/>
+                    <a:p>
+                      <a:pPr algn="ctr"/>
+                      <a:r>
+                        <a:rPr lang="en-US" dirty="0" smtClean="0"/>
+                        <a:t>0</a:t>
+                      </a:r>
+                      <a:endParaRPr lang="en-US" dirty="0"/>
+                    </a:p>
+                  </a:txBody>
+                  <a:tcPr/>
+                </a:tc>
+              </a:tr>
+            </a:tbl>
+          </a:graphicData>
+        </a:graphic>
+      </p:graphicFrame>
+      <p:sp>
+        <p:nvSpPr>
+          <p:cNvPr id="3" name="Title 2"/>
+          <p:cNvSpPr>
+            <a:spLocks noGrp="1"/>
+          </p:cNvSpPr>
+          <p:nvPr>
+            <p:ph type="title"/>
+          </p:nvPr>
+        </p:nvSpPr>
+        <p:spPr/>
+        <p:txBody>
+          <a:bodyPr/>
+          <a:lstStyle/>
+          <a:p>
+            <a:pPr eaLnBrk="1" fontAlgn="auto" hangingPunct="1">
+              <a:spcAft>
+                <a:spcPts val="0"/>
+              </a:spcAft>
+              <a:defRPr/>
+            </a:pPr>
+            <a:r>
+              <a:rPr lang="en-US" dirty="0" smtClean="0">
+                <a:solidFill>
+                  <a:srgbClr val="FF0000"/>
+                </a:solidFill>
+              </a:rPr>
+              <a:t>Half Adder</a:t>
+            </a:r>
+            <a:endParaRPr lang="en-US" dirty="0">
+              <a:solidFill>
+                <a:srgbClr val="FF0000"/>
+              </a:solidFill>
+            </a:endParaRPr>
+          </a:p>
+        </p:txBody>
+      </p:sp>
+      <p:sp>
+        <p:nvSpPr>
+          <p:cNvPr id="27686" name="TextBox 4"/>
+          <p:cNvSpPr txBox="1">
+            <a:spLocks noChangeArrowheads="1"/>
+          </p:cNvSpPr>
+          <p:nvPr/>
+        </p:nvSpPr>
+        <p:spPr bwMode="auto">
+          <a:xfrm>
+            <a:off x="381000" y="1447800"/>
+            <a:ext cx="8229600" cy="830263"/>
+          </a:xfrm>
+          <a:prstGeom prst="rect">
+            <a:avLst/>
+          </a:prstGeom>
+          <a:noFill/>
+          <a:ln w="9525">
+            <a:noFill/>
+            <a:miter lim="800000"/>
+            <a:headEnd/>
+            <a:tailEnd/>
+          </a:ln>
+        </p:spPr>
+        <p:txBody>
+          <a:bodyPr>
+            <a:spAutoFit/>
+          </a:bodyPr>
+          <a:lstStyle/>
+          <a:p>
+            <a:r>
+              <a:rPr lang="en-US" sz="2400">
+                <a:latin typeface="Times New Roman" pitchFamily="18" charset="0"/>
+                <a:cs typeface="Times New Roman" pitchFamily="18" charset="0"/>
+              </a:rPr>
+              <a:t>Half adder equation needs two binary inputs and it produces two output sum and carry.</a:t>
+            </a:r>
+          </a:p>
+        </p:txBody>
+      </p:sp>
+      <p:grpSp>
+        <p:nvGrpSpPr>
+          <p:cNvPr id="2" name="Group 17"/>
+          <p:cNvGrpSpPr>
+            <a:grpSpLocks/>
+          </p:cNvGrpSpPr>
+          <p:nvPr/>
+        </p:nvGrpSpPr>
+        <p:grpSpPr bwMode="auto">
+          <a:xfrm>
+            <a:off x="0" y="2514600"/>
+            <a:ext cx="6096000" cy="1817688"/>
+            <a:chOff x="0" y="2514600"/>
+            <a:chExt cx="6096000" cy="1817132"/>
+          </a:xfrm>
+        </p:grpSpPr>
+        <p:sp>
+          <p:nvSpPr>
+            <p:cNvPr id="6" name="Rectangle 5"/>
+            <p:cNvSpPr/>
+            <p:nvPr/>
+          </p:nvSpPr>
+          <p:spPr>
+            <a:xfrm>
+              <a:off x="1143000" y="2514600"/>
+              <a:ext cx="1905000" cy="1675887"/>
+            </a:xfrm>
+            <a:prstGeom prst="rect">
+              <a:avLst/>
+            </a:prstGeom>
+          </p:spPr>
+          <p:style>
+            <a:lnRef idx="2">
+              <a:schemeClr val="accent1">
+                <a:shade val="50000"/>
+              </a:schemeClr>
+            </a:lnRef>
+            <a:fillRef idx="1">
+              <a:schemeClr val="accent1"/>
+            </a:fillRef>
+            <a:effectRef idx="0">
+              <a:schemeClr val="accent1"/>
+            </a:effectRef>
+            <a:fontRef idx="minor">
+              <a:schemeClr val="lt1"/>
+            </a:fontRef>
+          </p:style>
+          <p:txBody>
+            <a:bodyPr anchor="ctr"/>
+            <a:lstStyle/>
+            <a:p>
+              <a:pPr algn="ctr" fontAlgn="auto">
+                <a:spcBef>
+                  <a:spcPts val="0"/>
+                </a:spcBef>
+                <a:spcAft>
+                  <a:spcPts val="0"/>
+                </a:spcAft>
+                <a:defRPr/>
+              </a:pPr>
+              <a:r>
+                <a:rPr lang="en-US" dirty="0"/>
+                <a:t>Half Adder</a:t>
+              </a:r>
+            </a:p>
+          </p:txBody>
+        </p:sp>
+        <p:cxnSp>
+          <p:nvCxnSpPr>
+            <p:cNvPr id="8" name="Straight Connector 7"/>
+            <p:cNvCxnSpPr/>
+            <p:nvPr/>
+          </p:nvCxnSpPr>
+          <p:spPr>
+            <a:xfrm>
+              <a:off x="381000" y="2895483"/>
+              <a:ext cx="762000" cy="1588"/>
+            </a:xfrm>
+            <a:prstGeom prst="line">
+              <a:avLst/>
+            </a:prstGeom>
+          </p:spPr>
+          <p:style>
+            <a:lnRef idx="1">
+              <a:schemeClr val="accent1"/>
+            </a:lnRef>
+            <a:fillRef idx="0">
+              <a:schemeClr val="accent1"/>
+            </a:fillRef>
+            <a:effectRef idx="0">
+              <a:schemeClr val="accent1"/>
+            </a:effectRef>
+            <a:fontRef idx="minor">
+              <a:schemeClr val="tx1"/>
+            </a:fontRef>
+          </p:style>
+        </p:cxnSp>
+        <p:cxnSp>
+          <p:nvCxnSpPr>
+            <p:cNvPr id="9" name="Straight Connector 8"/>
+            <p:cNvCxnSpPr/>
+            <p:nvPr/>
+          </p:nvCxnSpPr>
+          <p:spPr>
+            <a:xfrm>
+              <a:off x="381000" y="3733427"/>
+              <a:ext cx="762000" cy="1588"/>
+            </a:xfrm>
+            <a:prstGeom prst="line">
+              <a:avLst/>
+            </a:prstGeom>
+          </p:spPr>
+          <p:style>
+            <a:lnRef idx="1">
+              <a:schemeClr val="accent1"/>
+            </a:lnRef>
+            <a:fillRef idx="0">
+              <a:schemeClr val="accent1"/>
+            </a:fillRef>
+            <a:effectRef idx="0">
+              <a:schemeClr val="accent1"/>
+            </a:effectRef>
+            <a:fontRef idx="minor">
+              <a:schemeClr val="tx1"/>
+            </a:fontRef>
+          </p:style>
+        </p:cxnSp>
+        <p:cxnSp>
+          <p:nvCxnSpPr>
+            <p:cNvPr id="10" name="Straight Connector 9"/>
+            <p:cNvCxnSpPr/>
+            <p:nvPr/>
+          </p:nvCxnSpPr>
+          <p:spPr>
+            <a:xfrm>
+              <a:off x="3048000" y="3733427"/>
+              <a:ext cx="762000" cy="1588"/>
+            </a:xfrm>
+            <a:prstGeom prst="line">
+              <a:avLst/>
+            </a:prstGeom>
+          </p:spPr>
+          <p:style>
+            <a:lnRef idx="1">
+              <a:schemeClr val="accent1"/>
+            </a:lnRef>
+            <a:fillRef idx="0">
+              <a:schemeClr val="accent1"/>
+            </a:fillRef>
+            <a:effectRef idx="0">
+              <a:schemeClr val="accent1"/>
+            </a:effectRef>
+            <a:fontRef idx="minor">
+              <a:schemeClr val="tx1"/>
+            </a:fontRef>
+          </p:style>
+        </p:cxnSp>
+        <p:cxnSp>
+          <p:nvCxnSpPr>
+            <p:cNvPr id="11" name="Straight Connector 10"/>
+            <p:cNvCxnSpPr/>
+            <p:nvPr/>
+          </p:nvCxnSpPr>
+          <p:spPr>
+            <a:xfrm>
+              <a:off x="3048000" y="2971660"/>
+              <a:ext cx="762000" cy="1588"/>
+            </a:xfrm>
+            <a:prstGeom prst="line">
+              <a:avLst/>
+            </a:prstGeom>
+          </p:spPr>
+          <p:style>
+            <a:lnRef idx="1">
+              <a:schemeClr val="accent1"/>
+            </a:lnRef>
+            <a:fillRef idx="0">
+              <a:schemeClr val="accent1"/>
+            </a:fillRef>
+            <a:effectRef idx="0">
+              <a:schemeClr val="accent1"/>
+            </a:effectRef>
+            <a:fontRef idx="minor">
+              <a:schemeClr val="tx1"/>
+            </a:fontRef>
+          </p:style>
+        </p:cxnSp>
+        <p:sp>
+          <p:nvSpPr>
+            <p:cNvPr id="27694" name="TextBox 11"/>
+            <p:cNvSpPr txBox="1">
+              <a:spLocks noChangeArrowheads="1"/>
+            </p:cNvSpPr>
+            <p:nvPr/>
+          </p:nvSpPr>
+          <p:spPr bwMode="auto">
+            <a:xfrm>
+              <a:off x="3886200" y="2590800"/>
+              <a:ext cx="1905000" cy="369332"/>
+            </a:xfrm>
+            <a:prstGeom prst="rect">
+              <a:avLst/>
+            </a:prstGeom>
+            <a:noFill/>
+            <a:ln w="9525">
+              <a:noFill/>
+              <a:miter lim="800000"/>
+              <a:headEnd/>
+              <a:tailEnd/>
+            </a:ln>
+          </p:spPr>
+          <p:txBody>
+            <a:bodyPr>
+              <a:spAutoFit/>
+            </a:bodyPr>
+            <a:lstStyle/>
+            <a:p>
+              <a:r>
+                <a:rPr lang="en-US">
+                  <a:latin typeface="Lucida Sans Unicode" pitchFamily="34" charset="0"/>
+                </a:rPr>
+                <a:t>Carry = AB</a:t>
+              </a:r>
+            </a:p>
+          </p:txBody>
+        </p:sp>
+        <p:sp>
+          <p:nvSpPr>
+            <p:cNvPr id="27695" name="TextBox 12"/>
+            <p:cNvSpPr txBox="1">
+              <a:spLocks noChangeArrowheads="1"/>
+            </p:cNvSpPr>
+            <p:nvPr/>
+          </p:nvSpPr>
+          <p:spPr bwMode="auto">
+            <a:xfrm>
+              <a:off x="3886200" y="3581400"/>
+              <a:ext cx="2209800" cy="369332"/>
+            </a:xfrm>
+            <a:prstGeom prst="rect">
+              <a:avLst/>
+            </a:prstGeom>
+            <a:noFill/>
+            <a:ln w="9525">
+              <a:noFill/>
+              <a:miter lim="800000"/>
+              <a:headEnd/>
+              <a:tailEnd/>
+            </a:ln>
+          </p:spPr>
+          <p:txBody>
+            <a:bodyPr>
+              <a:spAutoFit/>
+            </a:bodyPr>
+            <a:lstStyle/>
+            <a:p>
+              <a:r>
+                <a:rPr lang="en-US">
+                  <a:latin typeface="Lucida Sans Unicode" pitchFamily="34" charset="0"/>
+                </a:rPr>
+                <a:t>Sum = A ex-or B</a:t>
+              </a:r>
+            </a:p>
+          </p:txBody>
+        </p:sp>
+        <p:sp>
+          <p:nvSpPr>
+            <p:cNvPr id="27696" name="TextBox 13"/>
+            <p:cNvSpPr txBox="1">
+              <a:spLocks noChangeArrowheads="1"/>
+            </p:cNvSpPr>
+            <p:nvPr/>
+          </p:nvSpPr>
+          <p:spPr bwMode="auto">
+            <a:xfrm>
+              <a:off x="4038600" y="3124200"/>
+              <a:ext cx="990600" cy="369332"/>
+            </a:xfrm>
+            <a:prstGeom prst="rect">
+              <a:avLst/>
+            </a:prstGeom>
+            <a:noFill/>
+            <a:ln w="9525">
+              <a:noFill/>
+              <a:miter lim="800000"/>
+              <a:headEnd/>
+              <a:tailEnd/>
+            </a:ln>
+          </p:spPr>
+          <p:txBody>
+            <a:bodyPr>
+              <a:spAutoFit/>
+            </a:bodyPr>
+            <a:lstStyle/>
+            <a:p>
+              <a:r>
+                <a:rPr lang="en-US">
+                  <a:latin typeface="Lucida Sans Unicode" pitchFamily="34" charset="0"/>
+                </a:rPr>
+                <a:t>Output </a:t>
+              </a:r>
+            </a:p>
+          </p:txBody>
+        </p:sp>
+        <p:sp>
+          <p:nvSpPr>
+            <p:cNvPr id="27697" name="TextBox 14"/>
+            <p:cNvSpPr txBox="1">
+              <a:spLocks noChangeArrowheads="1"/>
+            </p:cNvSpPr>
+            <p:nvPr/>
+          </p:nvSpPr>
+          <p:spPr bwMode="auto">
+            <a:xfrm>
+              <a:off x="304800" y="3962400"/>
+              <a:ext cx="381000" cy="369332"/>
+            </a:xfrm>
+            <a:prstGeom prst="rect">
+              <a:avLst/>
+            </a:prstGeom>
+            <a:noFill/>
+            <a:ln w="9525">
+              <a:noFill/>
+              <a:miter lim="800000"/>
+              <a:headEnd/>
+              <a:tailEnd/>
+            </a:ln>
+          </p:spPr>
+          <p:txBody>
+            <a:bodyPr>
+              <a:spAutoFit/>
+            </a:bodyPr>
+            <a:lstStyle/>
+            <a:p>
+              <a:r>
+                <a:rPr lang="en-US">
+                  <a:latin typeface="Lucida Sans Unicode" pitchFamily="34" charset="0"/>
+                </a:rPr>
+                <a:t>B</a:t>
+              </a:r>
+            </a:p>
+          </p:txBody>
+        </p:sp>
+        <p:sp>
+          <p:nvSpPr>
+            <p:cNvPr id="27698" name="TextBox 15"/>
+            <p:cNvSpPr txBox="1">
+              <a:spLocks noChangeArrowheads="1"/>
+            </p:cNvSpPr>
+            <p:nvPr/>
+          </p:nvSpPr>
+          <p:spPr bwMode="auto">
+            <a:xfrm>
+              <a:off x="609600" y="2590800"/>
+              <a:ext cx="381000" cy="369332"/>
+            </a:xfrm>
+            <a:prstGeom prst="rect">
+              <a:avLst/>
+            </a:prstGeom>
+            <a:noFill/>
+            <a:ln w="9525">
+              <a:noFill/>
+              <a:miter lim="800000"/>
+              <a:headEnd/>
+              <a:tailEnd/>
+            </a:ln>
+          </p:spPr>
+          <p:txBody>
+            <a:bodyPr>
+              <a:spAutoFit/>
+            </a:bodyPr>
+            <a:lstStyle/>
+            <a:p>
+              <a:r>
+                <a:rPr lang="en-US">
+                  <a:latin typeface="Lucida Sans Unicode" pitchFamily="34" charset="0"/>
+                </a:rPr>
+                <a:t>A</a:t>
+              </a:r>
+            </a:p>
+          </p:txBody>
+        </p:sp>
+        <p:sp>
+          <p:nvSpPr>
+            <p:cNvPr id="27699" name="TextBox 16"/>
+            <p:cNvSpPr txBox="1">
+              <a:spLocks noChangeArrowheads="1"/>
+            </p:cNvSpPr>
+            <p:nvPr/>
+          </p:nvSpPr>
+          <p:spPr bwMode="auto">
+            <a:xfrm>
+              <a:off x="0" y="3124200"/>
+              <a:ext cx="914400" cy="369332"/>
+            </a:xfrm>
+            <a:prstGeom prst="rect">
+              <a:avLst/>
+            </a:prstGeom>
+            <a:noFill/>
+            <a:ln w="9525">
+              <a:noFill/>
+              <a:miter lim="800000"/>
+              <a:headEnd/>
+              <a:tailEnd/>
+            </a:ln>
+          </p:spPr>
+          <p:txBody>
+            <a:bodyPr>
+              <a:spAutoFit/>
+            </a:bodyPr>
+            <a:lstStyle/>
+            <a:p>
+              <a:r>
+                <a:rPr lang="en-US">
+                  <a:latin typeface="Lucida Sans Unicode" pitchFamily="34" charset="0"/>
+                </a:rPr>
+                <a:t>Inputs</a:t>
+              </a:r>
+            </a:p>
+          </p:txBody>
+        </p:sp>
+      </p:grpSp>
+      <p:sp>
+        <p:nvSpPr>
+          <p:cNvPr id="27688" name="TextBox 18"/>
+          <p:cNvSpPr txBox="1">
+            <a:spLocks noChangeArrowheads="1"/>
+          </p:cNvSpPr>
+          <p:nvPr/>
+        </p:nvSpPr>
+        <p:spPr bwMode="auto">
+          <a:xfrm>
+            <a:off x="228600" y="2895600"/>
+            <a:ext cx="381000" cy="369888"/>
+          </a:xfrm>
+          <a:prstGeom prst="rect">
+            <a:avLst/>
+          </a:prstGeom>
+          <a:noFill/>
+          <a:ln w="9525">
+            <a:noFill/>
+            <a:miter lim="800000"/>
+            <a:headEnd/>
+            <a:tailEnd/>
+          </a:ln>
+        </p:spPr>
+        <p:txBody>
+          <a:bodyPr>
+            <a:spAutoFit/>
+          </a:bodyPr>
+          <a:lstStyle/>
+          <a:p>
+            <a:r>
+              <a:rPr lang="en-US">
+                <a:latin typeface="Lucida Sans Unicode" pitchFamily="34" charset="0"/>
+              </a:rPr>
+              <a:t>B</a:t>
+            </a:r>
+          </a:p>
+        </p:txBody>
+      </p:sp>
+    </p:spTree>
+  </p:cSld>
+  <p:clrMapOvr>
+    <a:masterClrMapping/>
+  </p:clrMapOvr>
+</p:sld>
+</file>
+
+<file path=ppt/slides/slide19.xml><?xml version="1.0" encoding="utf-8"?>
+<p:sld xmlns:a="http://schemas.openxmlformats.org/drawingml/2006/main" xmlns:r="http://schemas.openxmlformats.org/officeDocument/2006/relationships" xmlns:p="http://schemas.openxmlformats.org/presentationml/2006/main">
+  <p:cSld>
+    <p:spTree>
+      <p:nvGrpSpPr>
+        <p:cNvPr id="1" name=""/>
+        <p:cNvGrpSpPr/>
+        <p:nvPr/>
+      </p:nvGrpSpPr>
+      <p:grpSpPr>
+        <a:xfrm>
+          <a:off x="0" y="0"/>
+          <a:ext cx="0" cy="0"/>
+          <a:chOff x="0" y="0"/>
+          <a:chExt cx="0" cy="0"/>
+        </a:xfrm>
+      </p:grpSpPr>
+      <p:pic>
+        <p:nvPicPr>
+          <p:cNvPr id="28674" name="Picture 2" descr="Half Adder Circuit"/>
+          <p:cNvPicPr>
+            <a:picLocks noChangeAspect="1" noChangeArrowheads="1"/>
+          </p:cNvPicPr>
+          <p:nvPr/>
+        </p:nvPicPr>
+        <p:blipFill>
+          <a:blip r:embed="rId2"/>
+          <a:srcRect/>
+          <a:stretch>
+            <a:fillRect/>
+          </a:stretch>
+        </p:blipFill>
+        <p:spPr bwMode="auto">
+          <a:xfrm>
+            <a:off x="1066800" y="990600"/>
+            <a:ext cx="6172200" cy="4114800"/>
+          </a:xfrm>
+          <a:prstGeom prst="rect">
+            <a:avLst/>
+          </a:prstGeom>
+          <a:noFill/>
+          <a:ln w="9525">
+            <a:noFill/>
+            <a:miter lim="800000"/>
+            <a:headEnd/>
+            <a:tailEnd/>
+          </a:ln>
+        </p:spPr>
+      </p:pic>
+      <p:sp>
+        <p:nvSpPr>
+          <p:cNvPr id="28675" name="TextBox 2"/>
+          <p:cNvSpPr txBox="1">
+            <a:spLocks noChangeArrowheads="1"/>
+          </p:cNvSpPr>
+          <p:nvPr/>
+        </p:nvSpPr>
+        <p:spPr bwMode="auto">
+          <a:xfrm>
+            <a:off x="1371600" y="4876800"/>
+            <a:ext cx="5943600" cy="461963"/>
+          </a:xfrm>
+          <a:prstGeom prst="rect">
+            <a:avLst/>
+          </a:prstGeom>
+          <a:noFill/>
+          <a:ln w="9525">
+            <a:noFill/>
+            <a:miter lim="800000"/>
+            <a:headEnd/>
+            <a:tailEnd/>
+          </a:ln>
+        </p:spPr>
+        <p:txBody>
+          <a:bodyPr>
+            <a:spAutoFit/>
+          </a:bodyPr>
+          <a:lstStyle/>
+          <a:p>
+            <a:pPr algn="ctr"/>
+            <a:r>
+              <a:rPr lang="en-US" sz="2400" b="1">
+                <a:latin typeface="Times New Roman" pitchFamily="18" charset="0"/>
+                <a:cs typeface="Times New Roman" pitchFamily="18" charset="0"/>
+              </a:rPr>
+              <a:t>Half Adder using Logic Gates</a:t>
+            </a:r>
+          </a:p>
+        </p:txBody>
+      </p:sp>
+    </p:spTree>
+  </p:cSld>
+  <p:clrMapOvr>
+    <a:masterClrMapping/>
+  </p:clrMapOvr>
+</p:sld>
+</file>
+
+<file path=ppt/slides/slide2.xml><?xml version="1.0" encoding="utf-8"?>
+<p:sld xmlns:a="http://schemas.openxmlformats.org/drawingml/2006/main" xmlns:r="http://schemas.openxmlformats.org/officeDocument/2006/relationships" xmlns:p="http://schemas.openxmlformats.org/presentationml/2006/main">
+  <p:cSld>
+    <p:spTree>
+      <p:nvGrpSpPr>
+        <p:cNvPr id="1" name=""/>
+        <p:cNvGrpSpPr/>
+        <p:nvPr/>
+      </p:nvGrpSpPr>
+      <p:grpSpPr>
+        <a:xfrm>
+          <a:off x="0" y="0"/>
+          <a:ext cx="0" cy="0"/>
+          <a:chOff x="0" y="0"/>
+          <a:chExt cx="0" cy="0"/>
+        </a:xfrm>
+      </p:grpSpPr>
+      <p:sp>
+        <p:nvSpPr>
+          <p:cNvPr id="11266" name="Content Placeholder 1"/>
+          <p:cNvSpPr>
+            <a:spLocks noGrp="1"/>
+          </p:cNvSpPr>
+          <p:nvPr>
+            <p:ph idx="1"/>
+          </p:nvPr>
+        </p:nvSpPr>
+        <p:spPr>
+          <a:xfrm>
+            <a:off x="0" y="1600200"/>
+            <a:ext cx="8915400" cy="5029200"/>
+          </a:xfrm>
+        </p:spPr>
+        <p:txBody>
+          <a:bodyPr/>
+          <a:lstStyle/>
+          <a:p>
+            <a:pPr eaLnBrk="1" hangingPunct="1"/>
+            <a:r>
+              <a:rPr lang="en-US" dirty="0" smtClean="0">
+                <a:latin typeface="Times New Roman" pitchFamily="18" charset="0"/>
+                <a:cs typeface="Times New Roman" pitchFamily="18" charset="0"/>
+              </a:rPr>
+              <a:t>Basic Digital circuits(AND, OR, NOT, NAND, NOR, EX-OR), Boolean Algebra, Examples of IC gates, Standard representation of IC gates</a:t>
+            </a:r>
+          </a:p>
+          <a:p>
+            <a:pPr eaLnBrk="1" hangingPunct="1"/>
+            <a:r>
+              <a:rPr lang="en-US" dirty="0" smtClean="0">
+                <a:latin typeface="Times New Roman" pitchFamily="18" charset="0"/>
+                <a:cs typeface="Times New Roman" pitchFamily="18" charset="0"/>
+              </a:rPr>
+              <a:t>Half Adder, Full adder</a:t>
+            </a:r>
+          </a:p>
+        </p:txBody>
+      </p:sp>
+      <p:sp>
+        <p:nvSpPr>
+          <p:cNvPr id="3" name="Title 2"/>
+          <p:cNvSpPr>
+            <a:spLocks noGrp="1"/>
+          </p:cNvSpPr>
+          <p:nvPr>
+            <p:ph type="title"/>
+          </p:nvPr>
+        </p:nvSpPr>
+        <p:spPr/>
+        <p:txBody>
+          <a:bodyPr/>
+          <a:lstStyle/>
+          <a:p>
+            <a:pPr algn="ctr" eaLnBrk="1" fontAlgn="auto" hangingPunct="1">
+              <a:spcAft>
+                <a:spcPts val="0"/>
+              </a:spcAft>
+              <a:defRPr/>
+            </a:pPr>
+            <a:r>
+              <a:rPr lang="en-US" dirty="0" smtClean="0">
+                <a:solidFill>
+                  <a:srgbClr val="FF0000"/>
+                </a:solidFill>
+                <a:latin typeface="Times New Roman" pitchFamily="18" charset="0"/>
+                <a:cs typeface="Times New Roman" pitchFamily="18" charset="0"/>
+              </a:rPr>
+              <a:t>Digital Electronics</a:t>
+            </a:r>
+            <a:endParaRPr lang="en-US" dirty="0">
+              <a:solidFill>
+                <a:srgbClr val="FF0000"/>
+              </a:solidFill>
+              <a:latin typeface="Times New Roman" pitchFamily="18" charset="0"/>
+              <a:cs typeface="Times New Roman" pitchFamily="18" charset="0"/>
+            </a:endParaRPr>
+          </a:p>
+        </p:txBody>
+      </p:sp>
+    </p:spTree>
+  </p:cSld>
+  <p:clrMapOvr>
+    <a:masterClrMapping/>
+  </p:clrMapOvr>
+  <p:timing>
+    <p:tnLst>
+      <p:par>
+        <p:cTn id="1" dur="indefinite" restart="never" nodeType="tmRoot"/>
+      </p:par>
+    </p:tnLst>
+  </p:timing>
+</p:sld>
+</file>
+
+<file path=ppt/slides/slide20.xml><?xml version="1.0" encoding="utf-8"?>
+<p:sld xmlns:a="http://schemas.openxmlformats.org/drawingml/2006/main" xmlns:r="http://schemas.openxmlformats.org/officeDocument/2006/relationships" xmlns:p="http://schemas.openxmlformats.org/presentationml/2006/main">
+  <p:cSld>
+    <p:spTree>
+      <p:nvGrpSpPr>
+        <p:cNvPr id="1" name=""/>
+        <p:cNvGrpSpPr/>
+        <p:nvPr/>
+      </p:nvGrpSpPr>
+      <p:grpSpPr>
+        <a:xfrm>
+          <a:off x="0" y="0"/>
+          <a:ext cx="0" cy="0"/>
+          <a:chOff x="0" y="0"/>
+          <a:chExt cx="0" cy="0"/>
+        </a:xfrm>
+      </p:grpSpPr>
+      <p:sp>
+        <p:nvSpPr>
+          <p:cNvPr id="3" name="Title 2"/>
+          <p:cNvSpPr>
+            <a:spLocks noGrp="1"/>
+          </p:cNvSpPr>
+          <p:nvPr>
+            <p:ph type="title"/>
+          </p:nvPr>
+        </p:nvSpPr>
+        <p:spPr/>
+        <p:txBody>
+          <a:bodyPr/>
+          <a:lstStyle/>
+          <a:p>
+            <a:pPr eaLnBrk="1" fontAlgn="auto" hangingPunct="1">
+              <a:spcAft>
+                <a:spcPts val="0"/>
+              </a:spcAft>
+              <a:defRPr/>
+            </a:pPr>
+            <a:r>
+              <a:rPr lang="en-US" dirty="0" smtClean="0">
+                <a:solidFill>
+                  <a:srgbClr val="FF0000"/>
+                </a:solidFill>
+              </a:rPr>
+              <a:t>Full Adder</a:t>
+            </a:r>
+            <a:endParaRPr lang="en-US" dirty="0">
+              <a:solidFill>
+                <a:srgbClr val="FF0000"/>
+              </a:solidFill>
+            </a:endParaRPr>
+          </a:p>
+        </p:txBody>
+      </p:sp>
+      <p:grpSp>
+        <p:nvGrpSpPr>
+          <p:cNvPr id="2" name="Group 30"/>
+          <p:cNvGrpSpPr>
+            <a:grpSpLocks/>
+          </p:cNvGrpSpPr>
+          <p:nvPr/>
+        </p:nvGrpSpPr>
+        <p:grpSpPr bwMode="auto">
+          <a:xfrm>
+            <a:off x="152400" y="1219200"/>
+            <a:ext cx="7391400" cy="1981200"/>
+            <a:chOff x="0" y="2209800"/>
+            <a:chExt cx="7391400" cy="1981200"/>
+          </a:xfrm>
+        </p:grpSpPr>
+        <p:grpSp>
+          <p:nvGrpSpPr>
+            <p:cNvPr id="4" name="Group 15"/>
+            <p:cNvGrpSpPr>
+              <a:grpSpLocks/>
+            </p:cNvGrpSpPr>
+            <p:nvPr/>
+          </p:nvGrpSpPr>
+          <p:grpSpPr bwMode="auto">
+            <a:xfrm>
+              <a:off x="0" y="2209800"/>
+              <a:ext cx="7391400" cy="1981200"/>
+              <a:chOff x="0" y="2209800"/>
+              <a:chExt cx="7391400" cy="1981200"/>
+            </a:xfrm>
+          </p:grpSpPr>
+          <p:sp>
+            <p:nvSpPr>
+              <p:cNvPr id="17" name="Rectangle 16"/>
+              <p:cNvSpPr/>
+              <p:nvPr/>
+            </p:nvSpPr>
+            <p:spPr>
+              <a:xfrm>
+                <a:off x="1143000" y="2514600"/>
+                <a:ext cx="1905000" cy="1676400"/>
+              </a:xfrm>
+              <a:prstGeom prst="rect">
+                <a:avLst/>
+              </a:prstGeom>
+            </p:spPr>
+            <p:style>
+              <a:lnRef idx="2">
+                <a:schemeClr val="accent1">
+                  <a:shade val="50000"/>
+                </a:schemeClr>
+              </a:lnRef>
+              <a:fillRef idx="1">
+                <a:schemeClr val="accent1"/>
+              </a:fillRef>
+              <a:effectRef idx="0">
+                <a:schemeClr val="accent1"/>
+              </a:effectRef>
+              <a:fontRef idx="minor">
+                <a:schemeClr val="lt1"/>
+              </a:fontRef>
+            </p:style>
+            <p:txBody>
+              <a:bodyPr anchor="ctr"/>
+              <a:lstStyle/>
+              <a:p>
+                <a:pPr algn="ctr" fontAlgn="auto">
+                  <a:spcBef>
+                    <a:spcPts val="0"/>
+                  </a:spcBef>
+                  <a:spcAft>
+                    <a:spcPts val="0"/>
+                  </a:spcAft>
+                  <a:defRPr/>
+                </a:pPr>
+                <a:r>
+                  <a:rPr lang="en-US" dirty="0"/>
+                  <a:t>Half Adder</a:t>
+                </a:r>
+              </a:p>
+            </p:txBody>
+          </p:sp>
+          <p:cxnSp>
+            <p:nvCxnSpPr>
+              <p:cNvPr id="18" name="Straight Connector 17"/>
+              <p:cNvCxnSpPr/>
+              <p:nvPr/>
+            </p:nvCxnSpPr>
+            <p:spPr>
+              <a:xfrm>
+                <a:off x="381000" y="2895600"/>
+                <a:ext cx="762000" cy="1588"/>
+              </a:xfrm>
+              <a:prstGeom prst="line">
+                <a:avLst/>
+              </a:prstGeom>
+            </p:spPr>
+            <p:style>
+              <a:lnRef idx="1">
+                <a:schemeClr val="accent1"/>
+              </a:lnRef>
+              <a:fillRef idx="0">
+                <a:schemeClr val="accent1"/>
+              </a:fillRef>
+              <a:effectRef idx="0">
+                <a:schemeClr val="accent1"/>
+              </a:effectRef>
+              <a:fontRef idx="minor">
+                <a:schemeClr val="tx1"/>
+              </a:fontRef>
+            </p:style>
+          </p:cxnSp>
+          <p:cxnSp>
+            <p:nvCxnSpPr>
+              <p:cNvPr id="19" name="Straight Connector 18"/>
+              <p:cNvCxnSpPr/>
+              <p:nvPr/>
+            </p:nvCxnSpPr>
+            <p:spPr>
+              <a:xfrm>
+                <a:off x="381000" y="3733800"/>
+                <a:ext cx="762000" cy="1588"/>
+              </a:xfrm>
+              <a:prstGeom prst="line">
+                <a:avLst/>
+              </a:prstGeom>
+            </p:spPr>
+            <p:style>
+              <a:lnRef idx="1">
+                <a:schemeClr val="accent1"/>
+              </a:lnRef>
+              <a:fillRef idx="0">
+                <a:schemeClr val="accent1"/>
+              </a:fillRef>
+              <a:effectRef idx="0">
+                <a:schemeClr val="accent1"/>
+              </a:effectRef>
+              <a:fontRef idx="minor">
+                <a:schemeClr val="tx1"/>
+              </a:fontRef>
+            </p:style>
+          </p:cxnSp>
+          <p:cxnSp>
+            <p:nvCxnSpPr>
+              <p:cNvPr id="20" name="Straight Connector 19"/>
+              <p:cNvCxnSpPr/>
+              <p:nvPr/>
+            </p:nvCxnSpPr>
+            <p:spPr>
+              <a:xfrm>
+                <a:off x="3048000" y="3733800"/>
+                <a:ext cx="762000" cy="1588"/>
+              </a:xfrm>
+              <a:prstGeom prst="line">
+                <a:avLst/>
+              </a:prstGeom>
+            </p:spPr>
+            <p:style>
+              <a:lnRef idx="1">
+                <a:schemeClr val="accent1"/>
+              </a:lnRef>
+              <a:fillRef idx="0">
+                <a:schemeClr val="accent1"/>
+              </a:fillRef>
+              <a:effectRef idx="0">
+                <a:schemeClr val="accent1"/>
+              </a:effectRef>
+              <a:fontRef idx="minor">
+                <a:schemeClr val="tx1"/>
+              </a:fontRef>
+            </p:style>
+          </p:cxnSp>
+          <p:cxnSp>
+            <p:nvCxnSpPr>
+              <p:cNvPr id="21" name="Straight Connector 20"/>
+              <p:cNvCxnSpPr/>
+              <p:nvPr/>
+            </p:nvCxnSpPr>
+            <p:spPr>
+              <a:xfrm>
+                <a:off x="3048000" y="2971800"/>
+                <a:ext cx="762000" cy="1588"/>
+              </a:xfrm>
+              <a:prstGeom prst="line">
+                <a:avLst/>
+              </a:prstGeom>
+            </p:spPr>
+            <p:style>
+              <a:lnRef idx="1">
+                <a:schemeClr val="accent1"/>
+              </a:lnRef>
+              <a:fillRef idx="0">
+                <a:schemeClr val="accent1"/>
+              </a:fillRef>
+              <a:effectRef idx="0">
+                <a:schemeClr val="accent1"/>
+              </a:effectRef>
+              <a:fontRef idx="minor">
+                <a:schemeClr val="tx1"/>
+              </a:fontRef>
+            </p:style>
+          </p:cxnSp>
+          <p:sp>
+            <p:nvSpPr>
+              <p:cNvPr id="29773" name="TextBox 21"/>
+              <p:cNvSpPr txBox="1">
+                <a:spLocks noChangeArrowheads="1"/>
+              </p:cNvSpPr>
+              <p:nvPr/>
+            </p:nvSpPr>
+            <p:spPr bwMode="auto">
+              <a:xfrm>
+                <a:off x="3505200" y="2590800"/>
+                <a:ext cx="3200400" cy="369332"/>
+              </a:xfrm>
+              <a:prstGeom prst="rect">
+                <a:avLst/>
+              </a:prstGeom>
+              <a:noFill/>
+              <a:ln w="9525">
+                <a:noFill/>
+                <a:miter lim="800000"/>
+                <a:headEnd/>
+                <a:tailEnd/>
+              </a:ln>
+            </p:spPr>
+            <p:txBody>
+              <a:bodyPr>
+                <a:spAutoFit/>
+              </a:bodyPr>
+              <a:lstStyle/>
+              <a:p>
+                <a:r>
+                  <a:rPr lang="en-US">
+                    <a:latin typeface="Lucida Sans Unicode" pitchFamily="34" charset="0"/>
+                  </a:rPr>
+                  <a:t>Carry = AB+ A Cin +B Cin</a:t>
+                </a:r>
+              </a:p>
+            </p:txBody>
+          </p:sp>
+          <p:sp>
+            <p:nvSpPr>
+              <p:cNvPr id="29774" name="TextBox 22"/>
+              <p:cNvSpPr txBox="1">
+                <a:spLocks noChangeArrowheads="1"/>
+              </p:cNvSpPr>
+              <p:nvPr/>
+            </p:nvSpPr>
+            <p:spPr bwMode="auto">
+              <a:xfrm>
+                <a:off x="3886200" y="3581400"/>
+                <a:ext cx="3505200" cy="369332"/>
+              </a:xfrm>
+              <a:prstGeom prst="rect">
+                <a:avLst/>
+              </a:prstGeom>
+              <a:noFill/>
+              <a:ln w="9525">
+                <a:noFill/>
+                <a:miter lim="800000"/>
+                <a:headEnd/>
+                <a:tailEnd/>
+              </a:ln>
+            </p:spPr>
+            <p:txBody>
+              <a:bodyPr>
+                <a:spAutoFit/>
+              </a:bodyPr>
+              <a:lstStyle/>
+              <a:p>
+                <a:r>
+                  <a:rPr lang="en-US">
+                    <a:latin typeface="Lucida Sans Unicode" pitchFamily="34" charset="0"/>
+                  </a:rPr>
+                  <a:t>Sum = A ex-or B ex-or Cin</a:t>
+                </a:r>
+              </a:p>
+            </p:txBody>
+          </p:sp>
+          <p:sp>
+            <p:nvSpPr>
+              <p:cNvPr id="29775" name="TextBox 23"/>
+              <p:cNvSpPr txBox="1">
+                <a:spLocks noChangeArrowheads="1"/>
+              </p:cNvSpPr>
+              <p:nvPr/>
+            </p:nvSpPr>
+            <p:spPr bwMode="auto">
+              <a:xfrm>
+                <a:off x="4038600" y="3124200"/>
+                <a:ext cx="990600" cy="369332"/>
+              </a:xfrm>
+              <a:prstGeom prst="rect">
+                <a:avLst/>
+              </a:prstGeom>
+              <a:noFill/>
+              <a:ln w="9525">
+                <a:noFill/>
+                <a:miter lim="800000"/>
+                <a:headEnd/>
+                <a:tailEnd/>
+              </a:ln>
+            </p:spPr>
+            <p:txBody>
+              <a:bodyPr>
+                <a:spAutoFit/>
+              </a:bodyPr>
+              <a:lstStyle/>
+              <a:p>
+                <a:r>
+                  <a:rPr lang="en-US">
+                    <a:latin typeface="Lucida Sans Unicode" pitchFamily="34" charset="0"/>
+                  </a:rPr>
+                  <a:t>Output </a:t>
+                </a:r>
+              </a:p>
+            </p:txBody>
+          </p:sp>
+          <p:sp>
+            <p:nvSpPr>
+              <p:cNvPr id="29776" name="TextBox 24"/>
+              <p:cNvSpPr txBox="1">
+                <a:spLocks noChangeArrowheads="1"/>
+              </p:cNvSpPr>
+              <p:nvPr/>
+            </p:nvSpPr>
+            <p:spPr bwMode="auto">
+              <a:xfrm>
+                <a:off x="228600" y="2895600"/>
+                <a:ext cx="381000" cy="369332"/>
+              </a:xfrm>
+              <a:prstGeom prst="rect">
+                <a:avLst/>
+              </a:prstGeom>
+              <a:noFill/>
+              <a:ln w="9525">
+                <a:noFill/>
+                <a:miter lim="800000"/>
+                <a:headEnd/>
+                <a:tailEnd/>
+              </a:ln>
+            </p:spPr>
+            <p:txBody>
+              <a:bodyPr>
+                <a:spAutoFit/>
+              </a:bodyPr>
+              <a:lstStyle/>
+              <a:p>
+                <a:r>
+                  <a:rPr lang="en-US">
+                    <a:latin typeface="Lucida Sans Unicode" pitchFamily="34" charset="0"/>
+                  </a:rPr>
+                  <a:t>B</a:t>
+                </a:r>
+              </a:p>
+            </p:txBody>
+          </p:sp>
+          <p:sp>
+            <p:nvSpPr>
+              <p:cNvPr id="29777" name="TextBox 25"/>
+              <p:cNvSpPr txBox="1">
+                <a:spLocks noChangeArrowheads="1"/>
+              </p:cNvSpPr>
+              <p:nvPr/>
+            </p:nvSpPr>
+            <p:spPr bwMode="auto">
+              <a:xfrm>
+                <a:off x="609600" y="2590800"/>
+                <a:ext cx="381000" cy="369332"/>
+              </a:xfrm>
+              <a:prstGeom prst="rect">
+                <a:avLst/>
+              </a:prstGeom>
+              <a:noFill/>
+              <a:ln w="9525">
+                <a:noFill/>
+                <a:miter lim="800000"/>
+                <a:headEnd/>
+                <a:tailEnd/>
+              </a:ln>
+            </p:spPr>
+            <p:txBody>
+              <a:bodyPr>
+                <a:spAutoFit/>
+              </a:bodyPr>
+              <a:lstStyle/>
+              <a:p>
+                <a:r>
+                  <a:rPr lang="en-US">
+                    <a:latin typeface="Lucida Sans Unicode" pitchFamily="34" charset="0"/>
+                  </a:rPr>
+                  <a:t>A</a:t>
+                </a:r>
+              </a:p>
+            </p:txBody>
+          </p:sp>
+          <p:sp>
+            <p:nvSpPr>
+              <p:cNvPr id="29778" name="TextBox 26"/>
+              <p:cNvSpPr txBox="1">
+                <a:spLocks noChangeArrowheads="1"/>
+              </p:cNvSpPr>
+              <p:nvPr/>
+            </p:nvSpPr>
+            <p:spPr bwMode="auto">
+              <a:xfrm>
+                <a:off x="0" y="2209800"/>
+                <a:ext cx="914400" cy="369332"/>
+              </a:xfrm>
+              <a:prstGeom prst="rect">
+                <a:avLst/>
+              </a:prstGeom>
+              <a:noFill/>
+              <a:ln w="9525">
+                <a:noFill/>
+                <a:miter lim="800000"/>
+                <a:headEnd/>
+                <a:tailEnd/>
+              </a:ln>
+            </p:spPr>
+            <p:txBody>
+              <a:bodyPr>
+                <a:spAutoFit/>
+              </a:bodyPr>
+              <a:lstStyle/>
+              <a:p>
+                <a:r>
+                  <a:rPr lang="en-US">
+                    <a:latin typeface="Lucida Sans Unicode" pitchFamily="34" charset="0"/>
+                  </a:rPr>
+                  <a:t>Inputs</a:t>
+                </a:r>
+              </a:p>
+            </p:txBody>
+          </p:sp>
+        </p:grpSp>
+        <p:cxnSp>
+          <p:nvCxnSpPr>
+            <p:cNvPr id="29" name="Straight Connector 28"/>
+            <p:cNvCxnSpPr/>
+            <p:nvPr/>
+          </p:nvCxnSpPr>
+          <p:spPr>
+            <a:xfrm>
+              <a:off x="381000" y="3276600"/>
+              <a:ext cx="762000" cy="1588"/>
+            </a:xfrm>
+            <a:prstGeom prst="line">
+              <a:avLst/>
+            </a:prstGeom>
+          </p:spPr>
+          <p:style>
+            <a:lnRef idx="1">
+              <a:schemeClr val="accent1"/>
+            </a:lnRef>
+            <a:fillRef idx="0">
+              <a:schemeClr val="accent1"/>
+            </a:fillRef>
+            <a:effectRef idx="0">
+              <a:schemeClr val="accent1"/>
+            </a:effectRef>
+            <a:fontRef idx="minor">
+              <a:schemeClr val="tx1"/>
+            </a:fontRef>
+          </p:style>
+        </p:cxnSp>
+        <p:sp>
+          <p:nvSpPr>
+            <p:cNvPr id="29767" name="TextBox 29"/>
+            <p:cNvSpPr txBox="1">
+              <a:spLocks noChangeArrowheads="1"/>
+            </p:cNvSpPr>
+            <p:nvPr/>
+          </p:nvSpPr>
+          <p:spPr bwMode="auto">
+            <a:xfrm>
+              <a:off x="228600" y="3352800"/>
+              <a:ext cx="609600" cy="369332"/>
+            </a:xfrm>
+            <a:prstGeom prst="rect">
+              <a:avLst/>
+            </a:prstGeom>
+            <a:noFill/>
+            <a:ln w="9525">
+              <a:noFill/>
+              <a:miter lim="800000"/>
+              <a:headEnd/>
+              <a:tailEnd/>
+            </a:ln>
+          </p:spPr>
+          <p:txBody>
+            <a:bodyPr>
+              <a:spAutoFit/>
+            </a:bodyPr>
+            <a:lstStyle/>
+            <a:p>
+              <a:r>
+                <a:rPr lang="en-US">
+                  <a:latin typeface="Lucida Sans Unicode" pitchFamily="34" charset="0"/>
+                </a:rPr>
+                <a:t>Cin</a:t>
+              </a:r>
+            </a:p>
+          </p:txBody>
+        </p:sp>
+      </p:grpSp>
+      <p:graphicFrame>
+        <p:nvGraphicFramePr>
+          <p:cNvPr id="33" name="Table 32"/>
+          <p:cNvGraphicFramePr>
+            <a:graphicFrameLocks noGrp="1"/>
+          </p:cNvGraphicFramePr>
+          <p:nvPr/>
+        </p:nvGraphicFramePr>
+        <p:xfrm>
+          <a:off x="4191000" y="2971800"/>
+          <a:ext cx="4724400" cy="3708400"/>
+        </p:xfrm>
+        <a:graphic>
+          <a:graphicData uri="http://schemas.openxmlformats.org/drawingml/2006/table">
+            <a:tbl>
+              <a:tblPr firstRow="1" bandRow="1">
+                <a:tableStyleId>{5C22544A-7EE6-4342-B048-85BDC9FD1C3A}</a:tableStyleId>
+              </a:tblPr>
+              <a:tblGrid>
+                <a:gridCol w="944880"/>
+                <a:gridCol w="944880"/>
+                <a:gridCol w="944880"/>
+                <a:gridCol w="944880"/>
+                <a:gridCol w="944880"/>
+              </a:tblGrid>
+              <a:tr h="370840">
+                <a:tc gridSpan="3">
+                  <a:txBody>
+                    <a:bodyPr/>
+                    <a:lstStyle/>
+                    <a:p>
+                      <a:pPr algn="ctr"/>
+                      <a:r>
+                        <a:rPr lang="en-US" dirty="0" smtClean="0"/>
+                        <a:t>Input</a:t>
+                      </a:r>
+                      <a:endParaRPr lang="en-US" dirty="0"/>
+                    </a:p>
+                  </a:txBody>
+                  <a:tcPr/>
+                </a:tc>
+                <a:tc hMerge="1">
+                  <a:txBody>
+                    <a:bodyPr/>
+                    <a:lstStyle/>
+                    <a:p>
+                      <a:endParaRPr lang="en-US" dirty="0"/>
+                    </a:p>
+                  </a:txBody>
+                  <a:tcPr/>
+                </a:tc>
+                <a:tc hMerge="1">
+                  <a:txBody>
+                    <a:bodyPr/>
+                    <a:lstStyle/>
+                    <a:p>
+                      <a:endParaRPr lang="en-US" dirty="0"/>
+                    </a:p>
+                  </a:txBody>
+                  <a:tcPr/>
+                </a:tc>
+                <a:tc gridSpan="2">
+                  <a:txBody>
+                    <a:bodyPr/>
+                    <a:lstStyle/>
+                    <a:p>
+                      <a:pPr algn="ctr"/>
+                      <a:r>
+                        <a:rPr lang="en-US" dirty="0" smtClean="0"/>
+                        <a:t>Output</a:t>
+                      </a:r>
+                      <a:endParaRPr lang="en-US" dirty="0"/>
+                    </a:p>
+                  </a:txBody>
+                  <a:tcPr/>
+                </a:tc>
+                <a:tc hMerge="1">
+                  <a:txBody>
+                    <a:bodyPr/>
+                    <a:lstStyle/>
+                    <a:p>
+                      <a:endParaRPr lang="en-US" dirty="0"/>
+                    </a:p>
+                  </a:txBody>
+                  <a:tcPr/>
+                </a:tc>
+              </a:tr>
+              <a:tr h="370840">
+                <a:tc>
+                  <a:txBody>
+                    <a:bodyPr/>
+                    <a:lstStyle/>
+                    <a:p>
+                      <a:pPr algn="ctr"/>
+                      <a:r>
+                        <a:rPr lang="en-US" dirty="0" smtClean="0"/>
+                        <a:t>A</a:t>
+                      </a:r>
+                      <a:endParaRPr lang="en-US" dirty="0"/>
+                    </a:p>
+                  </a:txBody>
+                  <a:tcPr/>
+                </a:tc>
+                <a:tc>
+                  <a:txBody>
+                    <a:bodyPr/>
+                    <a:lstStyle/>
+                    <a:p>
+                      <a:pPr algn="ctr"/>
+                      <a:r>
+                        <a:rPr lang="en-US" dirty="0" smtClean="0"/>
+                        <a:t>B</a:t>
+                      </a:r>
+                      <a:endParaRPr lang="en-US" dirty="0"/>
+                    </a:p>
+                  </a:txBody>
+                  <a:tcPr/>
+                </a:tc>
+                <a:tc>
+                  <a:txBody>
+                    <a:bodyPr/>
+                    <a:lstStyle/>
+                    <a:p>
+                      <a:pPr algn="ctr"/>
+                      <a:r>
+                        <a:rPr lang="en-US" dirty="0" err="1" smtClean="0"/>
+                        <a:t>Cin</a:t>
+                      </a:r>
+                      <a:endParaRPr lang="en-US" dirty="0"/>
+                    </a:p>
+                  </a:txBody>
+                  <a:tcPr/>
+                </a:tc>
+                <a:tc>
+                  <a:txBody>
+                    <a:bodyPr/>
+                    <a:lstStyle/>
+                    <a:p>
+                      <a:pPr algn="ctr"/>
+                      <a:r>
+                        <a:rPr lang="en-US" dirty="0" smtClean="0"/>
+                        <a:t>Carry</a:t>
+                      </a:r>
+                      <a:endParaRPr lang="en-US" dirty="0"/>
+                    </a:p>
+                  </a:txBody>
+                  <a:tcPr/>
+                </a:tc>
+                <a:tc>
+                  <a:txBody>
+                    <a:bodyPr/>
+                    <a:lstStyle/>
+                    <a:p>
+                      <a:pPr algn="ctr"/>
+                      <a:r>
+                        <a:rPr lang="en-US" dirty="0" smtClean="0"/>
+                        <a:t>Sum</a:t>
+                      </a:r>
+                      <a:endParaRPr lang="en-US" dirty="0"/>
+                    </a:p>
+                  </a:txBody>
+                  <a:tcPr/>
+                </a:tc>
+              </a:tr>
+              <a:tr h="370840">
+                <a:tc>
+                  <a:txBody>
+                    <a:bodyPr/>
+                    <a:lstStyle/>
+                    <a:p>
+                      <a:pPr algn="ctr"/>
+                      <a:r>
+                        <a:rPr lang="en-US" dirty="0" smtClean="0"/>
+                        <a:t>0</a:t>
+                      </a:r>
+                      <a:endParaRPr lang="en-US" dirty="0"/>
+                    </a:p>
+                  </a:txBody>
+                  <a:tcPr/>
+                </a:tc>
+                <a:tc>
+                  <a:txBody>
+                    <a:bodyPr/>
+                    <a:lstStyle/>
+                    <a:p>
+                      <a:pPr algn="ctr"/>
+                      <a:r>
+                        <a:rPr lang="en-US" dirty="0" smtClean="0"/>
+                        <a:t>0</a:t>
+                      </a:r>
+                      <a:endParaRPr lang="en-US" dirty="0"/>
+                    </a:p>
+                  </a:txBody>
+                  <a:tcPr/>
+                </a:tc>
+                <a:tc>
+                  <a:txBody>
+                    <a:bodyPr/>
+                    <a:lstStyle/>
+                    <a:p>
+                      <a:pPr algn="ctr"/>
+                      <a:r>
+                        <a:rPr lang="en-US" dirty="0" smtClean="0"/>
+                        <a:t>0</a:t>
+                      </a:r>
+                      <a:endParaRPr lang="en-US" dirty="0"/>
+                    </a:p>
+                  </a:txBody>
+                  <a:tcPr/>
+                </a:tc>
+                <a:tc>
+                  <a:txBody>
+                    <a:bodyPr/>
+                    <a:lstStyle/>
+                    <a:p>
+                      <a:pPr algn="ctr"/>
+                      <a:r>
+                        <a:rPr lang="en-US" dirty="0" smtClean="0"/>
+                        <a:t>0</a:t>
+                      </a:r>
+                      <a:endParaRPr lang="en-US" dirty="0"/>
+                    </a:p>
+                  </a:txBody>
+                  <a:tcPr/>
+                </a:tc>
+                <a:tc>
+                  <a:txBody>
+                    <a:bodyPr/>
+                    <a:lstStyle/>
+                    <a:p>
+                      <a:pPr algn="ctr"/>
+                      <a:r>
+                        <a:rPr lang="en-US" dirty="0" smtClean="0"/>
+                        <a:t>0</a:t>
+                      </a:r>
+                      <a:endParaRPr lang="en-US" dirty="0"/>
+                    </a:p>
+                  </a:txBody>
+                  <a:tcPr/>
+                </a:tc>
+              </a:tr>
+              <a:tr h="370840">
+                <a:tc>
+                  <a:txBody>
+                    <a:bodyPr/>
+                    <a:lstStyle/>
+                    <a:p>
+                      <a:pPr algn="ctr"/>
+                      <a:r>
+                        <a:rPr lang="en-US" dirty="0" smtClean="0"/>
+                        <a:t>0</a:t>
+                      </a:r>
+                      <a:endParaRPr lang="en-US" dirty="0"/>
+                    </a:p>
+                  </a:txBody>
+                  <a:tcPr/>
+                </a:tc>
+                <a:tc>
+                  <a:txBody>
+                    <a:bodyPr/>
+                    <a:lstStyle/>
+                    <a:p>
+                      <a:pPr algn="ctr"/>
+                      <a:r>
+                        <a:rPr lang="en-US" dirty="0" smtClean="0"/>
+                        <a:t>0</a:t>
+                      </a:r>
+                      <a:endParaRPr lang="en-US" dirty="0"/>
+                    </a:p>
+                  </a:txBody>
+                  <a:tcPr/>
+                </a:tc>
+                <a:tc>
+                  <a:txBody>
+                    <a:bodyPr/>
+                    <a:lstStyle/>
+                    <a:p>
+                      <a:pPr algn="ctr"/>
+                      <a:r>
+                        <a:rPr lang="en-US" dirty="0" smtClean="0"/>
+                        <a:t>1</a:t>
+                      </a:r>
+                      <a:endParaRPr lang="en-US" dirty="0"/>
+                    </a:p>
+                  </a:txBody>
+                  <a:tcPr/>
+                </a:tc>
+                <a:tc>
+                  <a:txBody>
+                    <a:bodyPr/>
+                    <a:lstStyle/>
+                    <a:p>
+                      <a:pPr algn="ctr"/>
+                      <a:r>
+                        <a:rPr lang="en-US" dirty="0" smtClean="0"/>
+                        <a:t>0</a:t>
+                      </a:r>
+                      <a:endParaRPr lang="en-US" dirty="0"/>
+                    </a:p>
+                  </a:txBody>
+                  <a:tcPr/>
+                </a:tc>
+                <a:tc>
+                  <a:txBody>
+                    <a:bodyPr/>
+                    <a:lstStyle/>
+                    <a:p>
+                      <a:pPr algn="ctr"/>
+                      <a:r>
+                        <a:rPr lang="en-US" dirty="0" smtClean="0"/>
+                        <a:t>1</a:t>
+                      </a:r>
+                      <a:endParaRPr lang="en-US" dirty="0"/>
+                    </a:p>
+                  </a:txBody>
+                  <a:tcPr/>
+                </a:tc>
+              </a:tr>
+              <a:tr h="370840">
+                <a:tc>
+                  <a:txBody>
+                    <a:bodyPr/>
+                    <a:lstStyle/>
+                    <a:p>
+                      <a:pPr algn="ctr"/>
+                      <a:r>
+                        <a:rPr lang="en-US" dirty="0" smtClean="0"/>
+                        <a:t>0</a:t>
+                      </a:r>
+                      <a:endParaRPr lang="en-US" dirty="0"/>
+                    </a:p>
+                  </a:txBody>
+                  <a:tcPr/>
+                </a:tc>
+                <a:tc>
+                  <a:txBody>
+                    <a:bodyPr/>
+                    <a:lstStyle/>
+                    <a:p>
+                      <a:pPr algn="ctr"/>
+                      <a:r>
+                        <a:rPr lang="en-US" dirty="0" smtClean="0"/>
+                        <a:t>1</a:t>
+                      </a:r>
+                      <a:endParaRPr lang="en-US" dirty="0"/>
+                    </a:p>
+                  </a:txBody>
+                  <a:tcPr/>
+                </a:tc>
+                <a:tc>
+                  <a:txBody>
+                    <a:bodyPr/>
+                    <a:lstStyle/>
+                    <a:p>
+                      <a:pPr algn="ctr"/>
+                      <a:r>
+                        <a:rPr lang="en-US" dirty="0" smtClean="0"/>
+                        <a:t>0</a:t>
+                      </a:r>
+                      <a:endParaRPr lang="en-US" dirty="0"/>
+                    </a:p>
+                  </a:txBody>
+                  <a:tcPr/>
+                </a:tc>
+                <a:tc>
+                  <a:txBody>
+                    <a:bodyPr/>
+                    <a:lstStyle/>
+                    <a:p>
+                      <a:pPr algn="ctr"/>
+                      <a:r>
+                        <a:rPr lang="en-US" dirty="0" smtClean="0"/>
+                        <a:t>0</a:t>
+                      </a:r>
+                      <a:endParaRPr lang="en-US" dirty="0"/>
+                    </a:p>
+                  </a:txBody>
+                  <a:tcPr/>
+                </a:tc>
+                <a:tc>
+                  <a:txBody>
+                    <a:bodyPr/>
+                    <a:lstStyle/>
+                    <a:p>
+                      <a:pPr algn="ctr"/>
+                      <a:r>
+                        <a:rPr lang="en-US" dirty="0" smtClean="0"/>
+                        <a:t>1</a:t>
+                      </a:r>
+                      <a:endParaRPr lang="en-US" dirty="0"/>
+                    </a:p>
+                  </a:txBody>
+                  <a:tcPr/>
+                </a:tc>
+              </a:tr>
+              <a:tr h="370840">
+                <a:tc>
+                  <a:txBody>
+                    <a:bodyPr/>
+                    <a:lstStyle/>
+                    <a:p>
+                      <a:pPr algn="ctr"/>
+                      <a:r>
+                        <a:rPr lang="en-US" dirty="0" smtClean="0"/>
+                        <a:t>0</a:t>
+                      </a:r>
+                      <a:endParaRPr lang="en-US" dirty="0"/>
+                    </a:p>
+                  </a:txBody>
+                  <a:tcPr/>
+                </a:tc>
+                <a:tc>
+                  <a:txBody>
+                    <a:bodyPr/>
+                    <a:lstStyle/>
+                    <a:p>
+                      <a:pPr algn="ctr"/>
+                      <a:r>
+                        <a:rPr lang="en-US" dirty="0" smtClean="0"/>
+                        <a:t>1</a:t>
+                      </a:r>
+                      <a:endParaRPr lang="en-US" dirty="0"/>
+                    </a:p>
+                  </a:txBody>
+                  <a:tcPr/>
+                </a:tc>
+                <a:tc>
+                  <a:txBody>
+                    <a:bodyPr/>
+                    <a:lstStyle/>
+                    <a:p>
+                      <a:pPr algn="ctr"/>
+                      <a:r>
+                        <a:rPr lang="en-US" dirty="0" smtClean="0"/>
+                        <a:t>1</a:t>
+                      </a:r>
+                      <a:endParaRPr lang="en-US" dirty="0"/>
+                    </a:p>
+                  </a:txBody>
+                  <a:tcPr/>
+                </a:tc>
+                <a:tc>
+                  <a:txBody>
+                    <a:bodyPr/>
+                    <a:lstStyle/>
+                    <a:p>
+                      <a:pPr algn="ctr"/>
+                      <a:r>
+                        <a:rPr lang="en-US" dirty="0" smtClean="0"/>
+                        <a:t>1</a:t>
+                      </a:r>
+                      <a:endParaRPr lang="en-US" dirty="0"/>
+                    </a:p>
+                  </a:txBody>
+                  <a:tcPr/>
+                </a:tc>
+                <a:tc>
+                  <a:txBody>
+                    <a:bodyPr/>
+                    <a:lstStyle/>
+                    <a:p>
+                      <a:pPr algn="ctr"/>
+                      <a:r>
+                        <a:rPr lang="en-US" dirty="0" smtClean="0"/>
+                        <a:t>0</a:t>
+                      </a:r>
+                      <a:endParaRPr lang="en-US" dirty="0"/>
+                    </a:p>
+                  </a:txBody>
+                  <a:tcPr/>
+                </a:tc>
+              </a:tr>
+              <a:tr h="370840">
+                <a:tc>
+                  <a:txBody>
+                    <a:bodyPr/>
+                    <a:lstStyle/>
+                    <a:p>
+                      <a:pPr algn="ctr"/>
+                      <a:r>
+                        <a:rPr lang="en-US" dirty="0" smtClean="0"/>
+                        <a:t>1</a:t>
+                      </a:r>
+                      <a:endParaRPr lang="en-US" dirty="0"/>
+                    </a:p>
+                  </a:txBody>
+                  <a:tcPr/>
+                </a:tc>
+                <a:tc>
+                  <a:txBody>
+                    <a:bodyPr/>
+                    <a:lstStyle/>
+                    <a:p>
+                      <a:pPr algn="ctr"/>
+                      <a:r>
+                        <a:rPr lang="en-US" dirty="0" smtClean="0"/>
+                        <a:t>0</a:t>
+                      </a:r>
+                      <a:endParaRPr lang="en-US" dirty="0"/>
+                    </a:p>
+                  </a:txBody>
+                  <a:tcPr/>
+                </a:tc>
+                <a:tc>
+                  <a:txBody>
+                    <a:bodyPr/>
+                    <a:lstStyle/>
+                    <a:p>
+                      <a:pPr algn="ctr"/>
+                      <a:r>
+                        <a:rPr lang="en-US" dirty="0" smtClean="0"/>
+                        <a:t>0</a:t>
+                      </a:r>
+                      <a:endParaRPr lang="en-US" dirty="0"/>
+                    </a:p>
+                  </a:txBody>
+                  <a:tcPr/>
+                </a:tc>
+                <a:tc>
+                  <a:txBody>
+                    <a:bodyPr/>
+                    <a:lstStyle/>
+                    <a:p>
+                      <a:pPr algn="ctr"/>
+                      <a:r>
+                        <a:rPr lang="en-US" dirty="0" smtClean="0"/>
+                        <a:t>0</a:t>
+                      </a:r>
+                      <a:endParaRPr lang="en-US" dirty="0"/>
+                    </a:p>
+                  </a:txBody>
+                  <a:tcPr/>
+                </a:tc>
+                <a:tc>
+                  <a:txBody>
+                    <a:bodyPr/>
+                    <a:lstStyle/>
+                    <a:p>
+                      <a:pPr algn="ctr"/>
+                      <a:r>
+                        <a:rPr lang="en-US" dirty="0" smtClean="0"/>
+                        <a:t>1</a:t>
+                      </a:r>
+                      <a:endParaRPr lang="en-US" dirty="0"/>
+                    </a:p>
+                  </a:txBody>
+                  <a:tcPr/>
+                </a:tc>
+              </a:tr>
+              <a:tr h="370840">
+                <a:tc>
+                  <a:txBody>
+                    <a:bodyPr/>
+                    <a:lstStyle/>
+                    <a:p>
+                      <a:pPr algn="ctr"/>
+                      <a:r>
+                        <a:rPr lang="en-US" dirty="0" smtClean="0"/>
+                        <a:t>1</a:t>
+                      </a:r>
+                      <a:endParaRPr lang="en-US" dirty="0"/>
+                    </a:p>
+                  </a:txBody>
+                  <a:tcPr/>
+                </a:tc>
+                <a:tc>
+                  <a:txBody>
+                    <a:bodyPr/>
+                    <a:lstStyle/>
+                    <a:p>
+                      <a:pPr algn="ctr"/>
+                      <a:r>
+                        <a:rPr lang="en-US" dirty="0" smtClean="0"/>
+                        <a:t>0</a:t>
+                      </a:r>
+                      <a:endParaRPr lang="en-US" dirty="0"/>
+                    </a:p>
+                  </a:txBody>
+                  <a:tcPr/>
+                </a:tc>
+                <a:tc>
+                  <a:txBody>
+                    <a:bodyPr/>
+                    <a:lstStyle/>
+                    <a:p>
+                      <a:pPr algn="ctr"/>
+                      <a:r>
+                        <a:rPr lang="en-US" dirty="0" smtClean="0"/>
+                        <a:t>1</a:t>
+                      </a:r>
+                      <a:endParaRPr lang="en-US" dirty="0"/>
+                    </a:p>
+                  </a:txBody>
+                  <a:tcPr/>
+                </a:tc>
+                <a:tc>
+                  <a:txBody>
+                    <a:bodyPr/>
+                    <a:lstStyle/>
+                    <a:p>
+                      <a:pPr algn="ctr"/>
+                      <a:r>
+                        <a:rPr lang="en-US" dirty="0" smtClean="0"/>
+                        <a:t>1</a:t>
+                      </a:r>
+                      <a:endParaRPr lang="en-US" dirty="0"/>
+                    </a:p>
+                  </a:txBody>
+                  <a:tcPr/>
+                </a:tc>
+                <a:tc>
+                  <a:txBody>
+                    <a:bodyPr/>
+                    <a:lstStyle/>
+                    <a:p>
+                      <a:pPr algn="ctr"/>
+                      <a:r>
+                        <a:rPr lang="en-US" dirty="0" smtClean="0"/>
+                        <a:t>0</a:t>
+                      </a:r>
+                      <a:endParaRPr lang="en-US" dirty="0"/>
+                    </a:p>
+                  </a:txBody>
+                  <a:tcPr/>
+                </a:tc>
+              </a:tr>
+              <a:tr h="370840">
+                <a:tc>
+                  <a:txBody>
+                    <a:bodyPr/>
+                    <a:lstStyle/>
+                    <a:p>
+                      <a:pPr algn="ctr"/>
+                      <a:r>
+                        <a:rPr lang="en-US" dirty="0" smtClean="0"/>
+                        <a:t>1</a:t>
+                      </a:r>
+                      <a:endParaRPr lang="en-US" dirty="0"/>
+                    </a:p>
+                  </a:txBody>
+                  <a:tcPr/>
+                </a:tc>
+                <a:tc>
+                  <a:txBody>
+                    <a:bodyPr/>
+                    <a:lstStyle/>
+                    <a:p>
+                      <a:pPr algn="ctr"/>
+                      <a:r>
+                        <a:rPr lang="en-US" dirty="0" smtClean="0"/>
+                        <a:t>1</a:t>
+                      </a:r>
+                      <a:endParaRPr lang="en-US" dirty="0"/>
+                    </a:p>
+                  </a:txBody>
+                  <a:tcPr/>
+                </a:tc>
+                <a:tc>
+                  <a:txBody>
+                    <a:bodyPr/>
+                    <a:lstStyle/>
+                    <a:p>
+                      <a:pPr algn="ctr"/>
+                      <a:r>
+                        <a:rPr lang="en-US" dirty="0" smtClean="0"/>
+                        <a:t>0</a:t>
+                      </a:r>
+                      <a:endParaRPr lang="en-US" dirty="0"/>
+                    </a:p>
+                  </a:txBody>
+                  <a:tcPr/>
+                </a:tc>
+                <a:tc>
+                  <a:txBody>
+                    <a:bodyPr/>
+                    <a:lstStyle/>
+                    <a:p>
+                      <a:pPr algn="ctr"/>
+                      <a:r>
+                        <a:rPr lang="en-US" dirty="0" smtClean="0"/>
+                        <a:t>1</a:t>
+                      </a:r>
+                      <a:endParaRPr lang="en-US" dirty="0"/>
+                    </a:p>
+                  </a:txBody>
+                  <a:tcPr/>
+                </a:tc>
+                <a:tc>
+                  <a:txBody>
+                    <a:bodyPr/>
+                    <a:lstStyle/>
+                    <a:p>
+                      <a:pPr algn="ctr"/>
+                      <a:r>
+                        <a:rPr lang="en-US" dirty="0" smtClean="0"/>
+                        <a:t>0</a:t>
+                      </a:r>
+                      <a:endParaRPr lang="en-US" dirty="0"/>
+                    </a:p>
+                  </a:txBody>
+                  <a:tcPr/>
+                </a:tc>
+              </a:tr>
+              <a:tr h="370840">
+                <a:tc>
+                  <a:txBody>
+                    <a:bodyPr/>
+                    <a:lstStyle/>
+                    <a:p>
+                      <a:pPr algn="ctr"/>
+                      <a:r>
+                        <a:rPr lang="en-US" dirty="0" smtClean="0"/>
+                        <a:t>1</a:t>
+                      </a:r>
+                      <a:endParaRPr lang="en-US" dirty="0"/>
+                    </a:p>
+                  </a:txBody>
+                  <a:tcPr/>
+                </a:tc>
+                <a:tc>
+                  <a:txBody>
+                    <a:bodyPr/>
+                    <a:lstStyle/>
+                    <a:p>
+                      <a:pPr algn="ctr"/>
+                      <a:r>
+                        <a:rPr lang="en-US" dirty="0" smtClean="0"/>
+                        <a:t>1</a:t>
+                      </a:r>
+                      <a:endParaRPr lang="en-US" dirty="0"/>
+                    </a:p>
+                  </a:txBody>
+                  <a:tcPr/>
+                </a:tc>
+                <a:tc>
+                  <a:txBody>
+                    <a:bodyPr/>
+                    <a:lstStyle/>
+                    <a:p>
+                      <a:pPr algn="ctr"/>
+                      <a:r>
+                        <a:rPr lang="en-US" dirty="0" smtClean="0"/>
+                        <a:t>1</a:t>
+                      </a:r>
+                      <a:endParaRPr lang="en-US" dirty="0"/>
+                    </a:p>
+                  </a:txBody>
+                  <a:tcPr/>
+                </a:tc>
+                <a:tc>
+                  <a:txBody>
+                    <a:bodyPr/>
+                    <a:lstStyle/>
+                    <a:p>
+                      <a:pPr algn="ctr"/>
+                      <a:r>
+                        <a:rPr lang="en-US" dirty="0" smtClean="0"/>
+                        <a:t>1</a:t>
+                      </a:r>
+                      <a:endParaRPr lang="en-US" dirty="0"/>
+                    </a:p>
+                  </a:txBody>
+                  <a:tcPr/>
+                </a:tc>
+                <a:tc>
+                  <a:txBody>
+                    <a:bodyPr/>
+                    <a:lstStyle/>
+                    <a:p>
+                      <a:pPr algn="ctr"/>
+                      <a:r>
+                        <a:rPr lang="en-US" dirty="0" smtClean="0"/>
+                        <a:t>1</a:t>
+                      </a:r>
+                      <a:endParaRPr lang="en-US" dirty="0"/>
+                    </a:p>
+                  </a:txBody>
+                  <a:tcPr/>
+                </a:tc>
+              </a:tr>
+            </a:tbl>
+          </a:graphicData>
+        </a:graphic>
+      </p:graphicFrame>
+    </p:spTree>
+  </p:cSld>
+  <p:clrMapOvr>
+    <a:masterClrMapping/>
+  </p:clrMapOvr>
+</p:sld>
+</file>
+
+<file path=ppt/slides/slide21.xml><?xml version="1.0" encoding="utf-8"?>
+<p:sld xmlns:a="http://schemas.openxmlformats.org/drawingml/2006/main" xmlns:r="http://schemas.openxmlformats.org/officeDocument/2006/relationships" xmlns:p="http://schemas.openxmlformats.org/presentationml/2006/main">
+  <p:cSld>
+    <p:spTree>
+      <p:nvGrpSpPr>
+        <p:cNvPr id="1" name=""/>
+        <p:cNvGrpSpPr/>
+        <p:nvPr/>
+      </p:nvGrpSpPr>
+      <p:grpSpPr>
+        <a:xfrm>
+          <a:off x="0" y="0"/>
+          <a:ext cx="0" cy="0"/>
+          <a:chOff x="0" y="0"/>
+          <a:chExt cx="0" cy="0"/>
+        </a:xfrm>
+      </p:grpSpPr>
+      <p:sp>
+        <p:nvSpPr>
+          <p:cNvPr id="30722" name="AutoShape 2" descr="data:image/png;base64,iVBORw0KGgoAAAANSUhEUgAAANcAAACmCAMAAAB+3erjAAAAeFBMVEX///8AAACDg4OIiIienp5vb2+bm5sVFRXKysra2tre3t7GxsYgICCjo6Nra2v7+/u9vb1TU1N6enpDQ0Pl5eU7OztaWlrt7e21tbWQkJAQEBDy8vJfX1+/v7+np6etra3R0dFKSko+Pj4tLS0yMjIcHBwoKCh9fX0z9RrAAAAIq0lEQVR4nO2di3aiOhRAOQoqqCBv5E21+v9/eBMUp5ITiIBUetlrWh1UYBvyDqeSNDMzMxanr+qZZvzmeQyMejprt2crWPzuqQzKEuBYPpEBwFq+hev4F8IW1Bw29NkJ3sf4XjJstpCWT89wuR9/CYMeIxvfSwNludTBoc+jhXPfuhjWa/8bXokkBeA8b52+l+EY9Fdt6/S9cGYvIe5emSYFLNmgh2rmLV4WZBJWB1yDQQ/WxOBe9LcDob8DOfKfiDyAqsHzdgb3UjVNcw4AKvnHvGySFkE06AF5DOwl/7zsjuzr+QWsQQ/IY2AvZ3tjY+5UC5bsGzQ454MekcPAXg90klrxGnlBAxgjj/G9aEZ5hs0vDYSKpO+wF7TLwF+lk6Vp6tc24l77zMcK6nQjfjQgXhf0lRUchPagktOtN48wAsi2C7tWHOFeMpgGgLx5IjfhYokcqISUDzGgNbFTgEg9pu7S7WJXTweEA/jkp7Xdq0tlJojufbUfGD7Aty1wSpQ1OXmSZhh6W5lo0l8JPVVfoFl2gMI8pfensqZSNAUc9SfOGixN1Uh5vQVGjPRNYygEKyDS1eOdfwxHTeWiuRCTY+QQqLnIsQ6kSiy/BHJFCoLsZV8etB2jwQttZD1BL+DN8RjrAse6XYf0gs3JJ4NbntEhf85EJL3olvxiaibskd2QvCfiZZEP87wsWDwf9fkUzuDds9VWpE6gfcqg9KJpfN/I5K8IVuXjF/nOTh62Hxnc9oOVeYuTvyzO9gfl/qkTUxxgbGLPNOt1EFtu3L3o4znG9rMNQaCUIufuoektReZ9lKWFwDTNXOSNGM1eLloVbwH1re2mof4aoSPW4LWXdtXzGuGutYJOQZcUtL3hfL2p6fZEgxfkBscrIq+17Je0oTLAvPz2zw4B38sh1RfHSzIhoxVNW2mNFIc+hC80xrrD99IavI5Vg3GPswRYkW4/8zk/OyOV/Tvge3mw5XqR+oewyXl79WilzPaXLW+ci1BqzF9HqQAZ/ZDdUlCTPERKB1kyfiLt1xBC3veEBWks5086+hkF8O0PYnoJs5gjTk51qJc1m1yhzZAOFpv15HFGbG5wvRbkOkS9fHekrN+LyutfPiBeNDeQtuECa8eRuutTxqqbqLwswX4KKRLOwn3mX6TyWgAd/aBAnKUZ0SRdS6aUj1IbTmMN2fbin1e1hZbtfgFbZHRiQeofkZ7DB4B4rWj/LCEF9XodPrGGXbiZQN6i4F6erkq6wjDOEPQg4F7TZ/aaFtP1Wh2PDWc6Wa/lRVWRHl7FZL3sgvziVzqT9SqKxpf/lld0rK+P+hteBbi19WzLh85EvOKvKHJJv70wS8fSw0Y7Jffp+4l4STpBupUfBayO1IsOkykW5foFi/tjmNzePxWvOzZNL4i98ro7PoYs/12HVed+kl5VH/gxETjZcqOCetleUu/bT97LtclPoZ3+mtchKX/y2kgt3+u4YhlvnV1f8PGN8hEh9CYxaCOxXsYZ4FAuHMTG5i9rAGPMYdvO1L2yf4mD5bN8AZy5iA+DuQ4T0G+rcTnlR/BYhPDR8MsNXrkYwHkCY22ve/3GvRqv08ErFVxn96t08HKKMRYq9KSDl2T9US9lAhmsi9cB7E3CkL/1PF+li1cSYm2slrn0kel2HfrMWm0/bFl7NzKDlRvr2WsMOnjl7t/0ypAbhT7Yq+pWtXkdHvcIP/GZXr4H5+2BkCSgJLdH3lo2yLHNn+mVIRUS6hUsAV/T/rleV9+hwPL+iHg5dggF3oj6TC9p+bgJ7ZG/7n4P/Bjg8oXuRfpYL6Q8xKYm+CvZJuMVHBiShh1NxutFZq9RmL1amL1GYfZqYfYahdmrhdlrFGavFibjxcap0LSGewIEvRx2p7zwF76qqp3nsl/rf7kBdw5W0MvDBhzQ/o9vKkdP7J59hIZ1DtZmWwcgRmK7lAh76fnzPjcKwDVn30lDGUSHAb2+3TPBxeb9IxngjN9VLZq/AOqpYxgAO/YW7qRXvBjWy4xvcMoPBYvGQ0DnWFCQMEXaNzBiQ3tV8MpFBY/hKSPLjlAsNP7S965efFRefpqSFE4OUp4a+yzYi90s+LqXsegX2spApy00uNTEaEgNLfYje7GBQLJdulQyiWErFj3odS8p6xmyS0anpzXmzrLlzg33kg8HiVwhpi3Rpa5H0antDl7Jd7958xX+8Q0anuXmtRzDq+96gBUejsgp0HUhI3op/bz8Ao1fIflf558Hucs79NbBq/RVvN/r2nC/iwjxmbP9R0lJKut76gUhXeoqgQv5m72ii3BdhcOLj1N727j1F41rlco92Luc9NqCva/eQ766zm3Drl591xHpJ3y7eflX0mvg9apNfsErBXyySYbix/+ifmuVOnhF8Vvqry1ef3WkU3uj3wpfjtd10Njxy5e9fLvncrY96qVz+gndCEjil0FarvActcXgxVgihTEaVSSCnRinEPPSB02txkhJqJeTcwI6wEXRRVDAZccSDF6vrofXhUZsSU3IamFbMK8yTgXeURDtL6dIFLN02LxFvqdl1TtA8hcTNC5VPHIRcloBgl4y6LXcqekWDJtalCu/3IDvGiRxZW6RIT4etWP2WrR/7lX45XzMxqloOnVBrxUb/kJ/x/0TfK8X+fjx3o7MXqMwe7Uwe43C7NXC7DUKs1cLs9cozF4tTMYLGxqo9wl/MB2v4mrVIR3LnLOjj/XaP08Dy9goYaZwzT7UC4mbio1HRRrgwfI/1YuFN34YMgswSibv5RfovPnkvThxD6bvtUf/vMP0vSZ1PyzL/89Lx0rEP+BlXMLYqxG3/Q2bkel2Hdouy+BTB73o4tVzvc0oDFZufBiz14P0HfNVQ/O6l3GdQHibDl4Ktj7341iAZ+Lw1zlM4M+MSCubB+pF76WfTnBHFHYcQE1kgOuYf/X6HYB3rOEC6BNPLAkfZ/MnEatyZmamB/8BV0COJJDRWmcAAAAASUVORK5CYII="/>
+          <p:cNvSpPr>
+            <a:spLocks noChangeAspect="1" noChangeArrowheads="1"/>
+          </p:cNvSpPr>
+          <p:nvPr/>
+        </p:nvSpPr>
+        <p:spPr bwMode="auto">
+          <a:xfrm>
+            <a:off x="155575" y="-144463"/>
+            <a:ext cx="304800" cy="304801"/>
+          </a:xfrm>
+          <a:prstGeom prst="rect">
+            <a:avLst/>
+          </a:prstGeom>
+          <a:noFill/>
+          <a:ln w="9525">
+            <a:noFill/>
+            <a:miter lim="800000"/>
+            <a:headEnd/>
+            <a:tailEnd/>
+          </a:ln>
+        </p:spPr>
+        <p:txBody>
+          <a:bodyPr/>
+          <a:lstStyle/>
+          <a:p>
+            <a:endParaRPr lang="en-US">
+              <a:latin typeface="Lucida Sans Unicode" pitchFamily="34" charset="0"/>
+            </a:endParaRPr>
+          </a:p>
+        </p:txBody>
+      </p:sp>
+      <p:sp>
+        <p:nvSpPr>
+          <p:cNvPr id="30723" name="AutoShape 4" descr="data:image/png;base64,iVBORw0KGgoAAAANSUhEUgAAANcAAACmCAMAAAB+3erjAAAAeFBMVEX///8AAACDg4OIiIienp5vb2+bm5sVFRXKysra2tre3t7GxsYgICCjo6Nra2v7+/u9vb1TU1N6enpDQ0Pl5eU7OztaWlrt7e21tbWQkJAQEBDy8vJfX1+/v7+np6etra3R0dFKSko+Pj4tLS0yMjIcHBwoKCh9fX0z9RrAAAAIq0lEQVR4nO2di3aiOhRAOQoqqCBv5E21+v9/eBMUp5ITiIBUetlrWh1UYBvyDqeSNDMzMxanr+qZZvzmeQyMejprt2crWPzuqQzKEuBYPpEBwFq+hev4F8IW1Bw29NkJ3sf4XjJstpCWT89wuR9/CYMeIxvfSwNludTBoc+jhXPfuhjWa/8bXokkBeA8b52+l+EY9Fdt6/S9cGYvIe5emSYFLNmgh2rmLV4WZBJWB1yDQQ/WxOBe9LcDob8DOfKfiDyAqsHzdgb3UjVNcw4AKvnHvGySFkE06AF5DOwl/7zsjuzr+QWsQQ/IY2AvZ3tjY+5UC5bsGzQ454MekcPAXg90klrxGnlBAxgjj/G9aEZ5hs0vDYSKpO+wF7TLwF+lk6Vp6tc24l77zMcK6nQjfjQgXhf0lRUchPagktOtN48wAsi2C7tWHOFeMpgGgLx5IjfhYokcqISUDzGgNbFTgEg9pu7S7WJXTweEA/jkp7Xdq0tlJojufbUfGD7Aty1wSpQ1OXmSZhh6W5lo0l8JPVVfoFl2gMI8pfensqZSNAUc9SfOGixN1Uh5vQVGjPRNYygEKyDS1eOdfwxHTeWiuRCTY+QQqLnIsQ6kSiy/BHJFCoLsZV8etB2jwQttZD1BL+DN8RjrAse6XYf0gs3JJ4NbntEhf85EJL3olvxiaibskd2QvCfiZZEP87wsWDwf9fkUzuDds9VWpE6gfcqg9KJpfN/I5K8IVuXjF/nOTh62Hxnc9oOVeYuTvyzO9gfl/qkTUxxgbGLPNOt1EFtu3L3o4znG9rMNQaCUIufuoektReZ9lKWFwDTNXOSNGM1eLloVbwH1re2mof4aoSPW4LWXdtXzGuGutYJOQZcUtL3hfL2p6fZEgxfkBscrIq+17Je0oTLAvPz2zw4B38sh1RfHSzIhoxVNW2mNFIc+hC80xrrD99IavI5Vg3GPswRYkW4/8zk/OyOV/Tvge3mw5XqR+oewyXl79WilzPaXLW+ci1BqzF9HqQAZ/ZDdUlCTPERKB1kyfiLt1xBC3veEBWks5086+hkF8O0PYnoJs5gjTk51qJc1m1yhzZAOFpv15HFGbG5wvRbkOkS9fHekrN+LyutfPiBeNDeQtuECa8eRuutTxqqbqLwswX4KKRLOwn3mX6TyWgAd/aBAnKUZ0SRdS6aUj1IbTmMN2fbin1e1hZbtfgFbZHRiQeofkZ7DB4B4rWj/LCEF9XodPrGGXbiZQN6i4F6erkq6wjDOEPQg4F7TZ/aaFtP1Wh2PDWc6Wa/lRVWRHl7FZL3sgvziVzqT9SqKxpf/lld0rK+P+hteBbi19WzLh85EvOKvKHJJv70wS8fSw0Y7Jffp+4l4STpBupUfBayO1IsOkykW5foFi/tjmNzePxWvOzZNL4i98ro7PoYs/12HVed+kl5VH/gxETjZcqOCetleUu/bT97LtclPoZ3+mtchKX/y2kgt3+u4YhlvnV1f8PGN8hEh9CYxaCOxXsYZ4FAuHMTG5i9rAGPMYdvO1L2yf4mD5bN8AZy5iA+DuQ4T0G+rcTnlR/BYhPDR8MsNXrkYwHkCY22ve/3GvRqv08ErFVxn96t08HKKMRYq9KSDl2T9US9lAhmsi9cB7E3CkL/1PF+li1cSYm2slrn0kel2HfrMWm0/bFl7NzKDlRvr2WsMOnjl7t/0ypAbhT7Yq+pWtXkdHvcIP/GZXr4H5+2BkCSgJLdH3lo2yLHNn+mVIRUS6hUsAV/T/rleV9+hwPL+iHg5dggF3oj6TC9p+bgJ7ZG/7n4P/Bjg8oXuRfpYL6Q8xKYm+CvZJuMVHBiShh1NxutFZq9RmL1amL1GYfZqYfYahdmrhdlrFGavFibjxcap0LSGewIEvRx2p7zwF76qqp3nsl/rf7kBdw5W0MvDBhzQ/o9vKkdP7J59hIZ1DtZmWwcgRmK7lAh76fnzPjcKwDVn30lDGUSHAb2+3TPBxeb9IxngjN9VLZq/AOqpYxgAO/YW7qRXvBjWy4xvcMoPBYvGQ0DnWFCQMEXaNzBiQ3tV8MpFBY/hKSPLjlAsNP7S965efFRefpqSFE4OUp4a+yzYi90s+LqXsegX2spApy00uNTEaEgNLfYje7GBQLJdulQyiWErFj3odS8p6xmyS0anpzXmzrLlzg33kg8HiVwhpi3Rpa5H0antDl7Jd7958xX+8Q0anuXmtRzDq+96gBUejsgp0HUhI3op/bz8Ao1fIflf558Hucs79NbBq/RVvN/r2nC/iwjxmbP9R0lJKut76gUhXeoqgQv5m72ii3BdhcOLj1N727j1F41rlco92Luc9NqCva/eQ766zm3Drl591xHpJ3y7eflX0mvg9apNfsErBXyySYbix/+ifmuVOnhF8Vvqry1ef3WkU3uj3wpfjtd10Njxy5e9fLvncrY96qVz+gndCEjil0FarvActcXgxVgihTEaVSSCnRinEPPSB02txkhJqJeTcwI6wEXRRVDAZccSDF6vrofXhUZsSU3IamFbMK8yTgXeURDtL6dIFLN02LxFvqdl1TtA8hcTNC5VPHIRcloBgl4y6LXcqekWDJtalCu/3IDvGiRxZW6RIT4etWP2WrR/7lX45XzMxqloOnVBrxUb/kJ/x/0TfK8X+fjx3o7MXqMwe7Uwe43C7NXC7DUKs1cLs9cozF4tTMYLGxqo9wl/MB2v4mrVIR3LnLOjj/XaP08Dy9goYaZwzT7UC4mbio1HRRrgwfI/1YuFN34YMgswSibv5RfovPnkvThxD6bvtUf/vMP0vSZ1PyzL/89Lx0rEP+BlXMLYqxG3/Q2bkel2Hdouy+BTB73o4tVzvc0oDFZufBiz14P0HfNVQ/O6l3GdQHibDl4Ktj7341iAZ+Lw1zlM4M+MSCubB+pF76WfTnBHFHYcQE1kgOuYf/X6HYB3rOEC6BNPLAkfZ/MnEatyZmamB/8BV0COJJDRWmcAAAAASUVORK5CYII="/>
+          <p:cNvSpPr>
+            <a:spLocks noChangeAspect="1" noChangeArrowheads="1"/>
+          </p:cNvSpPr>
+          <p:nvPr/>
+        </p:nvSpPr>
+        <p:spPr bwMode="auto">
+          <a:xfrm>
+            <a:off x="155575" y="-144463"/>
+            <a:ext cx="304800" cy="304801"/>
+          </a:xfrm>
+          <a:prstGeom prst="rect">
+            <a:avLst/>
+          </a:prstGeom>
+          <a:noFill/>
+          <a:ln w="9525">
+            <a:noFill/>
+            <a:miter lim="800000"/>
+            <a:headEnd/>
+            <a:tailEnd/>
+          </a:ln>
+        </p:spPr>
+        <p:txBody>
+          <a:bodyPr/>
+          <a:lstStyle/>
+          <a:p>
+            <a:endParaRPr lang="en-US">
+              <a:latin typeface="Lucida Sans Unicode" pitchFamily="34" charset="0"/>
+            </a:endParaRPr>
+          </a:p>
+        </p:txBody>
+      </p:sp>
+      <p:pic>
+        <p:nvPicPr>
+          <p:cNvPr id="30724" name="Picture 6" descr="https://encrypted-tbn0.gstatic.com/images?q=tbn:ANd9GcTKBGPERbusI7tHqjM-X7WWoZyc7Csvw6nhZ77hTzPRhNS8VIC2"/>
+          <p:cNvPicPr>
+            <a:picLocks noChangeAspect="1" noChangeArrowheads="1"/>
+          </p:cNvPicPr>
+          <p:nvPr/>
+        </p:nvPicPr>
+        <p:blipFill>
+          <a:blip r:embed="rId2"/>
+          <a:srcRect/>
+          <a:stretch>
+            <a:fillRect/>
+          </a:stretch>
+        </p:blipFill>
+        <p:spPr bwMode="auto">
+          <a:xfrm>
+            <a:off x="2057400" y="1447800"/>
+            <a:ext cx="4648200" cy="3743325"/>
+          </a:xfrm>
+          <a:prstGeom prst="rect">
+            <a:avLst/>
+          </a:prstGeom>
+          <a:noFill/>
+          <a:ln w="9525">
+            <a:noFill/>
+            <a:miter lim="800000"/>
+            <a:headEnd/>
+            <a:tailEnd/>
+          </a:ln>
+        </p:spPr>
+      </p:pic>
+      <p:sp>
+        <p:nvSpPr>
+          <p:cNvPr id="30725" name="TextBox 4"/>
+          <p:cNvSpPr txBox="1">
+            <a:spLocks noChangeArrowheads="1"/>
+          </p:cNvSpPr>
+          <p:nvPr/>
+        </p:nvSpPr>
+        <p:spPr bwMode="auto">
+          <a:xfrm>
+            <a:off x="2057400" y="5562600"/>
+            <a:ext cx="4419600" cy="381000"/>
+          </a:xfrm>
+          <a:prstGeom prst="rect">
+            <a:avLst/>
+          </a:prstGeom>
+          <a:noFill/>
+          <a:ln w="9525">
+            <a:noFill/>
+            <a:miter lim="800000"/>
+            <a:headEnd/>
+            <a:tailEnd/>
+          </a:ln>
+        </p:spPr>
+        <p:txBody>
+          <a:bodyPr>
+            <a:spAutoFit/>
+          </a:bodyPr>
+          <a:lstStyle/>
+          <a:p>
+            <a:pPr algn="ctr"/>
+            <a:r>
+              <a:rPr lang="en-US" b="1">
+                <a:latin typeface="Lucida Sans Unicode" pitchFamily="34" charset="0"/>
+              </a:rPr>
+              <a:t>Full Adder</a:t>
+            </a:r>
+          </a:p>
+        </p:txBody>
+      </p:sp>
+    </p:spTree>
+  </p:cSld>
+  <p:clrMapOvr>
+    <a:masterClrMapping/>
+  </p:clrMapOvr>
+</p:sld>
+</file>
+
+<file path=ppt/slides/slide22.xml><?xml version="1.0" encoding="utf-8"?>
+<p:sld xmlns:a="http://schemas.openxmlformats.org/drawingml/2006/main" xmlns:r="http://schemas.openxmlformats.org/officeDocument/2006/relationships" xmlns:p="http://schemas.openxmlformats.org/presentationml/2006/main">
+  <p:cSld>
+    <p:spTree>
+      <p:nvGrpSpPr>
+        <p:cNvPr id="1" name=""/>
+        <p:cNvGrpSpPr/>
+        <p:nvPr/>
+      </p:nvGrpSpPr>
+      <p:grpSpPr>
+        <a:xfrm>
+          <a:off x="0" y="0"/>
+          <a:ext cx="0" cy="0"/>
+          <a:chOff x="0" y="0"/>
+          <a:chExt cx="0" cy="0"/>
+        </a:xfrm>
+      </p:grpSpPr>
+      <p:pic>
+        <p:nvPicPr>
+          <p:cNvPr id="31746" name="Picture 2" descr="Full Adder Circuit"/>
+          <p:cNvPicPr>
+            <a:picLocks noChangeAspect="1" noChangeArrowheads="1"/>
+          </p:cNvPicPr>
+          <p:nvPr/>
+        </p:nvPicPr>
+        <p:blipFill>
+          <a:blip r:embed="rId2"/>
+          <a:srcRect/>
+          <a:stretch>
+            <a:fillRect/>
+          </a:stretch>
+        </p:blipFill>
+        <p:spPr bwMode="auto">
+          <a:xfrm>
+            <a:off x="1219200" y="838200"/>
+            <a:ext cx="6553200" cy="4648200"/>
+          </a:xfrm>
+          <a:prstGeom prst="rect">
+            <a:avLst/>
+          </a:prstGeom>
+          <a:noFill/>
+          <a:ln w="9525">
+            <a:noFill/>
+            <a:miter lim="800000"/>
+            <a:headEnd/>
+            <a:tailEnd/>
+          </a:ln>
+        </p:spPr>
+      </p:pic>
+      <p:sp>
+        <p:nvSpPr>
+          <p:cNvPr id="31747" name="TextBox 2"/>
+          <p:cNvSpPr txBox="1">
+            <a:spLocks noChangeArrowheads="1"/>
+          </p:cNvSpPr>
+          <p:nvPr/>
+        </p:nvSpPr>
+        <p:spPr bwMode="auto">
+          <a:xfrm>
+            <a:off x="1905000" y="5562600"/>
+            <a:ext cx="5486400" cy="461963"/>
+          </a:xfrm>
+          <a:prstGeom prst="rect">
+            <a:avLst/>
+          </a:prstGeom>
+          <a:noFill/>
+          <a:ln w="9525">
+            <a:noFill/>
+            <a:miter lim="800000"/>
+            <a:headEnd/>
+            <a:tailEnd/>
+          </a:ln>
+        </p:spPr>
+        <p:txBody>
+          <a:bodyPr>
+            <a:spAutoFit/>
+          </a:bodyPr>
+          <a:lstStyle/>
+          <a:p>
+            <a:pPr algn="ctr"/>
+            <a:r>
+              <a:rPr lang="en-US" sz="2400" b="1">
+                <a:latin typeface="Times New Roman" pitchFamily="18" charset="0"/>
+                <a:cs typeface="Times New Roman" pitchFamily="18" charset="0"/>
+              </a:rPr>
+              <a:t>Full Adder using two Half Adder</a:t>
+            </a:r>
+          </a:p>
+        </p:txBody>
+      </p:sp>
+    </p:spTree>
+  </p:cSld>
+  <p:clrMapOvr>
+    <a:masterClrMapping/>
+  </p:clrMapOvr>
+</p:sld>
+</file>
+
+<file path=ppt/slides/slide23.xml><?xml version="1.0" encoding="utf-8"?>
+<p:sld xmlns:a="http://schemas.openxmlformats.org/drawingml/2006/main" xmlns:r="http://schemas.openxmlformats.org/officeDocument/2006/relationships" xmlns:p="http://schemas.openxmlformats.org/presentationml/2006/main">
+  <p:cSld>
+    <p:spTree>
+      <p:nvGrpSpPr>
+        <p:cNvPr id="1" name=""/>
+        <p:cNvGrpSpPr/>
+        <p:nvPr/>
+      </p:nvGrpSpPr>
+      <p:grpSpPr>
+        <a:xfrm>
+          <a:off x="0" y="0"/>
+          <a:ext cx="0" cy="0"/>
+          <a:chOff x="0" y="0"/>
+          <a:chExt cx="0" cy="0"/>
+        </a:xfrm>
+      </p:grpSpPr>
+      <p:sp>
+        <p:nvSpPr>
+          <p:cNvPr id="27650" name="Content Placeholder 1"/>
+          <p:cNvSpPr>
+            <a:spLocks noGrp="1"/>
+          </p:cNvSpPr>
+          <p:nvPr>
+            <p:ph idx="1"/>
+          </p:nvPr>
+        </p:nvSpPr>
+        <p:spPr>
+          <a:xfrm>
+            <a:off x="0" y="1481138"/>
+            <a:ext cx="9144000" cy="5072062"/>
+          </a:xfrm>
+        </p:spPr>
+        <p:txBody>
+          <a:bodyPr/>
+          <a:lstStyle/>
+          <a:p>
+            <a:pPr>
+              <a:buFont typeface="Wingdings 3" pitchFamily="18" charset="2"/>
+              <a:buNone/>
+              <a:defRPr/>
+            </a:pPr>
+            <a:r>
+              <a:rPr lang="en-IN" sz="2800" dirty="0" smtClean="0"/>
+              <a:t>19. The output of a ________ circuit at any instant of time is dependent only on the inputs present at that instant of time.</a:t>
+            </a:r>
+            <a:endParaRPr lang="en-US" sz="2400" dirty="0" smtClean="0"/>
+          </a:p>
+          <a:p>
+            <a:pPr lvl="1">
+              <a:defRPr/>
+            </a:pPr>
+            <a:r>
+              <a:rPr lang="en-IN" sz="2400" dirty="0" smtClean="0"/>
+              <a:t>Combinational</a:t>
+            </a:r>
+            <a:endParaRPr lang="en-US" sz="2000" dirty="0" smtClean="0"/>
+          </a:p>
+          <a:p>
+            <a:pPr lvl="1">
+              <a:defRPr/>
+            </a:pPr>
+            <a:r>
+              <a:rPr lang="en-IN" sz="2400" dirty="0" smtClean="0"/>
+              <a:t>Sequential</a:t>
+            </a:r>
+            <a:endParaRPr lang="en-US" sz="2000" dirty="0" smtClean="0"/>
+          </a:p>
+          <a:p>
+            <a:pPr lvl="1">
+              <a:defRPr/>
+            </a:pPr>
+            <a:r>
+              <a:rPr lang="en-IN" sz="2400" dirty="0" smtClean="0"/>
+              <a:t>Combinational and sequential</a:t>
+            </a:r>
+            <a:endParaRPr lang="en-US" sz="2000" dirty="0" smtClean="0"/>
+          </a:p>
+          <a:p>
+            <a:pPr>
+              <a:buFont typeface="Wingdings 3" pitchFamily="18" charset="2"/>
+              <a:buNone/>
+              <a:defRPr/>
+            </a:pPr>
+            <a:r>
+              <a:rPr lang="en-IN" sz="2800" dirty="0" smtClean="0"/>
+              <a:t>20. The output of a ________ circuit at any instant of time is dependent only on the present inputs as well as the past inputs/outputs.</a:t>
+            </a:r>
+            <a:endParaRPr lang="en-US" sz="2400" dirty="0" smtClean="0"/>
+          </a:p>
+          <a:p>
+            <a:pPr lvl="1">
+              <a:defRPr/>
+            </a:pPr>
+            <a:r>
+              <a:rPr lang="en-IN" sz="2400" dirty="0" smtClean="0"/>
+              <a:t>Combinational</a:t>
+            </a:r>
+            <a:endParaRPr lang="en-US" sz="2000" dirty="0" smtClean="0"/>
+          </a:p>
+          <a:p>
+            <a:pPr lvl="1">
+              <a:defRPr/>
+            </a:pPr>
+            <a:r>
+              <a:rPr lang="en-IN" sz="2400" dirty="0" smtClean="0"/>
+              <a:t>Sequential</a:t>
+            </a:r>
+            <a:endParaRPr lang="en-US" sz="2000" dirty="0" smtClean="0"/>
+          </a:p>
+          <a:p>
+            <a:pPr lvl="1">
+              <a:defRPr/>
+            </a:pPr>
+            <a:r>
+              <a:rPr lang="en-IN" sz="2400" dirty="0" smtClean="0"/>
+              <a:t>None of these</a:t>
+            </a:r>
+            <a:endParaRPr lang="en-US" sz="2000" dirty="0" smtClean="0"/>
+          </a:p>
+          <a:p>
+            <a:pPr marL="623887" indent="-514350" eaLnBrk="1" hangingPunct="1">
+              <a:buFont typeface="+mj-lt"/>
+              <a:buAutoNum type="arabicPeriod"/>
+              <a:defRPr/>
+            </a:pPr>
+            <a:endParaRPr lang="en-IN" dirty="0" smtClean="0"/>
+          </a:p>
+          <a:p>
+            <a:pPr eaLnBrk="1" hangingPunct="1">
+              <a:buFont typeface="Wingdings 3" pitchFamily="18" charset="2"/>
+              <a:buNone/>
+              <a:defRPr/>
+            </a:pPr>
+            <a:r>
+              <a:rPr lang="en-US" dirty="0" smtClean="0"/>
+              <a:t> </a:t>
+            </a:r>
+            <a:endParaRPr lang="en-IN" dirty="0" smtClean="0"/>
+          </a:p>
+          <a:p>
+            <a:pPr eaLnBrk="1" hangingPunct="1">
+              <a:buFont typeface="Wingdings 3" pitchFamily="18" charset="2"/>
+              <a:buNone/>
+              <a:defRPr/>
+            </a:pPr>
+            <a:endParaRPr lang="en-IN" dirty="0" smtClean="0"/>
+          </a:p>
+        </p:txBody>
+      </p:sp>
+      <p:sp>
+        <p:nvSpPr>
+          <p:cNvPr id="3" name="Title 2"/>
+          <p:cNvSpPr>
+            <a:spLocks noGrp="1"/>
+          </p:cNvSpPr>
+          <p:nvPr>
+            <p:ph type="title"/>
+          </p:nvPr>
+        </p:nvSpPr>
+        <p:spPr/>
+        <p:txBody>
+          <a:bodyPr/>
+          <a:lstStyle/>
+          <a:p>
+            <a:pPr eaLnBrk="1" hangingPunct="1">
+              <a:defRPr/>
+            </a:pPr>
+            <a:r>
+              <a:rPr lang="en-US" dirty="0" smtClean="0">
+                <a:solidFill>
+                  <a:srgbClr val="FF0000"/>
+                </a:solidFill>
+              </a:rPr>
+              <a:t>Analyze Yourself </a:t>
+            </a:r>
+            <a:endParaRPr lang="en-IN" dirty="0"/>
+          </a:p>
+        </p:txBody>
+      </p:sp>
+    </p:spTree>
+  </p:cSld>
+  <p:clrMapOvr>
+    <a:masterClrMapping/>
+  </p:clrMapOvr>
+</p:sld>
+</file>
+
+<file path=ppt/slides/slide24.xml><?xml version="1.0" encoding="utf-8"?>
+<p:sld xmlns:a="http://schemas.openxmlformats.org/drawingml/2006/main" xmlns:r="http://schemas.openxmlformats.org/officeDocument/2006/relationships" xmlns:p="http://schemas.openxmlformats.org/presentationml/2006/main">
+  <p:cSld>
+    <p:spTree>
+      <p:nvGrpSpPr>
+        <p:cNvPr id="1" name=""/>
+        <p:cNvGrpSpPr/>
+        <p:nvPr/>
+      </p:nvGrpSpPr>
+      <p:grpSpPr>
+        <a:xfrm>
+          <a:off x="0" y="0"/>
+          <a:ext cx="0" cy="0"/>
+          <a:chOff x="0" y="0"/>
+          <a:chExt cx="0" cy="0"/>
+        </a:xfrm>
+      </p:grpSpPr>
+      <p:sp>
+        <p:nvSpPr>
+          <p:cNvPr id="27650" name="Content Placeholder 1"/>
+          <p:cNvSpPr>
+            <a:spLocks noGrp="1"/>
+          </p:cNvSpPr>
+          <p:nvPr>
+            <p:ph idx="1"/>
+          </p:nvPr>
+        </p:nvSpPr>
+        <p:spPr>
+          <a:xfrm>
+            <a:off x="0" y="1481138"/>
+            <a:ext cx="9144000" cy="5072062"/>
+          </a:xfrm>
+        </p:spPr>
+        <p:txBody>
+          <a:bodyPr/>
+          <a:lstStyle/>
+          <a:p>
+            <a:pPr>
+              <a:buFont typeface="Wingdings 3" pitchFamily="18" charset="2"/>
+              <a:buNone/>
+              <a:defRPr/>
+            </a:pPr>
+            <a:r>
+              <a:rPr lang="en-IN" sz="2800" dirty="0" smtClean="0"/>
+              <a:t>21. Sequential circuit contains ______.</a:t>
+            </a:r>
+            <a:endParaRPr lang="en-US" sz="2400" dirty="0" smtClean="0"/>
+          </a:p>
+          <a:p>
+            <a:pPr lvl="1">
+              <a:defRPr/>
+            </a:pPr>
+            <a:r>
+              <a:rPr lang="en-IN" sz="2400" dirty="0" smtClean="0"/>
+              <a:t>No memory element</a:t>
+            </a:r>
+            <a:endParaRPr lang="en-US" sz="2000" dirty="0" smtClean="0"/>
+          </a:p>
+          <a:p>
+            <a:pPr lvl="1">
+              <a:defRPr/>
+            </a:pPr>
+            <a:r>
+              <a:rPr lang="en-IN" sz="2400" dirty="0" smtClean="0"/>
+              <a:t>At least one memory element</a:t>
+            </a:r>
+            <a:endParaRPr lang="en-US" sz="2000" dirty="0" smtClean="0"/>
+          </a:p>
+          <a:p>
+            <a:pPr lvl="1">
+              <a:defRPr/>
+            </a:pPr>
+            <a:r>
+              <a:rPr lang="en-IN" sz="2400" dirty="0" smtClean="0"/>
+              <a:t>All inputs applied simultaneously</a:t>
+            </a:r>
+            <a:endParaRPr lang="en-US" sz="2000" dirty="0" smtClean="0"/>
+          </a:p>
+          <a:p>
+            <a:pPr>
+              <a:buFont typeface="Wingdings 3" pitchFamily="18" charset="2"/>
+              <a:buNone/>
+              <a:defRPr/>
+            </a:pPr>
+            <a:r>
+              <a:rPr lang="en-IN" sz="2800" dirty="0" smtClean="0"/>
+              <a:t>22. The _______ circuits do not contain any memory element.</a:t>
+            </a:r>
+            <a:endParaRPr lang="en-US" sz="2400" dirty="0" smtClean="0"/>
+          </a:p>
+          <a:p>
+            <a:pPr lvl="1">
+              <a:defRPr/>
+            </a:pPr>
+            <a:r>
+              <a:rPr lang="en-IN" sz="2400" dirty="0" smtClean="0"/>
+              <a:t>Combinational</a:t>
+            </a:r>
+            <a:endParaRPr lang="en-US" sz="2000" dirty="0" smtClean="0"/>
+          </a:p>
+          <a:p>
+            <a:pPr lvl="1">
+              <a:defRPr/>
+            </a:pPr>
+            <a:r>
+              <a:rPr lang="en-IN" sz="2400" dirty="0" smtClean="0"/>
+              <a:t>Sequential</a:t>
+            </a:r>
+            <a:endParaRPr lang="en-US" sz="2000" dirty="0" smtClean="0"/>
+          </a:p>
+          <a:p>
+            <a:pPr lvl="1">
+              <a:defRPr/>
+            </a:pPr>
+            <a:r>
+              <a:rPr lang="en-IN" sz="2400" dirty="0" smtClean="0"/>
+              <a:t>None of these</a:t>
+            </a:r>
+            <a:endParaRPr lang="en-US" sz="2000" dirty="0" smtClean="0"/>
+          </a:p>
+          <a:p>
+            <a:pPr marL="623887" indent="-514350" eaLnBrk="1" hangingPunct="1">
+              <a:buFont typeface="+mj-lt"/>
+              <a:buAutoNum type="arabicPeriod"/>
+              <a:defRPr/>
+            </a:pPr>
+            <a:endParaRPr lang="en-IN" dirty="0" smtClean="0"/>
+          </a:p>
+          <a:p>
+            <a:pPr eaLnBrk="1" hangingPunct="1">
+              <a:buFont typeface="Wingdings 3" pitchFamily="18" charset="2"/>
+              <a:buNone/>
+              <a:defRPr/>
+            </a:pPr>
+            <a:r>
+              <a:rPr lang="en-US" dirty="0" smtClean="0"/>
+              <a:t> </a:t>
+            </a:r>
+            <a:endParaRPr lang="en-IN" dirty="0" smtClean="0"/>
+          </a:p>
+          <a:p>
+            <a:pPr eaLnBrk="1" hangingPunct="1">
+              <a:buFont typeface="Wingdings 3" pitchFamily="18" charset="2"/>
+              <a:buNone/>
+              <a:defRPr/>
+            </a:pPr>
+            <a:endParaRPr lang="en-IN" dirty="0" smtClean="0"/>
+          </a:p>
+        </p:txBody>
+      </p:sp>
+      <p:sp>
+        <p:nvSpPr>
+          <p:cNvPr id="3" name="Title 2"/>
+          <p:cNvSpPr>
+            <a:spLocks noGrp="1"/>
+          </p:cNvSpPr>
+          <p:nvPr>
+            <p:ph type="title"/>
+          </p:nvPr>
+        </p:nvSpPr>
+        <p:spPr/>
+        <p:txBody>
+          <a:bodyPr/>
+          <a:lstStyle/>
+          <a:p>
+            <a:pPr eaLnBrk="1" hangingPunct="1">
+              <a:defRPr/>
+            </a:pPr>
+            <a:r>
+              <a:rPr lang="en-US" dirty="0" smtClean="0">
+                <a:solidFill>
+                  <a:srgbClr val="FF0000"/>
+                </a:solidFill>
+              </a:rPr>
+              <a:t>Analyze Yourself </a:t>
+            </a:r>
+            <a:endParaRPr lang="en-IN" dirty="0"/>
+          </a:p>
+        </p:txBody>
+      </p:sp>
+    </p:spTree>
+  </p:cSld>
+  <p:clrMapOvr>
+    <a:masterClrMapping/>
+  </p:clrMapOvr>
+</p:sld>
+</file>
+
+<file path=ppt/slides/slide25.xml><?xml version="1.0" encoding="utf-8"?>
+<p:sld xmlns:a="http://schemas.openxmlformats.org/drawingml/2006/main" xmlns:r="http://schemas.openxmlformats.org/officeDocument/2006/relationships" xmlns:p="http://schemas.openxmlformats.org/presentationml/2006/main">
+  <p:cSld>
+    <p:spTree>
+      <p:nvGrpSpPr>
+        <p:cNvPr id="1" name=""/>
+        <p:cNvGrpSpPr/>
+        <p:nvPr/>
+      </p:nvGrpSpPr>
+      <p:grpSpPr>
+        <a:xfrm>
+          <a:off x="0" y="0"/>
+          <a:ext cx="0" cy="0"/>
+          <a:chOff x="0" y="0"/>
+          <a:chExt cx="0" cy="0"/>
+        </a:xfrm>
+      </p:grpSpPr>
+      <p:sp>
+        <p:nvSpPr>
+          <p:cNvPr id="27650" name="Content Placeholder 1"/>
+          <p:cNvSpPr>
+            <a:spLocks noGrp="1"/>
+          </p:cNvSpPr>
+          <p:nvPr>
+            <p:ph idx="1"/>
+          </p:nvPr>
+        </p:nvSpPr>
+        <p:spPr>
+          <a:xfrm>
+            <a:off x="0" y="1481138"/>
+            <a:ext cx="9144000" cy="5072062"/>
+          </a:xfrm>
+        </p:spPr>
+        <p:txBody>
+          <a:bodyPr/>
+          <a:lstStyle/>
+          <a:p>
+            <a:pPr>
+              <a:buFont typeface="Wingdings 3" pitchFamily="18" charset="2"/>
+              <a:buNone/>
+              <a:defRPr/>
+            </a:pPr>
+            <a:r>
+              <a:rPr lang="en-IN" sz="2800" dirty="0" smtClean="0"/>
+              <a:t>23. The result of binary addition 1+1 is _______.</a:t>
+            </a:r>
+            <a:endParaRPr lang="en-US" sz="2400" dirty="0" smtClean="0"/>
+          </a:p>
+          <a:p>
+            <a:pPr lvl="1">
+              <a:defRPr/>
+            </a:pPr>
+            <a:r>
+              <a:rPr lang="en-IN" sz="2400" dirty="0" smtClean="0"/>
+              <a:t>Carry 0, sum 0</a:t>
+            </a:r>
+            <a:endParaRPr lang="en-US" sz="2000" dirty="0" smtClean="0"/>
+          </a:p>
+          <a:p>
+            <a:pPr lvl="1">
+              <a:defRPr/>
+            </a:pPr>
+            <a:r>
+              <a:rPr lang="en-IN" sz="2400" dirty="0" smtClean="0"/>
+              <a:t>Carry 0, sum 1</a:t>
+            </a:r>
+            <a:endParaRPr lang="en-US" sz="2000" dirty="0" smtClean="0"/>
+          </a:p>
+          <a:p>
+            <a:pPr lvl="1">
+              <a:defRPr/>
+            </a:pPr>
+            <a:r>
+              <a:rPr lang="en-IN" sz="2400" dirty="0" smtClean="0"/>
+              <a:t>Carry 1, sum 0</a:t>
+            </a:r>
+            <a:endParaRPr lang="en-US" sz="2000" dirty="0" smtClean="0"/>
+          </a:p>
+          <a:p>
+            <a:pPr lvl="1">
+              <a:defRPr/>
+            </a:pPr>
+            <a:r>
+              <a:rPr lang="en-IN" sz="2400" dirty="0" smtClean="0"/>
+              <a:t>Carry 1, sum1</a:t>
+            </a:r>
+            <a:endParaRPr lang="en-US" sz="2000" dirty="0" smtClean="0"/>
+          </a:p>
+          <a:p>
+            <a:pPr>
+              <a:buFont typeface="Wingdings 3" pitchFamily="18" charset="2"/>
+              <a:buNone/>
+              <a:defRPr/>
+            </a:pPr>
+            <a:r>
+              <a:rPr lang="en-IN" sz="2800" dirty="0" smtClean="0"/>
+              <a:t>24. The result of binary addition 1+1+1 is ______.</a:t>
+            </a:r>
+            <a:endParaRPr lang="en-US" sz="2400" dirty="0" smtClean="0"/>
+          </a:p>
+          <a:p>
+            <a:pPr lvl="1">
+              <a:defRPr/>
+            </a:pPr>
+            <a:r>
+              <a:rPr lang="en-IN" sz="2400" dirty="0" smtClean="0"/>
+              <a:t>Carry 0, sum 0</a:t>
+            </a:r>
+            <a:endParaRPr lang="en-US" sz="2000" dirty="0" smtClean="0"/>
+          </a:p>
+          <a:p>
+            <a:pPr lvl="1">
+              <a:defRPr/>
+            </a:pPr>
+            <a:r>
+              <a:rPr lang="en-IN" sz="2400" dirty="0" smtClean="0"/>
+              <a:t>Carry 0, sum 1</a:t>
+            </a:r>
+            <a:endParaRPr lang="en-US" sz="2000" dirty="0" smtClean="0"/>
+          </a:p>
+          <a:p>
+            <a:pPr lvl="1">
+              <a:defRPr/>
+            </a:pPr>
+            <a:r>
+              <a:rPr lang="en-IN" sz="2400" dirty="0" smtClean="0"/>
+              <a:t>Carry 1, sum 0</a:t>
+            </a:r>
+            <a:endParaRPr lang="en-US" sz="2000" dirty="0" smtClean="0"/>
+          </a:p>
+          <a:p>
+            <a:pPr lvl="1">
+              <a:defRPr/>
+            </a:pPr>
+            <a:r>
+              <a:rPr lang="en-IN" sz="2400" dirty="0" smtClean="0"/>
+              <a:t>Carry 1, sum1</a:t>
+            </a:r>
+            <a:endParaRPr lang="en-US" sz="2000" dirty="0" smtClean="0"/>
+          </a:p>
+          <a:p>
+            <a:pPr marL="623887" indent="-514350" eaLnBrk="1" hangingPunct="1">
+              <a:buFont typeface="+mj-lt"/>
+              <a:buAutoNum type="arabicPeriod"/>
+              <a:defRPr/>
+            </a:pPr>
+            <a:endParaRPr lang="en-IN" dirty="0" smtClean="0"/>
+          </a:p>
+          <a:p>
+            <a:pPr eaLnBrk="1" hangingPunct="1">
+              <a:buFont typeface="Wingdings 3" pitchFamily="18" charset="2"/>
+              <a:buNone/>
+              <a:defRPr/>
+            </a:pPr>
+            <a:r>
+              <a:rPr lang="en-US" dirty="0" smtClean="0"/>
+              <a:t> </a:t>
+            </a:r>
+            <a:endParaRPr lang="en-IN" dirty="0" smtClean="0"/>
+          </a:p>
+          <a:p>
+            <a:pPr eaLnBrk="1" hangingPunct="1">
+              <a:buFont typeface="Wingdings 3" pitchFamily="18" charset="2"/>
+              <a:buNone/>
+              <a:defRPr/>
+            </a:pPr>
+            <a:endParaRPr lang="en-IN" dirty="0" smtClean="0"/>
+          </a:p>
+        </p:txBody>
+      </p:sp>
+      <p:sp>
+        <p:nvSpPr>
+          <p:cNvPr id="3" name="Title 2"/>
+          <p:cNvSpPr>
+            <a:spLocks noGrp="1"/>
+          </p:cNvSpPr>
+          <p:nvPr>
+            <p:ph type="title"/>
+          </p:nvPr>
+        </p:nvSpPr>
+        <p:spPr/>
+        <p:txBody>
+          <a:bodyPr/>
+          <a:lstStyle/>
+          <a:p>
+            <a:pPr eaLnBrk="1" hangingPunct="1">
+              <a:defRPr/>
+            </a:pPr>
+            <a:r>
+              <a:rPr lang="en-US" dirty="0" smtClean="0">
+                <a:solidFill>
+                  <a:srgbClr val="FF0000"/>
+                </a:solidFill>
+              </a:rPr>
+              <a:t>Analyze Yourself </a:t>
+            </a:r>
+            <a:endParaRPr lang="en-IN" dirty="0"/>
+          </a:p>
+        </p:txBody>
+      </p:sp>
+    </p:spTree>
+  </p:cSld>
+  <p:clrMapOvr>
+    <a:masterClrMapping/>
+  </p:clrMapOvr>
+</p:sld>
+</file>
+
+<file path=ppt/slides/slide3.xml><?xml version="1.0" encoding="utf-8"?>
+<p:sld xmlns:a="http://schemas.openxmlformats.org/drawingml/2006/main" xmlns:r="http://schemas.openxmlformats.org/officeDocument/2006/relationships" xmlns:p="http://schemas.openxmlformats.org/presentationml/2006/main">
+  <p:cSld>
+    <p:spTree>
+      <p:nvGrpSpPr>
+        <p:cNvPr id="1" name=""/>
+        <p:cNvGrpSpPr/>
+        <p:nvPr/>
+      </p:nvGrpSpPr>
+      <p:grpSpPr>
+        <a:xfrm>
+          <a:off x="0" y="0"/>
+          <a:ext cx="0" cy="0"/>
+          <a:chOff x="0" y="0"/>
+          <a:chExt cx="0" cy="0"/>
+        </a:xfrm>
+      </p:grpSpPr>
+      <p:pic>
+        <p:nvPicPr>
+          <p:cNvPr id="12290" name="Picture 2" descr="http://www.ee.surrey.ac.uk/Projects/CAL/digital-logic/gatesfunc/graphics/symtab.gif"/>
+          <p:cNvPicPr>
+            <a:picLocks noGrp="1" noChangeAspect="1" noChangeArrowheads="1"/>
+          </p:cNvPicPr>
+          <p:nvPr>
+            <p:ph idx="1"/>
+          </p:nvPr>
+        </p:nvPicPr>
+        <p:blipFill>
+          <a:blip r:embed="rId2"/>
+          <a:srcRect/>
+          <a:stretch>
+            <a:fillRect/>
+          </a:stretch>
+        </p:blipFill>
+        <p:spPr>
+          <a:xfrm>
+            <a:off x="762000" y="1600200"/>
+            <a:ext cx="7696200" cy="4419600"/>
+          </a:xfrm>
+        </p:spPr>
+      </p:pic>
+      <p:sp>
+        <p:nvSpPr>
+          <p:cNvPr id="3" name="Title 2"/>
+          <p:cNvSpPr>
+            <a:spLocks noGrp="1"/>
+          </p:cNvSpPr>
+          <p:nvPr>
+            <p:ph type="title"/>
+          </p:nvPr>
+        </p:nvSpPr>
+        <p:spPr/>
+        <p:txBody>
+          <a:bodyPr/>
+          <a:lstStyle/>
+          <a:p>
+            <a:pPr eaLnBrk="1" fontAlgn="auto" hangingPunct="1">
+              <a:spcAft>
+                <a:spcPts val="0"/>
+              </a:spcAft>
+              <a:defRPr/>
+            </a:pPr>
+            <a:r>
+              <a:rPr lang="en-US" dirty="0" smtClean="0">
+                <a:solidFill>
+                  <a:srgbClr val="FF0000"/>
+                </a:solidFill>
+              </a:rPr>
+              <a:t>Logic Gates</a:t>
+            </a:r>
+            <a:endParaRPr lang="en-US" dirty="0">
+              <a:solidFill>
+                <a:srgbClr val="FF0000"/>
+              </a:solidFill>
+            </a:endParaRPr>
+          </a:p>
+        </p:txBody>
+      </p:sp>
+    </p:spTree>
+  </p:cSld>
+  <p:clrMapOvr>
+    <a:masterClrMapping/>
+  </p:clrMapOvr>
+  <p:timing>
+    <p:tnLst>
+      <p:par>
+        <p:cTn id="1" dur="indefinite" restart="never" nodeType="tmRoot"/>
+      </p:par>
+    </p:tnLst>
+  </p:timing>
+</p:sld>
+</file>
+
+<file path=ppt/slides/slide4.xml><?xml version="1.0" encoding="utf-8"?>
+<p:sld xmlns:a="http://schemas.openxmlformats.org/drawingml/2006/main" xmlns:r="http://schemas.openxmlformats.org/officeDocument/2006/relationships" xmlns:p="http://schemas.openxmlformats.org/presentationml/2006/main">
+  <p:cSld>
+    <p:spTree>
+      <p:nvGrpSpPr>
+        <p:cNvPr id="1" name=""/>
+        <p:cNvGrpSpPr/>
+        <p:nvPr/>
+      </p:nvGrpSpPr>
+      <p:grpSpPr>
+        <a:xfrm>
+          <a:off x="0" y="0"/>
+          <a:ext cx="0" cy="0"/>
+          <a:chOff x="0" y="0"/>
+          <a:chExt cx="0" cy="0"/>
+        </a:xfrm>
+      </p:grpSpPr>
+      <p:sp>
+        <p:nvSpPr>
+          <p:cNvPr id="13314" name="Content Placeholder 3"/>
+          <p:cNvSpPr>
+            <a:spLocks noGrp="1"/>
+          </p:cNvSpPr>
+          <p:nvPr>
+            <p:ph idx="1"/>
+          </p:nvPr>
+        </p:nvSpPr>
+        <p:spPr/>
+        <p:txBody>
+          <a:bodyPr/>
+          <a:lstStyle/>
+          <a:p>
+            <a:pPr eaLnBrk="1" hangingPunct="1"/>
+            <a:r>
+              <a:rPr lang="en-US" smtClean="0">
+                <a:latin typeface="Times New Roman" pitchFamily="18" charset="0"/>
+                <a:cs typeface="Times New Roman" pitchFamily="18" charset="0"/>
+              </a:rPr>
+              <a:t>The NAND and NOR gates are known as universal gates, because any logic function can be implemented using NAND or NOR gates</a:t>
+            </a:r>
+          </a:p>
+        </p:txBody>
+      </p:sp>
+      <p:sp>
+        <p:nvSpPr>
+          <p:cNvPr id="3" name="Title 2"/>
+          <p:cNvSpPr>
+            <a:spLocks noGrp="1"/>
+          </p:cNvSpPr>
+          <p:nvPr>
+            <p:ph type="title"/>
+          </p:nvPr>
+        </p:nvSpPr>
+        <p:spPr/>
+        <p:txBody>
+          <a:bodyPr/>
+          <a:lstStyle/>
+          <a:p>
+            <a:pPr eaLnBrk="1" fontAlgn="auto" hangingPunct="1">
+              <a:spcAft>
+                <a:spcPts val="0"/>
+              </a:spcAft>
+              <a:defRPr/>
+            </a:pPr>
+            <a:r>
+              <a:rPr lang="en-US" dirty="0" smtClean="0">
+                <a:solidFill>
+                  <a:srgbClr val="FF0000"/>
+                </a:solidFill>
+                <a:latin typeface="Times New Roman" pitchFamily="18" charset="0"/>
+                <a:cs typeface="Times New Roman" pitchFamily="18" charset="0"/>
+              </a:rPr>
+              <a:t>Universal Gates</a:t>
+            </a:r>
+            <a:endParaRPr lang="en-US" dirty="0">
+              <a:solidFill>
+                <a:srgbClr val="FF0000"/>
+              </a:solidFill>
+              <a:latin typeface="Times New Roman" pitchFamily="18" charset="0"/>
+              <a:cs typeface="Times New Roman" pitchFamily="18" charset="0"/>
+            </a:endParaRPr>
+          </a:p>
+        </p:txBody>
+      </p:sp>
+    </p:spTree>
+  </p:cSld>
+  <p:clrMapOvr>
+    <a:masterClrMapping/>
+  </p:clrMapOvr>
+  <p:timing>
+    <p:tnLst>
+      <p:par>
+        <p:cTn id="1" dur="indefinite" restart="never" nodeType="tmRoot"/>
+      </p:par>
+    </p:tnLst>
+  </p:timing>
+</p:sld>
+</file>
+
+<file path=ppt/slides/slide5.xml><?xml version="1.0" encoding="utf-8"?>
+<p:sld xmlns:a="http://schemas.openxmlformats.org/drawingml/2006/main" xmlns:r="http://schemas.openxmlformats.org/officeDocument/2006/relationships" xmlns:p="http://schemas.openxmlformats.org/presentationml/2006/main">
+  <p:cSld>
+    <p:spTree>
+      <p:nvGrpSpPr>
+        <p:cNvPr id="1" name=""/>
+        <p:cNvGrpSpPr/>
+        <p:nvPr/>
+      </p:nvGrpSpPr>
+      <p:grpSpPr>
+        <a:xfrm>
+          <a:off x="0" y="0"/>
+          <a:ext cx="0" cy="0"/>
+          <a:chOff x="0" y="0"/>
+          <a:chExt cx="0" cy="0"/>
+        </a:xfrm>
+      </p:grpSpPr>
+      <p:sp>
+        <p:nvSpPr>
+          <p:cNvPr id="27650" name="Content Placeholder 1"/>
+          <p:cNvSpPr>
+            <a:spLocks noGrp="1"/>
+          </p:cNvSpPr>
+          <p:nvPr>
+            <p:ph idx="1"/>
+          </p:nvPr>
+        </p:nvSpPr>
+        <p:spPr/>
+        <p:txBody>
+          <a:bodyPr>
+            <a:normAutofit fontScale="85000" lnSpcReduction="10000"/>
+          </a:bodyPr>
+          <a:lstStyle/>
+          <a:p>
+            <a:pPr marL="623887" indent="-514350">
+              <a:buFont typeface="+mj-lt"/>
+              <a:buAutoNum type="arabicPeriod"/>
+              <a:defRPr/>
+            </a:pPr>
+            <a:r>
+              <a:rPr lang="en-IN" sz="2800" dirty="0" smtClean="0"/>
+              <a:t>The logical inversion or complement is presented by the______ operator.</a:t>
+            </a:r>
+            <a:endParaRPr lang="en-US" sz="2400" dirty="0" smtClean="0"/>
+          </a:p>
+          <a:p>
+            <a:pPr marL="849313" lvl="1" indent="-457200">
+              <a:buFont typeface="+mj-lt"/>
+              <a:buAutoNum type="alphaLcParenR"/>
+              <a:defRPr/>
+            </a:pPr>
+            <a:r>
+              <a:rPr lang="en-IN" sz="2400" dirty="0" smtClean="0"/>
+              <a:t>NOT</a:t>
+            </a:r>
+            <a:endParaRPr lang="en-US" sz="2000" dirty="0" smtClean="0"/>
+          </a:p>
+          <a:p>
+            <a:pPr marL="849313" lvl="1" indent="-457200">
+              <a:buFont typeface="+mj-lt"/>
+              <a:buAutoNum type="alphaLcParenR"/>
+              <a:defRPr/>
+            </a:pPr>
+            <a:r>
+              <a:rPr lang="en-IN" sz="2400" dirty="0" smtClean="0"/>
+              <a:t>NAND</a:t>
+            </a:r>
+            <a:endParaRPr lang="en-US" sz="2000" dirty="0" smtClean="0"/>
+          </a:p>
+          <a:p>
+            <a:pPr marL="849313" lvl="1" indent="-457200">
+              <a:buFont typeface="+mj-lt"/>
+              <a:buAutoNum type="alphaLcParenR"/>
+              <a:defRPr/>
+            </a:pPr>
+            <a:r>
+              <a:rPr lang="en-IN" sz="2400" dirty="0" smtClean="0"/>
+              <a:t>NOR</a:t>
+            </a:r>
+            <a:endParaRPr lang="en-US" sz="2000" dirty="0" smtClean="0"/>
+          </a:p>
+          <a:p>
+            <a:pPr marL="849313" lvl="1" indent="-457200">
+              <a:buFont typeface="+mj-lt"/>
+              <a:buAutoNum type="alphaLcParenR"/>
+              <a:defRPr/>
+            </a:pPr>
+            <a:r>
+              <a:rPr lang="en-IN" sz="2400" dirty="0" smtClean="0"/>
+              <a:t>AND</a:t>
+            </a:r>
+            <a:endParaRPr lang="en-US" sz="2000" dirty="0" smtClean="0"/>
+          </a:p>
+          <a:p>
+            <a:pPr marL="623887" indent="-514350">
+              <a:buFont typeface="+mj-lt"/>
+              <a:buAutoNum type="arabicPeriod"/>
+              <a:defRPr/>
+            </a:pPr>
+            <a:r>
+              <a:rPr lang="en-IN" sz="2800" dirty="0" smtClean="0"/>
+              <a:t>The logical addition is presented by the _____ operator.</a:t>
+            </a:r>
+            <a:endParaRPr lang="en-US" sz="2400" dirty="0" smtClean="0"/>
+          </a:p>
+          <a:p>
+            <a:pPr marL="849313" lvl="1" indent="-457200">
+              <a:buFont typeface="+mj-lt"/>
+              <a:buAutoNum type="alphaLcParenR"/>
+              <a:defRPr/>
+            </a:pPr>
+            <a:r>
+              <a:rPr lang="en-IN" sz="2400" dirty="0" smtClean="0"/>
+              <a:t>AND</a:t>
+            </a:r>
+            <a:endParaRPr lang="en-US" sz="2000" dirty="0" smtClean="0"/>
+          </a:p>
+          <a:p>
+            <a:pPr marL="849313" lvl="1" indent="-457200">
+              <a:buFont typeface="+mj-lt"/>
+              <a:buAutoNum type="alphaLcParenR"/>
+              <a:defRPr/>
+            </a:pPr>
+            <a:r>
+              <a:rPr lang="en-IN" sz="2400" dirty="0" smtClean="0"/>
+              <a:t>OR  </a:t>
+            </a:r>
+            <a:endParaRPr lang="en-US" sz="2000" dirty="0" smtClean="0"/>
+          </a:p>
+          <a:p>
+            <a:pPr marL="849313" lvl="1" indent="-457200">
+              <a:buFont typeface="+mj-lt"/>
+              <a:buAutoNum type="alphaLcParenR"/>
+              <a:defRPr/>
+            </a:pPr>
+            <a:r>
+              <a:rPr lang="en-IN" sz="2400" dirty="0" smtClean="0"/>
+              <a:t>NAND</a:t>
+            </a:r>
+            <a:endParaRPr lang="en-US" sz="2000" dirty="0" smtClean="0"/>
+          </a:p>
+          <a:p>
+            <a:pPr marL="623887" indent="-514350" eaLnBrk="1" hangingPunct="1">
+              <a:buFont typeface="+mj-lt"/>
+              <a:buAutoNum type="arabicPeriod"/>
+              <a:defRPr/>
+            </a:pPr>
+            <a:endParaRPr lang="en-IN" dirty="0" smtClean="0"/>
+          </a:p>
+          <a:p>
+            <a:pPr eaLnBrk="1" hangingPunct="1">
+              <a:buFont typeface="Wingdings 3" pitchFamily="18" charset="2"/>
+              <a:buNone/>
+              <a:defRPr/>
+            </a:pPr>
+            <a:r>
+              <a:rPr lang="en-US" dirty="0" smtClean="0"/>
+              <a:t> </a:t>
+            </a:r>
+            <a:endParaRPr lang="en-IN" dirty="0" smtClean="0"/>
+          </a:p>
+          <a:p>
+            <a:pPr eaLnBrk="1" hangingPunct="1">
+              <a:buFont typeface="Wingdings 3" pitchFamily="18" charset="2"/>
+              <a:buNone/>
+              <a:defRPr/>
+            </a:pPr>
+            <a:endParaRPr lang="en-IN" dirty="0" smtClean="0"/>
+          </a:p>
+        </p:txBody>
+      </p:sp>
+      <p:sp>
+        <p:nvSpPr>
+          <p:cNvPr id="3" name="Title 2"/>
+          <p:cNvSpPr>
+            <a:spLocks noGrp="1"/>
+          </p:cNvSpPr>
+          <p:nvPr>
+            <p:ph type="title"/>
+          </p:nvPr>
+        </p:nvSpPr>
+        <p:spPr/>
+        <p:txBody>
+          <a:bodyPr/>
+          <a:lstStyle/>
+          <a:p>
+            <a:pPr eaLnBrk="1" hangingPunct="1">
+              <a:defRPr/>
+            </a:pPr>
+            <a:r>
+              <a:rPr lang="en-US" dirty="0" smtClean="0">
+                <a:solidFill>
+                  <a:srgbClr val="FF0000"/>
+                </a:solidFill>
+              </a:rPr>
+              <a:t>Analyze Yourself </a:t>
+            </a:r>
+            <a:endParaRPr lang="en-IN" dirty="0"/>
+          </a:p>
+        </p:txBody>
+      </p:sp>
+    </p:spTree>
+  </p:cSld>
+  <p:clrMapOvr>
+    <a:masterClrMapping/>
+  </p:clrMapOvr>
+</p:sld>
+</file>
+
+<file path=ppt/slides/slide6.xml><?xml version="1.0" encoding="utf-8"?>
+<p:sld xmlns:a="http://schemas.openxmlformats.org/drawingml/2006/main" xmlns:r="http://schemas.openxmlformats.org/officeDocument/2006/relationships" xmlns:p="http://schemas.openxmlformats.org/presentationml/2006/main">
+  <p:cSld>
+    <p:spTree>
+      <p:nvGrpSpPr>
+        <p:cNvPr id="1" name=""/>
+        <p:cNvGrpSpPr/>
+        <p:nvPr/>
+      </p:nvGrpSpPr>
+      <p:grpSpPr>
+        <a:xfrm>
+          <a:off x="0" y="0"/>
+          <a:ext cx="0" cy="0"/>
+          <a:chOff x="0" y="0"/>
+          <a:chExt cx="0" cy="0"/>
+        </a:xfrm>
+      </p:grpSpPr>
+      <p:sp>
+        <p:nvSpPr>
+          <p:cNvPr id="27650" name="Content Placeholder 1"/>
+          <p:cNvSpPr>
+            <a:spLocks noGrp="1"/>
+          </p:cNvSpPr>
+          <p:nvPr>
+            <p:ph idx="1"/>
+          </p:nvPr>
+        </p:nvSpPr>
+        <p:spPr/>
+        <p:txBody>
+          <a:bodyPr>
+            <a:normAutofit fontScale="92500" lnSpcReduction="10000"/>
+          </a:bodyPr>
+          <a:lstStyle/>
+          <a:p>
+            <a:pPr marL="623887" indent="-514350">
+              <a:buFont typeface="Wingdings 3" pitchFamily="18" charset="2"/>
+              <a:buNone/>
+              <a:defRPr/>
+            </a:pPr>
+            <a:r>
+              <a:rPr lang="en-IN" sz="2800" dirty="0" smtClean="0"/>
+              <a:t>3. The logical _____ is presented by the “AND” operator.</a:t>
+            </a:r>
+            <a:endParaRPr lang="en-US" sz="2400" dirty="0" smtClean="0"/>
+          </a:p>
+          <a:p>
+            <a:pPr marL="849313" lvl="1" indent="-457200">
+              <a:buFont typeface="+mj-lt"/>
+              <a:buAutoNum type="alphaLcParenR"/>
+              <a:defRPr/>
+            </a:pPr>
+            <a:r>
+              <a:rPr lang="en-IN" sz="2400" dirty="0" smtClean="0"/>
+              <a:t>Multiplication </a:t>
+            </a:r>
+            <a:endParaRPr lang="en-US" sz="2000" dirty="0" smtClean="0"/>
+          </a:p>
+          <a:p>
+            <a:pPr marL="849313" lvl="1" indent="-457200">
+              <a:buFont typeface="+mj-lt"/>
+              <a:buAutoNum type="alphaLcParenR"/>
+              <a:defRPr/>
+            </a:pPr>
+            <a:r>
+              <a:rPr lang="en-IN" sz="2400" dirty="0" smtClean="0"/>
+              <a:t>Addition</a:t>
+            </a:r>
+            <a:endParaRPr lang="en-US" sz="2000" dirty="0" smtClean="0"/>
+          </a:p>
+          <a:p>
+            <a:pPr marL="849313" lvl="1" indent="-457200">
+              <a:buFont typeface="+mj-lt"/>
+              <a:buAutoNum type="alphaLcParenR"/>
+              <a:defRPr/>
+            </a:pPr>
+            <a:r>
+              <a:rPr lang="en-IN" sz="2400" dirty="0" smtClean="0"/>
+              <a:t>Subtraction</a:t>
+            </a:r>
+            <a:endParaRPr lang="en-US" sz="2000" dirty="0" smtClean="0"/>
+          </a:p>
+          <a:p>
+            <a:pPr marL="566737" indent="-457200">
+              <a:buFont typeface="+mj-lt"/>
+              <a:buAutoNum type="arabicPeriod"/>
+              <a:defRPr/>
+            </a:pPr>
+            <a:endParaRPr lang="en-US" sz="2400" dirty="0" smtClean="0"/>
+          </a:p>
+          <a:p>
+            <a:pPr marL="623887" indent="-514350">
+              <a:buFont typeface="Wingdings 3" pitchFamily="18" charset="2"/>
+              <a:buNone/>
+              <a:defRPr/>
+            </a:pPr>
+            <a:r>
+              <a:rPr lang="en-IN" sz="2800" dirty="0" smtClean="0"/>
+              <a:t>4. The output of OR gate is zero when ________.</a:t>
+            </a:r>
+            <a:endParaRPr lang="en-US" sz="2400" dirty="0" smtClean="0"/>
+          </a:p>
+          <a:p>
+            <a:pPr marL="849313" lvl="1" indent="-457200">
+              <a:buFont typeface="+mj-lt"/>
+              <a:buAutoNum type="alphaLcParenR"/>
+              <a:defRPr/>
+            </a:pPr>
+            <a:r>
+              <a:rPr lang="en-IN" sz="2400" dirty="0" smtClean="0"/>
+              <a:t>Any one input is logic 1</a:t>
+            </a:r>
+            <a:endParaRPr lang="en-US" sz="2000" dirty="0" smtClean="0"/>
+          </a:p>
+          <a:p>
+            <a:pPr marL="849313" lvl="1" indent="-457200">
+              <a:buFont typeface="+mj-lt"/>
+              <a:buAutoNum type="alphaLcParenR"/>
+              <a:defRPr/>
+            </a:pPr>
+            <a:r>
+              <a:rPr lang="en-IN" sz="2400" dirty="0" smtClean="0"/>
+              <a:t>Two inputs are logic 1</a:t>
+            </a:r>
+            <a:endParaRPr lang="en-US" sz="2000" dirty="0" smtClean="0"/>
+          </a:p>
+          <a:p>
+            <a:pPr marL="849313" lvl="1" indent="-457200">
+              <a:buFont typeface="+mj-lt"/>
+              <a:buAutoNum type="alphaLcParenR"/>
+              <a:defRPr/>
+            </a:pPr>
+            <a:r>
+              <a:rPr lang="en-IN" sz="2400" dirty="0" smtClean="0"/>
+              <a:t>All inputs are logic 0</a:t>
+            </a:r>
+            <a:endParaRPr lang="en-US" sz="2000" dirty="0" smtClean="0"/>
+          </a:p>
+          <a:p>
+            <a:pPr marL="623887" indent="-514350" eaLnBrk="1" hangingPunct="1">
+              <a:buFont typeface="+mj-lt"/>
+              <a:buAutoNum type="arabicPeriod"/>
+              <a:defRPr/>
+            </a:pPr>
+            <a:endParaRPr lang="en-IN" dirty="0" smtClean="0"/>
+          </a:p>
+          <a:p>
+            <a:pPr eaLnBrk="1" hangingPunct="1">
+              <a:buFont typeface="Wingdings 3" pitchFamily="18" charset="2"/>
+              <a:buNone/>
+              <a:defRPr/>
+            </a:pPr>
+            <a:r>
+              <a:rPr lang="en-US" dirty="0" smtClean="0"/>
+              <a:t> </a:t>
+            </a:r>
+            <a:endParaRPr lang="en-IN" dirty="0" smtClean="0"/>
+          </a:p>
+          <a:p>
+            <a:pPr eaLnBrk="1" hangingPunct="1">
+              <a:buFont typeface="Wingdings 3" pitchFamily="18" charset="2"/>
+              <a:buNone/>
+              <a:defRPr/>
+            </a:pPr>
+            <a:endParaRPr lang="en-IN" dirty="0" smtClean="0"/>
+          </a:p>
+        </p:txBody>
+      </p:sp>
+      <p:sp>
+        <p:nvSpPr>
+          <p:cNvPr id="3" name="Title 2"/>
+          <p:cNvSpPr>
+            <a:spLocks noGrp="1"/>
+          </p:cNvSpPr>
+          <p:nvPr>
+            <p:ph type="title"/>
+          </p:nvPr>
+        </p:nvSpPr>
+        <p:spPr/>
+        <p:txBody>
+          <a:bodyPr/>
+          <a:lstStyle/>
+          <a:p>
+            <a:pPr eaLnBrk="1" hangingPunct="1">
+              <a:defRPr/>
+            </a:pPr>
+            <a:r>
+              <a:rPr lang="en-US" dirty="0" smtClean="0">
+                <a:solidFill>
+                  <a:srgbClr val="FF0000"/>
+                </a:solidFill>
+              </a:rPr>
+              <a:t>Analyze Yourself </a:t>
+            </a:r>
+            <a:endParaRPr lang="en-IN" dirty="0"/>
+          </a:p>
+        </p:txBody>
+      </p:sp>
+    </p:spTree>
+  </p:cSld>
+  <p:clrMapOvr>
+    <a:masterClrMapping/>
+  </p:clrMapOvr>
+</p:sld>
+</file>
+
+<file path=ppt/slides/slide7.xml><?xml version="1.0" encoding="utf-8"?>
+<p:sld xmlns:a="http://schemas.openxmlformats.org/drawingml/2006/main" xmlns:r="http://schemas.openxmlformats.org/officeDocument/2006/relationships" xmlns:p="http://schemas.openxmlformats.org/presentationml/2006/main">
+  <p:cSld>
+    <p:spTree>
+      <p:nvGrpSpPr>
+        <p:cNvPr id="1" name=""/>
+        <p:cNvGrpSpPr/>
+        <p:nvPr/>
+      </p:nvGrpSpPr>
+      <p:grpSpPr>
+        <a:xfrm>
+          <a:off x="0" y="0"/>
+          <a:ext cx="0" cy="0"/>
+          <a:chOff x="0" y="0"/>
+          <a:chExt cx="0" cy="0"/>
+        </a:xfrm>
+      </p:grpSpPr>
+      <p:sp>
+        <p:nvSpPr>
+          <p:cNvPr id="27650" name="Content Placeholder 1"/>
+          <p:cNvSpPr>
+            <a:spLocks noGrp="1"/>
+          </p:cNvSpPr>
+          <p:nvPr>
+            <p:ph idx="1"/>
+          </p:nvPr>
+        </p:nvSpPr>
+        <p:spPr>
+          <a:xfrm>
+            <a:off x="762000" y="990600"/>
+            <a:ext cx="8382000" cy="5376863"/>
+          </a:xfrm>
+        </p:spPr>
+        <p:txBody>
+          <a:bodyPr/>
+          <a:lstStyle/>
+          <a:p>
+            <a:pPr>
+              <a:buFont typeface="Wingdings 3" pitchFamily="18" charset="2"/>
+              <a:buNone/>
+              <a:defRPr/>
+            </a:pPr>
+            <a:r>
+              <a:rPr lang="en-IN" sz="2800" dirty="0" smtClean="0"/>
+              <a:t>5. The 14-pin TTL integrated </a:t>
+            </a:r>
+            <a:r>
+              <a:rPr lang="en-IN" sz="2800" dirty="0" err="1" smtClean="0"/>
+              <a:t>cuircuit</a:t>
+            </a:r>
+            <a:r>
+              <a:rPr lang="en-IN" sz="2800" dirty="0" smtClean="0"/>
+              <a:t> with four, two inputs ______ gates inside, is IC 7432.</a:t>
+            </a:r>
+            <a:endParaRPr lang="en-US" sz="2400" dirty="0" smtClean="0"/>
+          </a:p>
+          <a:p>
+            <a:pPr marL="849313" lvl="1" indent="-457200">
+              <a:buFont typeface="+mj-lt"/>
+              <a:buAutoNum type="alphaLcPeriod"/>
+              <a:defRPr/>
+            </a:pPr>
+            <a:r>
+              <a:rPr lang="en-IN" sz="2400" dirty="0" smtClean="0"/>
+              <a:t>OR</a:t>
+            </a:r>
+            <a:endParaRPr lang="en-US" sz="2000" dirty="0" smtClean="0"/>
+          </a:p>
+          <a:p>
+            <a:pPr marL="849313" lvl="1" indent="-457200">
+              <a:buFont typeface="+mj-lt"/>
+              <a:buAutoNum type="alphaLcPeriod"/>
+              <a:defRPr/>
+            </a:pPr>
+            <a:r>
+              <a:rPr lang="en-IN" sz="2400" dirty="0" smtClean="0"/>
+              <a:t>AND</a:t>
+            </a:r>
+            <a:endParaRPr lang="en-US" sz="2000" dirty="0" smtClean="0"/>
+          </a:p>
+          <a:p>
+            <a:pPr marL="849313" lvl="1" indent="-457200">
+              <a:buFont typeface="+mj-lt"/>
+              <a:buAutoNum type="alphaLcPeriod"/>
+              <a:defRPr/>
+            </a:pPr>
+            <a:r>
+              <a:rPr lang="en-IN" sz="2400" dirty="0" smtClean="0"/>
+              <a:t>NAND</a:t>
+            </a:r>
+            <a:endParaRPr lang="en-US" sz="2000" dirty="0" smtClean="0"/>
+          </a:p>
+          <a:p>
+            <a:pPr>
+              <a:buFont typeface="Wingdings 3" pitchFamily="18" charset="2"/>
+              <a:buNone/>
+              <a:defRPr/>
+            </a:pPr>
+            <a:r>
+              <a:rPr lang="en-IN" sz="2800" dirty="0" smtClean="0"/>
+              <a:t>6.  The 14-pin TTL integrated circuit with four, two inputs ______ gates inside, is IC 7400.</a:t>
+            </a:r>
+            <a:endParaRPr lang="en-US" sz="2400" dirty="0" smtClean="0"/>
+          </a:p>
+          <a:p>
+            <a:pPr marL="849313" lvl="1" indent="-457200">
+              <a:buFont typeface="+mj-lt"/>
+              <a:buAutoNum type="alphaLcPeriod"/>
+              <a:defRPr/>
+            </a:pPr>
+            <a:r>
+              <a:rPr lang="en-IN" sz="2400" dirty="0" smtClean="0"/>
+              <a:t>OR</a:t>
+            </a:r>
+            <a:endParaRPr lang="en-US" sz="2000" dirty="0" smtClean="0"/>
+          </a:p>
+          <a:p>
+            <a:pPr marL="849313" lvl="1" indent="-457200">
+              <a:buFont typeface="+mj-lt"/>
+              <a:buAutoNum type="alphaLcPeriod"/>
+              <a:defRPr/>
+            </a:pPr>
+            <a:r>
+              <a:rPr lang="en-IN" sz="2400" dirty="0" smtClean="0"/>
+              <a:t>AND</a:t>
+            </a:r>
+            <a:endParaRPr lang="en-US" sz="2000" dirty="0" smtClean="0"/>
+          </a:p>
+          <a:p>
+            <a:pPr marL="623887" indent="-514350">
+              <a:buFont typeface="+mj-lt"/>
+              <a:buAutoNum type="alphaLcPeriod"/>
+              <a:defRPr/>
+            </a:pPr>
+            <a:r>
+              <a:rPr lang="en-IN" sz="2800" dirty="0" smtClean="0"/>
+              <a:t>NAND</a:t>
+            </a:r>
+            <a:endParaRPr lang="en-IN" dirty="0" smtClean="0"/>
+          </a:p>
+          <a:p>
+            <a:pPr eaLnBrk="1" hangingPunct="1">
+              <a:buFont typeface="Wingdings 3" pitchFamily="18" charset="2"/>
+              <a:buNone/>
+              <a:defRPr/>
+            </a:pPr>
+            <a:r>
+              <a:rPr lang="en-US" dirty="0" smtClean="0"/>
+              <a:t> </a:t>
+            </a:r>
+            <a:endParaRPr lang="en-IN" dirty="0" smtClean="0"/>
+          </a:p>
+          <a:p>
+            <a:pPr eaLnBrk="1" hangingPunct="1">
+              <a:buFont typeface="Wingdings 3" pitchFamily="18" charset="2"/>
+              <a:buNone/>
+              <a:defRPr/>
+            </a:pPr>
+            <a:endParaRPr lang="en-IN" dirty="0" smtClean="0"/>
+          </a:p>
+        </p:txBody>
+      </p:sp>
+      <p:sp>
+        <p:nvSpPr>
+          <p:cNvPr id="3" name="Title 2"/>
+          <p:cNvSpPr>
+            <a:spLocks noGrp="1"/>
+          </p:cNvSpPr>
+          <p:nvPr>
+            <p:ph type="title"/>
+          </p:nvPr>
+        </p:nvSpPr>
+        <p:spPr>
+          <a:xfrm>
+            <a:off x="457200" y="457200"/>
+            <a:ext cx="8229600" cy="1143000"/>
+          </a:xfrm>
+        </p:spPr>
+        <p:txBody>
+          <a:bodyPr>
+            <a:normAutofit fontScale="90000"/>
+          </a:bodyPr>
+          <a:lstStyle/>
+          <a:p>
+            <a:pPr eaLnBrk="1" hangingPunct="1">
+              <a:defRPr/>
+            </a:pPr>
+            <a:r>
+              <a:rPr lang="en-US" dirty="0" smtClean="0">
+                <a:solidFill>
+                  <a:srgbClr val="FF0000"/>
+                </a:solidFill>
+              </a:rPr>
+              <a:t>Analyze Yourself  				 							</a:t>
+            </a:r>
+            <a:br>
+              <a:rPr lang="en-US" dirty="0" smtClean="0">
+                <a:solidFill>
+                  <a:srgbClr val="FF0000"/>
+                </a:solidFill>
+              </a:rPr>
+            </a:br>
+            <a:endParaRPr lang="en-IN" dirty="0"/>
+          </a:p>
+        </p:txBody>
+      </p:sp>
+    </p:spTree>
+  </p:cSld>
+  <p:clrMapOvr>
+    <a:masterClrMapping/>
+  </p:clrMapOvr>
+</p:sld>
+</file>
+
+<file path=ppt/slides/slide8.xml><?xml version="1.0" encoding="utf-8"?>
+<p:sld xmlns:a="http://schemas.openxmlformats.org/drawingml/2006/main" xmlns:r="http://schemas.openxmlformats.org/officeDocument/2006/relationships" xmlns:p="http://schemas.openxmlformats.org/presentationml/2006/main">
+  <p:cSld>
+    <p:spTree>
+      <p:nvGrpSpPr>
+        <p:cNvPr id="1" name=""/>
+        <p:cNvGrpSpPr/>
+        <p:nvPr/>
+      </p:nvGrpSpPr>
+      <p:grpSpPr>
+        <a:xfrm>
+          <a:off x="0" y="0"/>
+          <a:ext cx="0" cy="0"/>
+          <a:chOff x="0" y="0"/>
+          <a:chExt cx="0" cy="0"/>
+        </a:xfrm>
+      </p:grpSpPr>
+      <p:sp>
+        <p:nvSpPr>
+          <p:cNvPr id="27650" name="Content Placeholder 1"/>
+          <p:cNvSpPr>
+            <a:spLocks noGrp="1"/>
+          </p:cNvSpPr>
+          <p:nvPr>
+            <p:ph idx="1"/>
+          </p:nvPr>
+        </p:nvSpPr>
+        <p:spPr>
+          <a:xfrm>
+            <a:off x="457200" y="1481138"/>
+            <a:ext cx="8229600" cy="5072062"/>
+          </a:xfrm>
+        </p:spPr>
+        <p:txBody>
+          <a:bodyPr/>
+          <a:lstStyle/>
+          <a:p>
+            <a:pPr marL="623887" indent="-514350">
+              <a:buFont typeface="Wingdings 3" pitchFamily="18" charset="2"/>
+              <a:buNone/>
+              <a:defRPr/>
+            </a:pPr>
+            <a:r>
+              <a:rPr lang="en-IN" sz="2800" dirty="0" smtClean="0"/>
+              <a:t>7. The output of a ______ gate is 1 only when all of its inputs are 1.</a:t>
+            </a:r>
+            <a:endParaRPr lang="en-US" sz="2400" dirty="0" smtClean="0"/>
+          </a:p>
+          <a:p>
+            <a:pPr marL="849313" lvl="1" indent="-457200">
+              <a:buFont typeface="+mj-lt"/>
+              <a:buAutoNum type="alphaLcPeriod"/>
+              <a:defRPr/>
+            </a:pPr>
+            <a:r>
+              <a:rPr lang="en-IN" sz="2400" dirty="0" smtClean="0"/>
+              <a:t>NOR</a:t>
+            </a:r>
+            <a:endParaRPr lang="en-US" sz="2000" dirty="0" smtClean="0"/>
+          </a:p>
+          <a:p>
+            <a:pPr marL="849313" lvl="1" indent="-457200">
+              <a:buFont typeface="+mj-lt"/>
+              <a:buAutoNum type="alphaLcPeriod"/>
+              <a:defRPr/>
+            </a:pPr>
+            <a:r>
+              <a:rPr lang="en-IN" sz="2400" dirty="0" smtClean="0"/>
+              <a:t>EX-OR</a:t>
+            </a:r>
+            <a:endParaRPr lang="en-US" sz="2000" dirty="0" smtClean="0"/>
+          </a:p>
+          <a:p>
+            <a:pPr marL="849313" lvl="1" indent="-457200">
+              <a:buFont typeface="+mj-lt"/>
+              <a:buAutoNum type="alphaLcPeriod"/>
+              <a:defRPr/>
+            </a:pPr>
+            <a:r>
+              <a:rPr lang="en-IN" sz="2400" dirty="0" smtClean="0"/>
+              <a:t>AND</a:t>
+            </a:r>
+            <a:endParaRPr lang="en-US" sz="2000" dirty="0" smtClean="0"/>
+          </a:p>
+          <a:p>
+            <a:pPr marL="849313" lvl="1" indent="-457200">
+              <a:buFont typeface="+mj-lt"/>
+              <a:buAutoNum type="alphaLcPeriod"/>
+              <a:defRPr/>
+            </a:pPr>
+            <a:r>
+              <a:rPr lang="en-IN" sz="2400" dirty="0" smtClean="0"/>
+              <a:t>NOT</a:t>
+            </a:r>
+            <a:endParaRPr lang="en-US" sz="2000" dirty="0" smtClean="0"/>
+          </a:p>
+          <a:p>
+            <a:pPr>
+              <a:buFont typeface="Wingdings 3" pitchFamily="18" charset="2"/>
+              <a:buNone/>
+              <a:defRPr/>
+            </a:pPr>
+            <a:r>
+              <a:rPr lang="en-IN" sz="2800" dirty="0" smtClean="0"/>
+              <a:t>8. A NAND gate is equivalent to an AND gate plus a ____ gate put together.</a:t>
+            </a:r>
+            <a:endParaRPr lang="en-US" sz="2400" dirty="0" smtClean="0"/>
+          </a:p>
+          <a:p>
+            <a:pPr marL="849313" lvl="1" indent="-457200">
+              <a:buFont typeface="+mj-lt"/>
+              <a:buAutoNum type="alphaLcPeriod"/>
+              <a:defRPr/>
+            </a:pPr>
+            <a:r>
+              <a:rPr lang="en-IN" sz="2400" dirty="0" smtClean="0"/>
+              <a:t>NOR</a:t>
+            </a:r>
+            <a:endParaRPr lang="en-US" sz="2000" dirty="0" smtClean="0"/>
+          </a:p>
+          <a:p>
+            <a:pPr marL="849313" lvl="1" indent="-457200">
+              <a:buFont typeface="+mj-lt"/>
+              <a:buAutoNum type="alphaLcPeriod"/>
+              <a:defRPr/>
+            </a:pPr>
+            <a:r>
+              <a:rPr lang="en-IN" sz="2400" dirty="0" smtClean="0"/>
+              <a:t>NOT</a:t>
+            </a:r>
+            <a:endParaRPr lang="en-US" sz="2000" dirty="0" smtClean="0"/>
+          </a:p>
+          <a:p>
+            <a:pPr marL="849313" lvl="1" indent="-457200">
+              <a:buFont typeface="+mj-lt"/>
+              <a:buAutoNum type="alphaLcPeriod"/>
+              <a:defRPr/>
+            </a:pPr>
+            <a:r>
+              <a:rPr lang="en-IN" sz="2400" dirty="0" smtClean="0"/>
+              <a:t>EX-OR</a:t>
+            </a:r>
+            <a:endParaRPr lang="en-US" sz="2000" dirty="0" smtClean="0"/>
+          </a:p>
+          <a:p>
+            <a:pPr marL="623887" indent="-514350" eaLnBrk="1" hangingPunct="1">
+              <a:buFont typeface="+mj-lt"/>
+              <a:buAutoNum type="arabicPeriod"/>
+              <a:defRPr/>
+            </a:pPr>
+            <a:endParaRPr lang="en-IN" dirty="0" smtClean="0"/>
+          </a:p>
+          <a:p>
+            <a:pPr eaLnBrk="1" hangingPunct="1">
+              <a:buFont typeface="Wingdings 3" pitchFamily="18" charset="2"/>
+              <a:buNone/>
+              <a:defRPr/>
+            </a:pPr>
+            <a:r>
+              <a:rPr lang="en-US" dirty="0" smtClean="0"/>
+              <a:t> </a:t>
+            </a:r>
+            <a:endParaRPr lang="en-IN" dirty="0" smtClean="0"/>
+          </a:p>
+          <a:p>
+            <a:pPr eaLnBrk="1" hangingPunct="1">
+              <a:buFont typeface="Wingdings 3" pitchFamily="18" charset="2"/>
+              <a:buNone/>
+              <a:defRPr/>
+            </a:pPr>
+            <a:endParaRPr lang="en-IN" dirty="0" smtClean="0"/>
+          </a:p>
+        </p:txBody>
+      </p:sp>
+      <p:sp>
+        <p:nvSpPr>
+          <p:cNvPr id="3" name="Title 2"/>
+          <p:cNvSpPr>
+            <a:spLocks noGrp="1"/>
+          </p:cNvSpPr>
+          <p:nvPr>
+            <p:ph type="title"/>
+          </p:nvPr>
+        </p:nvSpPr>
+        <p:spPr/>
+        <p:txBody>
+          <a:bodyPr/>
+          <a:lstStyle/>
+          <a:p>
+            <a:pPr eaLnBrk="1" hangingPunct="1">
+              <a:defRPr/>
+            </a:pPr>
+            <a:r>
+              <a:rPr lang="en-US" dirty="0" smtClean="0">
+                <a:solidFill>
+                  <a:srgbClr val="FF0000"/>
+                </a:solidFill>
+              </a:rPr>
+              <a:t>Analyze Yourself </a:t>
+            </a:r>
+            <a:endParaRPr lang="en-IN" dirty="0"/>
+          </a:p>
+        </p:txBody>
+      </p:sp>
+    </p:spTree>
+  </p:cSld>
+  <p:clrMapOvr>
+    <a:masterClrMapping/>
+  </p:clrMapOvr>
+</p:sld>
+</file>
+
+<file path=ppt/slides/slide9.xml><?xml version="1.0" encoding="utf-8"?>
+<p:sld xmlns:a="http://schemas.openxmlformats.org/drawingml/2006/main" xmlns:r="http://schemas.openxmlformats.org/officeDocument/2006/relationships" xmlns:p="http://schemas.openxmlformats.org/presentationml/2006/main">
+  <p:cSld>
+    <p:spTree>
+      <p:nvGrpSpPr>
+        <p:cNvPr id="1" name=""/>
+        <p:cNvGrpSpPr/>
+        <p:nvPr/>
+      </p:nvGrpSpPr>
+      <p:grpSpPr>
+        <a:xfrm>
+          <a:off x="0" y="0"/>
+          <a:ext cx="0" cy="0"/>
+          <a:chOff x="0" y="0"/>
+          <a:chExt cx="0" cy="0"/>
+        </a:xfrm>
+      </p:grpSpPr>
+      <p:sp>
+        <p:nvSpPr>
+          <p:cNvPr id="27650" name="Content Placeholder 1"/>
+          <p:cNvSpPr>
+            <a:spLocks noGrp="1"/>
+          </p:cNvSpPr>
+          <p:nvPr>
+            <p:ph idx="1"/>
+          </p:nvPr>
+        </p:nvSpPr>
+        <p:spPr>
+          <a:xfrm>
+            <a:off x="914400" y="914400"/>
+            <a:ext cx="8229600" cy="5072063"/>
+          </a:xfrm>
+        </p:spPr>
+        <p:txBody>
+          <a:bodyPr/>
+          <a:lstStyle/>
+          <a:p>
+            <a:pPr>
+              <a:buFont typeface="Wingdings 3" pitchFamily="18" charset="2"/>
+              <a:buNone/>
+              <a:defRPr/>
+            </a:pPr>
+            <a:r>
+              <a:rPr lang="en-IN" sz="2800" dirty="0" smtClean="0"/>
+              <a:t>9.  Logic states can be only be ______ or 0.</a:t>
+            </a:r>
+            <a:endParaRPr lang="en-US" sz="2400" dirty="0" smtClean="0"/>
+          </a:p>
+          <a:p>
+            <a:pPr marL="849313" lvl="1" indent="-457200">
+              <a:buFont typeface="+mj-lt"/>
+              <a:buAutoNum type="alphaLcPeriod"/>
+              <a:defRPr/>
+            </a:pPr>
+            <a:r>
+              <a:rPr lang="en-IN" sz="2400" dirty="0" smtClean="0"/>
+              <a:t>3</a:t>
+            </a:r>
+            <a:endParaRPr lang="en-US" sz="2400" dirty="0" smtClean="0"/>
+          </a:p>
+          <a:p>
+            <a:pPr marL="849313" lvl="1" indent="-457200">
+              <a:buFont typeface="+mj-lt"/>
+              <a:buAutoNum type="alphaLcPeriod"/>
+              <a:defRPr/>
+            </a:pPr>
+            <a:r>
+              <a:rPr lang="en-IN" sz="2400" dirty="0" smtClean="0"/>
+              <a:t>2</a:t>
+            </a:r>
+            <a:endParaRPr lang="en-US" sz="2400" dirty="0" smtClean="0"/>
+          </a:p>
+          <a:p>
+            <a:pPr marL="849313" lvl="1" indent="-457200">
+              <a:buFont typeface="+mj-lt"/>
+              <a:buAutoNum type="alphaLcPeriod"/>
+              <a:defRPr/>
+            </a:pPr>
+            <a:r>
+              <a:rPr lang="en-IN" sz="2400" dirty="0" smtClean="0"/>
+              <a:t>1</a:t>
+            </a:r>
+            <a:endParaRPr lang="en-US" sz="2400" dirty="0" smtClean="0"/>
+          </a:p>
+          <a:p>
+            <a:pPr marL="849313" lvl="1" indent="-457200">
+              <a:buFont typeface="+mj-lt"/>
+              <a:buAutoNum type="alphaLcPeriod"/>
+              <a:defRPr/>
+            </a:pPr>
+            <a:r>
+              <a:rPr lang="en-IN" sz="2400" dirty="0" smtClean="0"/>
+              <a:t>0</a:t>
+            </a:r>
+          </a:p>
+          <a:p>
+            <a:pPr lvl="1">
+              <a:defRPr/>
+            </a:pPr>
+            <a:endParaRPr lang="en-IN" sz="2400" dirty="0" smtClean="0"/>
+          </a:p>
+          <a:p>
+            <a:pPr>
+              <a:buFont typeface="Wingdings 3" pitchFamily="18" charset="2"/>
+              <a:buNone/>
+              <a:defRPr/>
+            </a:pPr>
+            <a:r>
+              <a:rPr lang="en-IN" sz="2800" dirty="0" smtClean="0"/>
+              <a:t>10. A 14 pin NOT gate IC has ______ NOT gates.</a:t>
+            </a:r>
+            <a:endParaRPr lang="en-US" sz="2400" dirty="0" smtClean="0"/>
+          </a:p>
+          <a:p>
+            <a:pPr marL="849313" lvl="1" indent="-457200">
+              <a:buFont typeface="+mj-lt"/>
+              <a:buAutoNum type="alphaLcPeriod"/>
+              <a:defRPr/>
+            </a:pPr>
+            <a:r>
+              <a:rPr lang="en-IN" sz="2400" dirty="0" smtClean="0"/>
+              <a:t>8</a:t>
+            </a:r>
+            <a:endParaRPr lang="en-US" sz="2000" dirty="0" smtClean="0"/>
+          </a:p>
+          <a:p>
+            <a:pPr marL="849313" lvl="1" indent="-457200">
+              <a:buFont typeface="+mj-lt"/>
+              <a:buAutoNum type="alphaLcPeriod"/>
+              <a:defRPr/>
+            </a:pPr>
+            <a:r>
+              <a:rPr lang="en-IN" sz="2400" dirty="0" smtClean="0"/>
+              <a:t>6</a:t>
+            </a:r>
+            <a:endParaRPr lang="en-US" sz="2000" dirty="0" smtClean="0"/>
+          </a:p>
+          <a:p>
+            <a:pPr marL="849313" lvl="1" indent="-457200">
+              <a:buFont typeface="+mj-lt"/>
+              <a:buAutoNum type="alphaLcPeriod"/>
+              <a:defRPr/>
+            </a:pPr>
+            <a:r>
+              <a:rPr lang="en-IN" sz="2400" dirty="0" smtClean="0"/>
+              <a:t>5</a:t>
+            </a:r>
+            <a:endParaRPr lang="en-US" sz="2000" dirty="0" smtClean="0"/>
+          </a:p>
+          <a:p>
+            <a:pPr marL="849313" lvl="1" indent="-457200">
+              <a:buFont typeface="+mj-lt"/>
+              <a:buAutoNum type="alphaLcPeriod"/>
+              <a:defRPr/>
+            </a:pPr>
+            <a:r>
+              <a:rPr lang="en-IN" sz="2400" dirty="0" smtClean="0"/>
+              <a:t>4</a:t>
+            </a:r>
+            <a:endParaRPr lang="en-US" sz="2000" dirty="0" smtClean="0"/>
+          </a:p>
+          <a:p>
+            <a:pPr lvl="1">
+              <a:buFont typeface="Verdana" pitchFamily="34" charset="0"/>
+              <a:buNone/>
+              <a:defRPr/>
+            </a:pPr>
+            <a:endParaRPr lang="en-US" sz="2000" dirty="0" smtClean="0"/>
+          </a:p>
+          <a:p>
+            <a:pPr marL="623887" indent="-514350" eaLnBrk="1" hangingPunct="1">
+              <a:buFont typeface="+mj-lt"/>
+              <a:buAutoNum type="arabicPeriod"/>
+              <a:defRPr/>
+            </a:pPr>
+            <a:endParaRPr lang="en-IN" dirty="0" smtClean="0"/>
+          </a:p>
+          <a:p>
+            <a:pPr eaLnBrk="1" hangingPunct="1">
+              <a:buFont typeface="Wingdings 3" pitchFamily="18" charset="2"/>
+              <a:buNone/>
+              <a:defRPr/>
+            </a:pPr>
+            <a:r>
+              <a:rPr lang="en-US" dirty="0" smtClean="0"/>
+              <a:t> </a:t>
+            </a:r>
+            <a:endParaRPr lang="en-IN" dirty="0" smtClean="0"/>
+          </a:p>
+          <a:p>
+            <a:pPr eaLnBrk="1" hangingPunct="1">
+              <a:buFont typeface="Wingdings 3" pitchFamily="18" charset="2"/>
+              <a:buNone/>
+              <a:defRPr/>
+            </a:pPr>
+            <a:endParaRPr lang="en-IN" dirty="0" smtClean="0"/>
+          </a:p>
+        </p:txBody>
+      </p:sp>
+      <p:sp>
+        <p:nvSpPr>
+          <p:cNvPr id="3" name="Title 2"/>
+          <p:cNvSpPr>
+            <a:spLocks noGrp="1"/>
+          </p:cNvSpPr>
+          <p:nvPr>
+            <p:ph type="title"/>
+          </p:nvPr>
+        </p:nvSpPr>
+        <p:spPr>
+          <a:xfrm>
+            <a:off x="457200" y="0"/>
+            <a:ext cx="8229600" cy="1143000"/>
+          </a:xfrm>
+        </p:spPr>
+        <p:txBody>
+          <a:bodyPr/>
+          <a:lstStyle/>
+          <a:p>
+            <a:pPr eaLnBrk="1" hangingPunct="1">
+              <a:defRPr/>
+            </a:pPr>
+            <a:r>
+              <a:rPr lang="en-US" dirty="0" smtClean="0">
+                <a:solidFill>
+                  <a:srgbClr val="FF0000"/>
+                </a:solidFill>
+              </a:rPr>
+              <a:t>Analyze Yourself </a:t>
+            </a:r>
+            <a:endParaRPr lang="en-IN" dirty="0"/>
+          </a:p>
+        </p:txBody>
+      </p:sp>
+    </p:spTree>
+  </p:cSld>
+  <p:clrMapOvr>
+    <a:masterClrMapping/>
+  </p:clrMapOvr>
 </p:sld>
 </file>
 
